--- a/Synhronous motor/Presentation/Design.pptx
+++ b/Synhronous motor/Presentation/Design.pptx
@@ -6,6 +6,21 @@
   </p:sldMasterIdLst>
   <p:sldIdLst>
     <p:sldId id="256" r:id="rId2"/>
+    <p:sldId id="257" r:id="rId3"/>
+    <p:sldId id="259" r:id="rId4"/>
+    <p:sldId id="258" r:id="rId5"/>
+    <p:sldId id="260" r:id="rId6"/>
+    <p:sldId id="261" r:id="rId7"/>
+    <p:sldId id="262" r:id="rId8"/>
+    <p:sldId id="263" r:id="rId9"/>
+    <p:sldId id="264" r:id="rId10"/>
+    <p:sldId id="265" r:id="rId11"/>
+    <p:sldId id="266" r:id="rId12"/>
+    <p:sldId id="267" r:id="rId13"/>
+    <p:sldId id="268" r:id="rId14"/>
+    <p:sldId id="269" r:id="rId15"/>
+    <p:sldId id="270" r:id="rId16"/>
+    <p:sldId id="271" r:id="rId17"/>
   </p:sldIdLst>
   <p:sldSz cx="12192000" cy="6858000"/>
   <p:notesSz cx="6858000" cy="9144000"/>
@@ -104,6 +119,35 @@
       </a:defRPr>
     </a:lvl9pPr>
   </p:defaultTextStyle>
+  <p:extLst>
+    <p:ext uri="{521415D9-36F7-43E2-AB2F-B90AF26B5E84}">
+      <p14:sectionLst xmlns:p14="http://schemas.microsoft.com/office/powerpoint/2010/main">
+        <p14:section name="Default Section" id="{8FFE4DEC-CA5E-4160-96E6-9DA52E5FE5E6}">
+          <p14:sldIdLst>
+            <p14:sldId id="256"/>
+            <p14:sldId id="257"/>
+            <p14:sldId id="259"/>
+            <p14:sldId id="258"/>
+            <p14:sldId id="260"/>
+            <p14:sldId id="261"/>
+            <p14:sldId id="262"/>
+            <p14:sldId id="263"/>
+            <p14:sldId id="264"/>
+            <p14:sldId id="265"/>
+            <p14:sldId id="266"/>
+            <p14:sldId id="267"/>
+            <p14:sldId id="268"/>
+            <p14:sldId id="269"/>
+            <p14:sldId id="270"/>
+            <p14:sldId id="271"/>
+          </p14:sldIdLst>
+        </p14:section>
+      </p14:sectionLst>
+    </p:ext>
+    <p:ext uri="{EFAFB233-063F-42B5-8137-9DF3F51BA10A}">
+      <p15:sldGuideLst xmlns:p15="http://schemas.microsoft.com/office/powerpoint/2012/main"/>
+    </p:ext>
+  </p:extLst>
 </p:presentation>
 </file>
 
@@ -254,7 +298,7 @@
           <a:p>
             <a:fld id="{20930337-9DE0-481A-9DA4-22E60F373907}" type="datetimeFigureOut">
               <a:rPr lang="en-US" smtClean="0"/>
-              <a:t>4/7/2022</a:t>
+              <a:t>4/20/2022</a:t>
             </a:fld>
             <a:endParaRPr lang="en-US"/>
           </a:p>
@@ -452,7 +496,7 @@
           <a:p>
             <a:fld id="{20930337-9DE0-481A-9DA4-22E60F373907}" type="datetimeFigureOut">
               <a:rPr lang="en-US" smtClean="0"/>
-              <a:t>4/7/2022</a:t>
+              <a:t>4/20/2022</a:t>
             </a:fld>
             <a:endParaRPr lang="en-US"/>
           </a:p>
@@ -660,7 +704,7 @@
           <a:p>
             <a:fld id="{20930337-9DE0-481A-9DA4-22E60F373907}" type="datetimeFigureOut">
               <a:rPr lang="en-US" smtClean="0"/>
-              <a:t>4/7/2022</a:t>
+              <a:t>4/20/2022</a:t>
             </a:fld>
             <a:endParaRPr lang="en-US"/>
           </a:p>
@@ -858,7 +902,7 @@
           <a:p>
             <a:fld id="{20930337-9DE0-481A-9DA4-22E60F373907}" type="datetimeFigureOut">
               <a:rPr lang="en-US" smtClean="0"/>
-              <a:t>4/7/2022</a:t>
+              <a:t>4/20/2022</a:t>
             </a:fld>
             <a:endParaRPr lang="en-US"/>
           </a:p>
@@ -1133,7 +1177,7 @@
           <a:p>
             <a:fld id="{20930337-9DE0-481A-9DA4-22E60F373907}" type="datetimeFigureOut">
               <a:rPr lang="en-US" smtClean="0"/>
-              <a:t>4/7/2022</a:t>
+              <a:t>4/20/2022</a:t>
             </a:fld>
             <a:endParaRPr lang="en-US"/>
           </a:p>
@@ -1398,7 +1442,7 @@
           <a:p>
             <a:fld id="{20930337-9DE0-481A-9DA4-22E60F373907}" type="datetimeFigureOut">
               <a:rPr lang="en-US" smtClean="0"/>
-              <a:t>4/7/2022</a:t>
+              <a:t>4/20/2022</a:t>
             </a:fld>
             <a:endParaRPr lang="en-US"/>
           </a:p>
@@ -1810,7 +1854,7 @@
           <a:p>
             <a:fld id="{20930337-9DE0-481A-9DA4-22E60F373907}" type="datetimeFigureOut">
               <a:rPr lang="en-US" smtClean="0"/>
-              <a:t>4/7/2022</a:t>
+              <a:t>4/20/2022</a:t>
             </a:fld>
             <a:endParaRPr lang="en-US"/>
           </a:p>
@@ -1951,7 +1995,7 @@
           <a:p>
             <a:fld id="{20930337-9DE0-481A-9DA4-22E60F373907}" type="datetimeFigureOut">
               <a:rPr lang="en-US" smtClean="0"/>
-              <a:t>4/7/2022</a:t>
+              <a:t>4/20/2022</a:t>
             </a:fld>
             <a:endParaRPr lang="en-US"/>
           </a:p>
@@ -2064,7 +2108,7 @@
           <a:p>
             <a:fld id="{20930337-9DE0-481A-9DA4-22E60F373907}" type="datetimeFigureOut">
               <a:rPr lang="en-US" smtClean="0"/>
-              <a:t>4/7/2022</a:t>
+              <a:t>4/20/2022</a:t>
             </a:fld>
             <a:endParaRPr lang="en-US"/>
           </a:p>
@@ -2375,7 +2419,7 @@
           <a:p>
             <a:fld id="{20930337-9DE0-481A-9DA4-22E60F373907}" type="datetimeFigureOut">
               <a:rPr lang="en-US" smtClean="0"/>
-              <a:t>4/7/2022</a:t>
+              <a:t>4/20/2022</a:t>
             </a:fld>
             <a:endParaRPr lang="en-US"/>
           </a:p>
@@ -2663,7 +2707,7 @@
           <a:p>
             <a:fld id="{20930337-9DE0-481A-9DA4-22E60F373907}" type="datetimeFigureOut">
               <a:rPr lang="en-US" smtClean="0"/>
-              <a:t>4/7/2022</a:t>
+              <a:t>4/20/2022</a:t>
             </a:fld>
             <a:endParaRPr lang="en-US"/>
           </a:p>
@@ -2904,7 +2948,7 @@
           <a:p>
             <a:fld id="{20930337-9DE0-481A-9DA4-22E60F373907}" type="datetimeFigureOut">
               <a:rPr lang="en-US" smtClean="0"/>
-              <a:t>4/7/2022</a:t>
+              <a:t>4/20/2022</a:t>
             </a:fld>
             <a:endParaRPr lang="en-US"/>
           </a:p>
@@ -3457,6 +3501,5263 @@
 </p:sld>
 </file>
 
+<file path=ppt/slides/slide10.xml><?xml version="1.0" encoding="utf-8"?>
+<p:sld xmlns:a="http://schemas.openxmlformats.org/drawingml/2006/main" xmlns:r="http://schemas.openxmlformats.org/officeDocument/2006/relationships" xmlns:p="http://schemas.openxmlformats.org/presentationml/2006/main">
+  <p:cSld>
+    <p:spTree>
+      <p:nvGrpSpPr>
+        <p:cNvPr id="1" name=""/>
+        <p:cNvGrpSpPr/>
+        <p:nvPr/>
+      </p:nvGrpSpPr>
+      <p:grpSpPr>
+        <a:xfrm>
+          <a:off x="0" y="0"/>
+          <a:ext cx="0" cy="0"/>
+          <a:chOff x="0" y="0"/>
+          <a:chExt cx="0" cy="0"/>
+        </a:xfrm>
+      </p:grpSpPr>
+      <p:sp>
+        <p:nvSpPr>
+          <p:cNvPr id="4" name="TextBox 3">
+            <a:extLst>
+              <a:ext uri="{FF2B5EF4-FFF2-40B4-BE49-F238E27FC236}">
+                <a16:creationId xmlns:a16="http://schemas.microsoft.com/office/drawing/2014/main" id="{7F737DB7-4EC5-48EC-A176-DB974B53CB2D}"/>
+              </a:ext>
+            </a:extLst>
+          </p:cNvPr>
+          <p:cNvSpPr txBox="1"/>
+          <p:nvPr/>
+        </p:nvSpPr>
+        <p:spPr>
+          <a:xfrm>
+            <a:off x="809625" y="790575"/>
+            <a:ext cx="1409700" cy="369332"/>
+          </a:xfrm>
+          <a:prstGeom prst="rect">
+            <a:avLst/>
+          </a:prstGeom>
+          <a:noFill/>
+        </p:spPr>
+        <p:txBody>
+          <a:bodyPr wrap="square" rtlCol="0">
+            <a:spAutoFit/>
+          </a:bodyPr>
+          <a:lstStyle/>
+          <a:p>
+            <a:r>
+              <a:rPr lang="en-US" dirty="0"/>
+              <a:t>Shaft 32mm</a:t>
+            </a:r>
+          </a:p>
+        </p:txBody>
+      </p:sp>
+    </p:spTree>
+    <p:extLst>
+      <p:ext uri="{BB962C8B-B14F-4D97-AF65-F5344CB8AC3E}">
+        <p14:creationId xmlns:p14="http://schemas.microsoft.com/office/powerpoint/2010/main" val="3273665642"/>
+      </p:ext>
+    </p:extLst>
+  </p:cSld>
+  <p:clrMapOvr>
+    <a:masterClrMapping/>
+  </p:clrMapOvr>
+</p:sld>
+</file>
+
+<file path=ppt/slides/slide11.xml><?xml version="1.0" encoding="utf-8"?>
+<p:sld xmlns:a="http://schemas.openxmlformats.org/drawingml/2006/main" xmlns:r="http://schemas.openxmlformats.org/officeDocument/2006/relationships" xmlns:p="http://schemas.openxmlformats.org/presentationml/2006/main">
+  <p:cSld>
+    <p:spTree>
+      <p:nvGrpSpPr>
+        <p:cNvPr id="1" name=""/>
+        <p:cNvGrpSpPr/>
+        <p:nvPr/>
+      </p:nvGrpSpPr>
+      <p:grpSpPr>
+        <a:xfrm>
+          <a:off x="0" y="0"/>
+          <a:ext cx="0" cy="0"/>
+          <a:chOff x="0" y="0"/>
+          <a:chExt cx="0" cy="0"/>
+        </a:xfrm>
+      </p:grpSpPr>
+    </p:spTree>
+    <p:extLst>
+      <p:ext uri="{BB962C8B-B14F-4D97-AF65-F5344CB8AC3E}">
+        <p14:creationId xmlns:p14="http://schemas.microsoft.com/office/powerpoint/2010/main" val="4220504142"/>
+      </p:ext>
+    </p:extLst>
+  </p:cSld>
+  <p:clrMapOvr>
+    <a:masterClrMapping/>
+  </p:clrMapOvr>
+</p:sld>
+</file>
+
+<file path=ppt/slides/slide12.xml><?xml version="1.0" encoding="utf-8"?>
+<p:sld xmlns:a="http://schemas.openxmlformats.org/drawingml/2006/main" xmlns:r="http://schemas.openxmlformats.org/officeDocument/2006/relationships" xmlns:p="http://schemas.openxmlformats.org/presentationml/2006/main">
+  <p:cSld>
+    <p:spTree>
+      <p:nvGrpSpPr>
+        <p:cNvPr id="1" name=""/>
+        <p:cNvGrpSpPr/>
+        <p:nvPr/>
+      </p:nvGrpSpPr>
+      <p:grpSpPr>
+        <a:xfrm>
+          <a:off x="0" y="0"/>
+          <a:ext cx="0" cy="0"/>
+          <a:chOff x="0" y="0"/>
+          <a:chExt cx="0" cy="0"/>
+        </a:xfrm>
+      </p:grpSpPr>
+    </p:spTree>
+    <p:extLst>
+      <p:ext uri="{BB962C8B-B14F-4D97-AF65-F5344CB8AC3E}">
+        <p14:creationId xmlns:p14="http://schemas.microsoft.com/office/powerpoint/2010/main" val="447381699"/>
+      </p:ext>
+    </p:extLst>
+  </p:cSld>
+  <p:clrMapOvr>
+    <a:masterClrMapping/>
+  </p:clrMapOvr>
+</p:sld>
+</file>
+
+<file path=ppt/slides/slide13.xml><?xml version="1.0" encoding="utf-8"?>
+<p:sld xmlns:a="http://schemas.openxmlformats.org/drawingml/2006/main" xmlns:r="http://schemas.openxmlformats.org/officeDocument/2006/relationships" xmlns:p="http://schemas.openxmlformats.org/presentationml/2006/main">
+  <p:cSld>
+    <p:spTree>
+      <p:nvGrpSpPr>
+        <p:cNvPr id="1" name=""/>
+        <p:cNvGrpSpPr/>
+        <p:nvPr/>
+      </p:nvGrpSpPr>
+      <p:grpSpPr>
+        <a:xfrm>
+          <a:off x="0" y="0"/>
+          <a:ext cx="0" cy="0"/>
+          <a:chOff x="0" y="0"/>
+          <a:chExt cx="0" cy="0"/>
+        </a:xfrm>
+      </p:grpSpPr>
+    </p:spTree>
+    <p:extLst>
+      <p:ext uri="{BB962C8B-B14F-4D97-AF65-F5344CB8AC3E}">
+        <p14:creationId xmlns:p14="http://schemas.microsoft.com/office/powerpoint/2010/main" val="3843314009"/>
+      </p:ext>
+    </p:extLst>
+  </p:cSld>
+  <p:clrMapOvr>
+    <a:masterClrMapping/>
+  </p:clrMapOvr>
+</p:sld>
+</file>
+
+<file path=ppt/slides/slide14.xml><?xml version="1.0" encoding="utf-8"?>
+<p:sld xmlns:a="http://schemas.openxmlformats.org/drawingml/2006/main" xmlns:r="http://schemas.openxmlformats.org/officeDocument/2006/relationships" xmlns:p="http://schemas.openxmlformats.org/presentationml/2006/main">
+  <p:cSld>
+    <p:spTree>
+      <p:nvGrpSpPr>
+        <p:cNvPr id="1" name=""/>
+        <p:cNvGrpSpPr/>
+        <p:nvPr/>
+      </p:nvGrpSpPr>
+      <p:grpSpPr>
+        <a:xfrm>
+          <a:off x="0" y="0"/>
+          <a:ext cx="0" cy="0"/>
+          <a:chOff x="0" y="0"/>
+          <a:chExt cx="0" cy="0"/>
+        </a:xfrm>
+      </p:grpSpPr>
+    </p:spTree>
+    <p:extLst>
+      <p:ext uri="{BB962C8B-B14F-4D97-AF65-F5344CB8AC3E}">
+        <p14:creationId xmlns:p14="http://schemas.microsoft.com/office/powerpoint/2010/main" val="3072479964"/>
+      </p:ext>
+    </p:extLst>
+  </p:cSld>
+  <p:clrMapOvr>
+    <a:masterClrMapping/>
+  </p:clrMapOvr>
+</p:sld>
+</file>
+
+<file path=ppt/slides/slide15.xml><?xml version="1.0" encoding="utf-8"?>
+<p:sld xmlns:a="http://schemas.openxmlformats.org/drawingml/2006/main" xmlns:r="http://schemas.openxmlformats.org/officeDocument/2006/relationships" xmlns:p="http://schemas.openxmlformats.org/presentationml/2006/main">
+  <p:cSld>
+    <p:spTree>
+      <p:nvGrpSpPr>
+        <p:cNvPr id="1" name=""/>
+        <p:cNvGrpSpPr/>
+        <p:nvPr/>
+      </p:nvGrpSpPr>
+      <p:grpSpPr>
+        <a:xfrm>
+          <a:off x="0" y="0"/>
+          <a:ext cx="0" cy="0"/>
+          <a:chOff x="0" y="0"/>
+          <a:chExt cx="0" cy="0"/>
+        </a:xfrm>
+      </p:grpSpPr>
+    </p:spTree>
+    <p:extLst>
+      <p:ext uri="{BB962C8B-B14F-4D97-AF65-F5344CB8AC3E}">
+        <p14:creationId xmlns:p14="http://schemas.microsoft.com/office/powerpoint/2010/main" val="2473521389"/>
+      </p:ext>
+    </p:extLst>
+  </p:cSld>
+  <p:clrMapOvr>
+    <a:masterClrMapping/>
+  </p:clrMapOvr>
+</p:sld>
+</file>
+
+<file path=ppt/slides/slide16.xml><?xml version="1.0" encoding="utf-8"?>
+<p:sld xmlns:a="http://schemas.openxmlformats.org/drawingml/2006/main" xmlns:r="http://schemas.openxmlformats.org/officeDocument/2006/relationships" xmlns:p="http://schemas.openxmlformats.org/presentationml/2006/main">
+  <p:cSld>
+    <p:spTree>
+      <p:nvGrpSpPr>
+        <p:cNvPr id="1" name=""/>
+        <p:cNvGrpSpPr/>
+        <p:nvPr/>
+      </p:nvGrpSpPr>
+      <p:grpSpPr>
+        <a:xfrm>
+          <a:off x="0" y="0"/>
+          <a:ext cx="0" cy="0"/>
+          <a:chOff x="0" y="0"/>
+          <a:chExt cx="0" cy="0"/>
+        </a:xfrm>
+      </p:grpSpPr>
+    </p:spTree>
+    <p:extLst>
+      <p:ext uri="{BB962C8B-B14F-4D97-AF65-F5344CB8AC3E}">
+        <p14:creationId xmlns:p14="http://schemas.microsoft.com/office/powerpoint/2010/main" val="2608422116"/>
+      </p:ext>
+    </p:extLst>
+  </p:cSld>
+  <p:clrMapOvr>
+    <a:masterClrMapping/>
+  </p:clrMapOvr>
+</p:sld>
+</file>
+
+<file path=ppt/slides/slide2.xml><?xml version="1.0" encoding="utf-8"?>
+<p:sld xmlns:a="http://schemas.openxmlformats.org/drawingml/2006/main" xmlns:r="http://schemas.openxmlformats.org/officeDocument/2006/relationships" xmlns:p="http://schemas.openxmlformats.org/presentationml/2006/main">
+  <p:cSld>
+    <p:spTree>
+      <p:nvGrpSpPr>
+        <p:cNvPr id="1" name=""/>
+        <p:cNvGrpSpPr/>
+        <p:nvPr/>
+      </p:nvGrpSpPr>
+      <p:grpSpPr>
+        <a:xfrm>
+          <a:off x="0" y="0"/>
+          <a:ext cx="0" cy="0"/>
+          <a:chOff x="0" y="0"/>
+          <a:chExt cx="0" cy="0"/>
+        </a:xfrm>
+      </p:grpSpPr>
+      <p:pic>
+        <p:nvPicPr>
+          <p:cNvPr id="4" name="Picture 3">
+            <a:extLst>
+              <a:ext uri="{FF2B5EF4-FFF2-40B4-BE49-F238E27FC236}">
+                <a16:creationId xmlns:a16="http://schemas.microsoft.com/office/drawing/2014/main" id="{78ABAC1E-FAE2-4908-BED1-6CA25F7C965F}"/>
+              </a:ext>
+            </a:extLst>
+          </p:cNvPr>
+          <p:cNvPicPr>
+            <a:picLocks noChangeAspect="1"/>
+          </p:cNvPicPr>
+          <p:nvPr/>
+        </p:nvPicPr>
+        <p:blipFill>
+          <a:blip r:embed="rId2"/>
+          <a:stretch>
+            <a:fillRect/>
+          </a:stretch>
+        </p:blipFill>
+        <p:spPr>
+          <a:xfrm>
+            <a:off x="779817" y="782854"/>
+            <a:ext cx="6856985" cy="4065588"/>
+          </a:xfrm>
+          <a:prstGeom prst="rect">
+            <a:avLst/>
+          </a:prstGeom>
+        </p:spPr>
+      </p:pic>
+      <p:pic>
+        <p:nvPicPr>
+          <p:cNvPr id="5" name="Picture 4">
+            <a:extLst>
+              <a:ext uri="{FF2B5EF4-FFF2-40B4-BE49-F238E27FC236}">
+                <a16:creationId xmlns:a16="http://schemas.microsoft.com/office/drawing/2014/main" id="{9B4D84AD-8462-42F2-9F66-9EF022743B84}"/>
+              </a:ext>
+            </a:extLst>
+          </p:cNvPr>
+          <p:cNvPicPr>
+            <a:picLocks noChangeAspect="1"/>
+          </p:cNvPicPr>
+          <p:nvPr/>
+        </p:nvPicPr>
+        <p:blipFill>
+          <a:blip r:embed="rId3"/>
+          <a:stretch>
+            <a:fillRect/>
+          </a:stretch>
+        </p:blipFill>
+        <p:spPr>
+          <a:xfrm>
+            <a:off x="8275730" y="2466875"/>
+            <a:ext cx="1704975" cy="466725"/>
+          </a:xfrm>
+          <a:prstGeom prst="rect">
+            <a:avLst/>
+          </a:prstGeom>
+        </p:spPr>
+      </p:pic>
+    </p:spTree>
+    <p:extLst>
+      <p:ext uri="{BB962C8B-B14F-4D97-AF65-F5344CB8AC3E}">
+        <p14:creationId xmlns:p14="http://schemas.microsoft.com/office/powerpoint/2010/main" val="2967564185"/>
+      </p:ext>
+    </p:extLst>
+  </p:cSld>
+  <p:clrMapOvr>
+    <a:masterClrMapping/>
+  </p:clrMapOvr>
+</p:sld>
+</file>
+
+<file path=ppt/slides/slide3.xml><?xml version="1.0" encoding="utf-8"?>
+<p:sld xmlns:a="http://schemas.openxmlformats.org/drawingml/2006/main" xmlns:r="http://schemas.openxmlformats.org/officeDocument/2006/relationships" xmlns:p="http://schemas.openxmlformats.org/presentationml/2006/main">
+  <p:cSld>
+    <p:spTree>
+      <p:nvGrpSpPr>
+        <p:cNvPr id="1" name=""/>
+        <p:cNvGrpSpPr/>
+        <p:nvPr/>
+      </p:nvGrpSpPr>
+      <p:grpSpPr>
+        <a:xfrm>
+          <a:off x="0" y="0"/>
+          <a:ext cx="0" cy="0"/>
+          <a:chOff x="0" y="0"/>
+          <a:chExt cx="0" cy="0"/>
+        </a:xfrm>
+      </p:grpSpPr>
+      <p:pic>
+        <p:nvPicPr>
+          <p:cNvPr id="4" name="Picture 3">
+            <a:extLst>
+              <a:ext uri="{FF2B5EF4-FFF2-40B4-BE49-F238E27FC236}">
+                <a16:creationId xmlns:a16="http://schemas.microsoft.com/office/drawing/2014/main" id="{44023C89-3453-4F5A-A7BE-2451F03E38CE}"/>
+              </a:ext>
+            </a:extLst>
+          </p:cNvPr>
+          <p:cNvPicPr>
+            <a:picLocks noChangeAspect="1"/>
+          </p:cNvPicPr>
+          <p:nvPr/>
+        </p:nvPicPr>
+        <p:blipFill>
+          <a:blip r:embed="rId2"/>
+          <a:stretch>
+            <a:fillRect/>
+          </a:stretch>
+        </p:blipFill>
+        <p:spPr>
+          <a:xfrm>
+            <a:off x="387104" y="303458"/>
+            <a:ext cx="7319069" cy="4339563"/>
+          </a:xfrm>
+          <a:prstGeom prst="rect">
+            <a:avLst/>
+          </a:prstGeom>
+        </p:spPr>
+      </p:pic>
+      <p:pic>
+        <p:nvPicPr>
+          <p:cNvPr id="5" name="Picture 4">
+            <a:extLst>
+              <a:ext uri="{FF2B5EF4-FFF2-40B4-BE49-F238E27FC236}">
+                <a16:creationId xmlns:a16="http://schemas.microsoft.com/office/drawing/2014/main" id="{D936140A-5BF4-475B-AE48-10746CAEF397}"/>
+              </a:ext>
+            </a:extLst>
+          </p:cNvPr>
+          <p:cNvPicPr>
+            <a:picLocks noChangeAspect="1"/>
+          </p:cNvPicPr>
+          <p:nvPr/>
+        </p:nvPicPr>
+        <p:blipFill>
+          <a:blip r:embed="rId3"/>
+          <a:stretch>
+            <a:fillRect/>
+          </a:stretch>
+        </p:blipFill>
+        <p:spPr>
+          <a:xfrm>
+            <a:off x="8538885" y="1882146"/>
+            <a:ext cx="1914525" cy="400050"/>
+          </a:xfrm>
+          <a:prstGeom prst="rect">
+            <a:avLst/>
+          </a:prstGeom>
+        </p:spPr>
+      </p:pic>
+    </p:spTree>
+    <p:extLst>
+      <p:ext uri="{BB962C8B-B14F-4D97-AF65-F5344CB8AC3E}">
+        <p14:creationId xmlns:p14="http://schemas.microsoft.com/office/powerpoint/2010/main" val="2264759550"/>
+      </p:ext>
+    </p:extLst>
+  </p:cSld>
+  <p:clrMapOvr>
+    <a:masterClrMapping/>
+  </p:clrMapOvr>
+</p:sld>
+</file>
+
+<file path=ppt/slides/slide4.xml><?xml version="1.0" encoding="utf-8"?>
+<p:sld xmlns:a="http://schemas.openxmlformats.org/drawingml/2006/main" xmlns:r="http://schemas.openxmlformats.org/officeDocument/2006/relationships" xmlns:p="http://schemas.openxmlformats.org/presentationml/2006/main">
+  <p:cSld>
+    <p:spTree>
+      <p:nvGrpSpPr>
+        <p:cNvPr id="1" name=""/>
+        <p:cNvGrpSpPr/>
+        <p:nvPr/>
+      </p:nvGrpSpPr>
+      <p:grpSpPr>
+        <a:xfrm>
+          <a:off x="0" y="0"/>
+          <a:ext cx="0" cy="0"/>
+          <a:chOff x="0" y="0"/>
+          <a:chExt cx="0" cy="0"/>
+        </a:xfrm>
+      </p:grpSpPr>
+      <p:pic>
+        <p:nvPicPr>
+          <p:cNvPr id="5" name="Picture 4">
+            <a:extLst>
+              <a:ext uri="{FF2B5EF4-FFF2-40B4-BE49-F238E27FC236}">
+                <a16:creationId xmlns:a16="http://schemas.microsoft.com/office/drawing/2014/main" id="{15A2158F-E188-4238-88E4-79C88433AB08}"/>
+              </a:ext>
+            </a:extLst>
+          </p:cNvPr>
+          <p:cNvPicPr>
+            <a:picLocks noChangeAspect="1"/>
+          </p:cNvPicPr>
+          <p:nvPr/>
+        </p:nvPicPr>
+        <p:blipFill>
+          <a:blip r:embed="rId2"/>
+          <a:stretch>
+            <a:fillRect/>
+          </a:stretch>
+        </p:blipFill>
+        <p:spPr>
+          <a:xfrm>
+            <a:off x="759965" y="880507"/>
+            <a:ext cx="7184311" cy="4259663"/>
+          </a:xfrm>
+          <a:prstGeom prst="rect">
+            <a:avLst/>
+          </a:prstGeom>
+        </p:spPr>
+      </p:pic>
+      <p:pic>
+        <p:nvPicPr>
+          <p:cNvPr id="6" name="Picture 5">
+            <a:extLst>
+              <a:ext uri="{FF2B5EF4-FFF2-40B4-BE49-F238E27FC236}">
+                <a16:creationId xmlns:a16="http://schemas.microsoft.com/office/drawing/2014/main" id="{0B885A89-8C8A-42AE-972B-E9A6DFF8BD08}"/>
+              </a:ext>
+            </a:extLst>
+          </p:cNvPr>
+          <p:cNvPicPr>
+            <a:picLocks noChangeAspect="1"/>
+          </p:cNvPicPr>
+          <p:nvPr/>
+        </p:nvPicPr>
+        <p:blipFill>
+          <a:blip r:embed="rId3"/>
+          <a:stretch>
+            <a:fillRect/>
+          </a:stretch>
+        </p:blipFill>
+        <p:spPr>
+          <a:xfrm>
+            <a:off x="8402253" y="2748400"/>
+            <a:ext cx="1885950" cy="523875"/>
+          </a:xfrm>
+          <a:prstGeom prst="rect">
+            <a:avLst/>
+          </a:prstGeom>
+        </p:spPr>
+      </p:pic>
+    </p:spTree>
+    <p:extLst>
+      <p:ext uri="{BB962C8B-B14F-4D97-AF65-F5344CB8AC3E}">
+        <p14:creationId xmlns:p14="http://schemas.microsoft.com/office/powerpoint/2010/main" val="2417488822"/>
+      </p:ext>
+    </p:extLst>
+  </p:cSld>
+  <p:clrMapOvr>
+    <a:masterClrMapping/>
+  </p:clrMapOvr>
+</p:sld>
+</file>
+
+<file path=ppt/slides/slide5.xml><?xml version="1.0" encoding="utf-8"?>
+<p:sld xmlns:a="http://schemas.openxmlformats.org/drawingml/2006/main" xmlns:r="http://schemas.openxmlformats.org/officeDocument/2006/relationships" xmlns:p="http://schemas.openxmlformats.org/presentationml/2006/main">
+  <p:cSld>
+    <p:spTree>
+      <p:nvGrpSpPr>
+        <p:cNvPr id="1" name=""/>
+        <p:cNvGrpSpPr/>
+        <p:nvPr/>
+      </p:nvGrpSpPr>
+      <p:grpSpPr>
+        <a:xfrm>
+          <a:off x="0" y="0"/>
+          <a:ext cx="0" cy="0"/>
+          <a:chOff x="0" y="0"/>
+          <a:chExt cx="0" cy="0"/>
+        </a:xfrm>
+      </p:grpSpPr>
+      <mc:AlternateContent xmlns:mc="http://schemas.openxmlformats.org/markup-compatibility/2006">
+        <mc:Choice xmlns:a14="http://schemas.microsoft.com/office/drawing/2010/main" Requires="a14">
+          <p:graphicFrame>
+            <p:nvGraphicFramePr>
+              <p:cNvPr id="5" name="Table 4">
+                <a:extLst>
+                  <a:ext uri="{FF2B5EF4-FFF2-40B4-BE49-F238E27FC236}">
+                    <a16:creationId xmlns:a16="http://schemas.microsoft.com/office/drawing/2014/main" id="{F6E1A2AF-28C5-40FE-A09C-2D1BB3CE2896}"/>
+                  </a:ext>
+                </a:extLst>
+              </p:cNvPr>
+              <p:cNvGraphicFramePr>
+                <a:graphicFrameLocks noGrp="1"/>
+              </p:cNvGraphicFramePr>
+              <p:nvPr>
+                <p:extLst>
+                  <p:ext uri="{D42A27DB-BD31-4B8C-83A1-F6EECF244321}">
+                    <p14:modId xmlns:p14="http://schemas.microsoft.com/office/powerpoint/2010/main" val="4288738591"/>
+                  </p:ext>
+                </p:extLst>
+              </p:nvPr>
+            </p:nvGraphicFramePr>
+            <p:xfrm>
+              <a:off x="928704" y="1054790"/>
+              <a:ext cx="10334592" cy="1904445"/>
+            </p:xfrm>
+            <a:graphic>
+              <a:graphicData uri="http://schemas.openxmlformats.org/drawingml/2006/table">
+                <a:tbl>
+                  <a:tblPr>
+                    <a:tableStyleId>{5C22544A-7EE6-4342-B048-85BDC9FD1C3A}</a:tableStyleId>
+                  </a:tblPr>
+                  <a:tblGrid>
+                    <a:gridCol w="622424">
+                      <a:extLst>
+                        <a:ext uri="{9D8B030D-6E8A-4147-A177-3AD203B41FA5}">
+                          <a16:colId xmlns:a16="http://schemas.microsoft.com/office/drawing/2014/main" val="3792330964"/>
+                        </a:ext>
+                      </a:extLst>
+                    </a:gridCol>
+                    <a:gridCol w="1189607">
+                      <a:extLst>
+                        <a:ext uri="{9D8B030D-6E8A-4147-A177-3AD203B41FA5}">
+                          <a16:colId xmlns:a16="http://schemas.microsoft.com/office/drawing/2014/main" val="4047730702"/>
+                        </a:ext>
+                      </a:extLst>
+                    </a:gridCol>
+                    <a:gridCol w="1988598">
+                      <a:extLst>
+                        <a:ext uri="{9D8B030D-6E8A-4147-A177-3AD203B41FA5}">
+                          <a16:colId xmlns:a16="http://schemas.microsoft.com/office/drawing/2014/main" val="3014606110"/>
+                        </a:ext>
+                      </a:extLst>
+                    </a:gridCol>
+                    <a:gridCol w="1988598">
+                      <a:extLst>
+                        <a:ext uri="{9D8B030D-6E8A-4147-A177-3AD203B41FA5}">
+                          <a16:colId xmlns:a16="http://schemas.microsoft.com/office/drawing/2014/main" val="232192002"/>
+                        </a:ext>
+                      </a:extLst>
+                    </a:gridCol>
+                    <a:gridCol w="2414727">
+                      <a:extLst>
+                        <a:ext uri="{9D8B030D-6E8A-4147-A177-3AD203B41FA5}">
+                          <a16:colId xmlns:a16="http://schemas.microsoft.com/office/drawing/2014/main" val="3942515347"/>
+                        </a:ext>
+                      </a:extLst>
+                    </a:gridCol>
+                    <a:gridCol w="2130638">
+                      <a:extLst>
+                        <a:ext uri="{9D8B030D-6E8A-4147-A177-3AD203B41FA5}">
+                          <a16:colId xmlns:a16="http://schemas.microsoft.com/office/drawing/2014/main" val="1277185909"/>
+                        </a:ext>
+                      </a:extLst>
+                    </a:gridCol>
+                  </a:tblGrid>
+                  <a:tr h="435752">
+                    <a:tc>
+                      <a:txBody>
+                        <a:bodyPr/>
+                        <a:lstStyle/>
+                        <a:p>
+                          <a:pPr algn="l"/>
+                          <a:endParaRPr lang="en-US" dirty="0"/>
+                        </a:p>
+                      </a:txBody>
+                      <a:tcPr>
+                        <a:lnL w="12700" cap="flat" cmpd="sng" algn="ctr">
+                          <a:solidFill>
+                            <a:schemeClr val="tx1"/>
+                          </a:solidFill>
+                          <a:prstDash val="solid"/>
+                          <a:round/>
+                          <a:headEnd type="none" w="med" len="med"/>
+                          <a:tailEnd type="none" w="med" len="med"/>
+                        </a:lnL>
+                        <a:lnR w="12700" cap="flat" cmpd="sng" algn="ctr">
+                          <a:solidFill>
+                            <a:schemeClr val="tx1"/>
+                          </a:solidFill>
+                          <a:prstDash val="solid"/>
+                          <a:round/>
+                          <a:headEnd type="none" w="med" len="med"/>
+                          <a:tailEnd type="none" w="med" len="med"/>
+                        </a:lnR>
+                        <a:lnT w="12700" cap="flat" cmpd="sng" algn="ctr">
+                          <a:solidFill>
+                            <a:schemeClr val="tx1"/>
+                          </a:solidFill>
+                          <a:prstDash val="solid"/>
+                          <a:round/>
+                          <a:headEnd type="none" w="med" len="med"/>
+                          <a:tailEnd type="none" w="med" len="med"/>
+                        </a:lnT>
+                        <a:lnB w="12700" cap="flat" cmpd="sng" algn="ctr">
+                          <a:solidFill>
+                            <a:schemeClr val="tx1"/>
+                          </a:solidFill>
+                          <a:prstDash val="solid"/>
+                          <a:round/>
+                          <a:headEnd type="none" w="med" len="med"/>
+                          <a:tailEnd type="none" w="med" len="med"/>
+                        </a:lnB>
+                        <a:noFill/>
+                      </a:tcPr>
+                    </a:tc>
+                    <a:tc>
+                      <a:txBody>
+                        <a:bodyPr/>
+                        <a:lstStyle/>
+                        <a:p>
+                          <a:pPr algn="l"/>
+                          <a:r>
+                            <a:rPr lang="en-US" dirty="0"/>
+                            <a:t>Aligned</a:t>
+                          </a:r>
+                        </a:p>
+                      </a:txBody>
+                      <a:tcPr>
+                        <a:lnL w="12700" cap="flat" cmpd="sng" algn="ctr">
+                          <a:solidFill>
+                            <a:schemeClr val="tx1"/>
+                          </a:solidFill>
+                          <a:prstDash val="solid"/>
+                          <a:round/>
+                          <a:headEnd type="none" w="med" len="med"/>
+                          <a:tailEnd type="none" w="med" len="med"/>
+                        </a:lnL>
+                        <a:lnR w="12700" cap="flat" cmpd="sng" algn="ctr">
+                          <a:solidFill>
+                            <a:schemeClr val="tx1"/>
+                          </a:solidFill>
+                          <a:prstDash val="solid"/>
+                          <a:round/>
+                          <a:headEnd type="none" w="med" len="med"/>
+                          <a:tailEnd type="none" w="med" len="med"/>
+                        </a:lnR>
+                        <a:lnT w="12700" cap="flat" cmpd="sng" algn="ctr">
+                          <a:solidFill>
+                            <a:schemeClr val="tx1"/>
+                          </a:solidFill>
+                          <a:prstDash val="solid"/>
+                          <a:round/>
+                          <a:headEnd type="none" w="med" len="med"/>
+                          <a:tailEnd type="none" w="med" len="med"/>
+                        </a:lnT>
+                        <a:lnB w="12700" cap="flat" cmpd="sng" algn="ctr">
+                          <a:solidFill>
+                            <a:schemeClr val="tx1"/>
+                          </a:solidFill>
+                          <a:prstDash val="solid"/>
+                          <a:round/>
+                          <a:headEnd type="none" w="med" len="med"/>
+                          <a:tailEnd type="none" w="med" len="med"/>
+                        </a:lnB>
+                        <a:noFill/>
+                      </a:tcPr>
+                    </a:tc>
+                    <a:tc>
+                      <a:txBody>
+                        <a:bodyPr/>
+                        <a:lstStyle/>
+                        <a:p>
+                          <a:pPr algn="l"/>
+                          <a:r>
+                            <a:rPr lang="en-US" dirty="0"/>
+                            <a:t>Misaligned- 10mm</a:t>
+                          </a:r>
+                        </a:p>
+                      </a:txBody>
+                      <a:tcPr>
+                        <a:lnL w="12700" cap="flat" cmpd="sng" algn="ctr">
+                          <a:solidFill>
+                            <a:schemeClr val="tx1"/>
+                          </a:solidFill>
+                          <a:prstDash val="solid"/>
+                          <a:round/>
+                          <a:headEnd type="none" w="med" len="med"/>
+                          <a:tailEnd type="none" w="med" len="med"/>
+                        </a:lnL>
+                        <a:lnR w="12700" cap="flat" cmpd="sng" algn="ctr">
+                          <a:solidFill>
+                            <a:schemeClr val="tx1"/>
+                          </a:solidFill>
+                          <a:prstDash val="solid"/>
+                          <a:round/>
+                          <a:headEnd type="none" w="med" len="med"/>
+                          <a:tailEnd type="none" w="med" len="med"/>
+                        </a:lnR>
+                        <a:lnT w="12700" cap="flat" cmpd="sng" algn="ctr">
+                          <a:solidFill>
+                            <a:schemeClr val="tx1"/>
+                          </a:solidFill>
+                          <a:prstDash val="solid"/>
+                          <a:round/>
+                          <a:headEnd type="none" w="med" len="med"/>
+                          <a:tailEnd type="none" w="med" len="med"/>
+                        </a:lnT>
+                        <a:lnB w="12700" cap="flat" cmpd="sng" algn="ctr">
+                          <a:solidFill>
+                            <a:schemeClr val="tx1"/>
+                          </a:solidFill>
+                          <a:prstDash val="solid"/>
+                          <a:round/>
+                          <a:headEnd type="none" w="med" len="med"/>
+                          <a:tailEnd type="none" w="med" len="med"/>
+                        </a:lnB>
+                        <a:noFill/>
+                      </a:tcPr>
+                    </a:tc>
+                    <a:tc>
+                      <a:txBody>
+                        <a:bodyPr/>
+                        <a:lstStyle/>
+                        <a:p>
+                          <a:pPr algn="l"/>
+                          <a:r>
+                            <a:rPr lang="en-US" dirty="0"/>
+                            <a:t>Misaligned- 20mm</a:t>
+                          </a:r>
+                        </a:p>
+                      </a:txBody>
+                      <a:tcPr>
+                        <a:lnL w="12700" cap="flat" cmpd="sng" algn="ctr">
+                          <a:solidFill>
+                            <a:schemeClr val="tx1"/>
+                          </a:solidFill>
+                          <a:prstDash val="solid"/>
+                          <a:round/>
+                          <a:headEnd type="none" w="med" len="med"/>
+                          <a:tailEnd type="none" w="med" len="med"/>
+                        </a:lnL>
+                        <a:lnR w="12700" cap="flat" cmpd="sng" algn="ctr">
+                          <a:solidFill>
+                            <a:schemeClr val="tx1"/>
+                          </a:solidFill>
+                          <a:prstDash val="solid"/>
+                          <a:round/>
+                          <a:headEnd type="none" w="med" len="med"/>
+                          <a:tailEnd type="none" w="med" len="med"/>
+                        </a:lnR>
+                        <a:lnT w="12700" cap="flat" cmpd="sng" algn="ctr">
+                          <a:solidFill>
+                            <a:schemeClr val="tx1"/>
+                          </a:solidFill>
+                          <a:prstDash val="solid"/>
+                          <a:round/>
+                          <a:headEnd type="none" w="med" len="med"/>
+                          <a:tailEnd type="none" w="med" len="med"/>
+                        </a:lnT>
+                        <a:lnB w="12700" cap="flat" cmpd="sng" algn="ctr">
+                          <a:solidFill>
+                            <a:schemeClr val="tx1"/>
+                          </a:solidFill>
+                          <a:prstDash val="solid"/>
+                          <a:round/>
+                          <a:headEnd type="none" w="med" len="med"/>
+                          <a:tailEnd type="none" w="med" len="med"/>
+                        </a:lnB>
+                        <a:noFill/>
+                      </a:tcPr>
+                    </a:tc>
+                    <a:tc>
+                      <a:txBody>
+                        <a:bodyPr/>
+                        <a:lstStyle/>
+                        <a:p>
+                          <a:pPr algn="l"/>
+                          <a:r>
+                            <a:rPr lang="en-US" dirty="0"/>
+                            <a:t>Change (%) </a:t>
+                          </a:r>
+                          <a:r>
+                            <a:rPr lang="en-US" sz="1400" dirty="0"/>
+                            <a:t>(for 10mm)</a:t>
+                          </a:r>
+                          <a:endParaRPr lang="en-US" dirty="0"/>
+                        </a:p>
+                      </a:txBody>
+                      <a:tcPr>
+                        <a:lnL w="12700" cap="flat" cmpd="sng" algn="ctr">
+                          <a:solidFill>
+                            <a:schemeClr val="tx1"/>
+                          </a:solidFill>
+                          <a:prstDash val="solid"/>
+                          <a:round/>
+                          <a:headEnd type="none" w="med" len="med"/>
+                          <a:tailEnd type="none" w="med" len="med"/>
+                        </a:lnL>
+                        <a:lnR w="12700" cap="flat" cmpd="sng" algn="ctr">
+                          <a:solidFill>
+                            <a:schemeClr val="tx1"/>
+                          </a:solidFill>
+                          <a:prstDash val="solid"/>
+                          <a:round/>
+                          <a:headEnd type="none" w="med" len="med"/>
+                          <a:tailEnd type="none" w="med" len="med"/>
+                        </a:lnR>
+                        <a:lnT w="12700" cap="flat" cmpd="sng" algn="ctr">
+                          <a:solidFill>
+                            <a:schemeClr val="tx1"/>
+                          </a:solidFill>
+                          <a:prstDash val="solid"/>
+                          <a:round/>
+                          <a:headEnd type="none" w="med" len="med"/>
+                          <a:tailEnd type="none" w="med" len="med"/>
+                        </a:lnT>
+                        <a:lnB w="12700" cap="flat" cmpd="sng" algn="ctr">
+                          <a:solidFill>
+                            <a:schemeClr val="tx1"/>
+                          </a:solidFill>
+                          <a:prstDash val="solid"/>
+                          <a:round/>
+                          <a:headEnd type="none" w="med" len="med"/>
+                          <a:tailEnd type="none" w="med" len="med"/>
+                        </a:lnB>
+                        <a:noFill/>
+                      </a:tcPr>
+                    </a:tc>
+                    <a:tc>
+                      <a:txBody>
+                        <a:bodyPr/>
+                        <a:lstStyle/>
+                        <a:p>
+                          <a:pPr marL="0" marR="0" lvl="0" indent="0" algn="l" defTabSz="914400" rtl="0" eaLnBrk="1" fontAlgn="auto" latinLnBrk="0" hangingPunct="1">
+                            <a:lnSpc>
+                              <a:spcPct val="100000"/>
+                            </a:lnSpc>
+                            <a:spcBef>
+                              <a:spcPts val="0"/>
+                            </a:spcBef>
+                            <a:spcAft>
+                              <a:spcPts val="0"/>
+                            </a:spcAft>
+                            <a:buClrTx/>
+                            <a:buSzTx/>
+                            <a:buFontTx/>
+                            <a:buNone/>
+                            <a:tabLst/>
+                            <a:defRPr/>
+                          </a:pPr>
+                          <a:r>
+                            <a:rPr lang="en-US" dirty="0"/>
+                            <a:t>Change (%) </a:t>
+                          </a:r>
+                          <a:r>
+                            <a:rPr lang="en-US" sz="1400" dirty="0"/>
+                            <a:t>(for 20mm)</a:t>
+                          </a:r>
+                          <a:endParaRPr lang="en-US" dirty="0"/>
+                        </a:p>
+                      </a:txBody>
+                      <a:tcPr>
+                        <a:lnL w="12700" cap="flat" cmpd="sng" algn="ctr">
+                          <a:solidFill>
+                            <a:schemeClr val="tx1"/>
+                          </a:solidFill>
+                          <a:prstDash val="solid"/>
+                          <a:round/>
+                          <a:headEnd type="none" w="med" len="med"/>
+                          <a:tailEnd type="none" w="med" len="med"/>
+                        </a:lnL>
+                        <a:lnR w="12700" cap="flat" cmpd="sng" algn="ctr">
+                          <a:solidFill>
+                            <a:schemeClr val="tx1"/>
+                          </a:solidFill>
+                          <a:prstDash val="solid"/>
+                          <a:round/>
+                          <a:headEnd type="none" w="med" len="med"/>
+                          <a:tailEnd type="none" w="med" len="med"/>
+                        </a:lnR>
+                        <a:lnT w="12700" cap="flat" cmpd="sng" algn="ctr">
+                          <a:solidFill>
+                            <a:schemeClr val="tx1"/>
+                          </a:solidFill>
+                          <a:prstDash val="solid"/>
+                          <a:round/>
+                          <a:headEnd type="none" w="med" len="med"/>
+                          <a:tailEnd type="none" w="med" len="med"/>
+                        </a:lnT>
+                        <a:lnB w="12700" cap="flat" cmpd="sng" algn="ctr">
+                          <a:solidFill>
+                            <a:schemeClr val="tx1"/>
+                          </a:solidFill>
+                          <a:prstDash val="solid"/>
+                          <a:round/>
+                          <a:headEnd type="none" w="med" len="med"/>
+                          <a:tailEnd type="none" w="med" len="med"/>
+                        </a:lnB>
+                        <a:noFill/>
+                      </a:tcPr>
+                    </a:tc>
+                    <a:extLst>
+                      <a:ext uri="{0D108BD9-81ED-4DB2-BD59-A6C34878D82A}">
+                        <a16:rowId xmlns:a16="http://schemas.microsoft.com/office/drawing/2014/main" val="311443602"/>
+                      </a:ext>
+                    </a:extLst>
+                  </a:tr>
+                  <a:tr h="357559">
+                    <a:tc>
+                      <a:txBody>
+                        <a:bodyPr/>
+                        <a:lstStyle/>
+                        <a:p>
+                          <a:pPr algn="l"/>
+                          <a:r>
+                            <a:rPr lang="en-US" dirty="0"/>
+                            <a:t>Tx</a:t>
+                          </a:r>
+                        </a:p>
+                      </a:txBody>
+                      <a:tcPr>
+                        <a:lnL w="12700" cap="flat" cmpd="sng" algn="ctr">
+                          <a:solidFill>
+                            <a:schemeClr val="tx1"/>
+                          </a:solidFill>
+                          <a:prstDash val="solid"/>
+                          <a:round/>
+                          <a:headEnd type="none" w="med" len="med"/>
+                          <a:tailEnd type="none" w="med" len="med"/>
+                        </a:lnL>
+                        <a:lnR w="12700" cap="flat" cmpd="sng" algn="ctr">
+                          <a:solidFill>
+                            <a:schemeClr val="tx1"/>
+                          </a:solidFill>
+                          <a:prstDash val="solid"/>
+                          <a:round/>
+                          <a:headEnd type="none" w="med" len="med"/>
+                          <a:tailEnd type="none" w="med" len="med"/>
+                        </a:lnR>
+                        <a:lnT w="12700" cap="flat" cmpd="sng" algn="ctr">
+                          <a:solidFill>
+                            <a:schemeClr val="tx1"/>
+                          </a:solidFill>
+                          <a:prstDash val="solid"/>
+                          <a:round/>
+                          <a:headEnd type="none" w="med" len="med"/>
+                          <a:tailEnd type="none" w="med" len="med"/>
+                        </a:lnT>
+                        <a:lnB w="12700" cap="flat" cmpd="sng" algn="ctr">
+                          <a:solidFill>
+                            <a:schemeClr val="tx1"/>
+                          </a:solidFill>
+                          <a:prstDash val="solid"/>
+                          <a:round/>
+                          <a:headEnd type="none" w="med" len="med"/>
+                          <a:tailEnd type="none" w="med" len="med"/>
+                        </a:lnB>
+                        <a:noFill/>
+                      </a:tcPr>
+                    </a:tc>
+                    <a:tc>
+                      <a:txBody>
+                        <a:bodyPr/>
+                        <a:lstStyle/>
+                        <a:p>
+                          <a:pPr algn="ctr"/>
+                          <a14:m>
+                            <m:oMathPara xmlns:m="http://schemas.openxmlformats.org/officeDocument/2006/math">
+                              <m:oMathParaPr>
+                                <m:jc m:val="left"/>
+                              </m:oMathParaPr>
+                              <m:oMath xmlns:m="http://schemas.openxmlformats.org/officeDocument/2006/math">
+                                <m:r>
+                                  <a:rPr lang="en-US" b="0" i="1" smtClean="0">
+                                    <a:latin typeface="Cambria Math" panose="02040503050406030204" pitchFamily="18" charset="0"/>
+                                  </a:rPr>
+                                  <m:t>8.6  </m:t>
+                                </m:r>
+                                <m:r>
+                                  <a:rPr lang="en-US" b="0" i="1" smtClean="0">
+                                    <a:latin typeface="Cambria Math" panose="02040503050406030204" pitchFamily="18" charset="0"/>
+                                  </a:rPr>
+                                  <m:t>𝜇</m:t>
+                                </m:r>
+                                <m:r>
+                                  <a:rPr lang="en-US" b="0" i="1" smtClean="0">
+                                    <a:latin typeface="Cambria Math" panose="02040503050406030204" pitchFamily="18" charset="0"/>
+                                  </a:rPr>
+                                  <m:t>𝐻</m:t>
+                                </m:r>
+                              </m:oMath>
+                            </m:oMathPara>
+                          </a14:m>
+                          <a:endParaRPr lang="en-US" dirty="0"/>
+                        </a:p>
+                      </a:txBody>
+                      <a:tcPr>
+                        <a:lnL w="12700" cap="flat" cmpd="sng" algn="ctr">
+                          <a:solidFill>
+                            <a:schemeClr val="tx1"/>
+                          </a:solidFill>
+                          <a:prstDash val="solid"/>
+                          <a:round/>
+                          <a:headEnd type="none" w="med" len="med"/>
+                          <a:tailEnd type="none" w="med" len="med"/>
+                        </a:lnL>
+                        <a:lnR w="12700" cap="flat" cmpd="sng" algn="ctr">
+                          <a:solidFill>
+                            <a:schemeClr val="tx1"/>
+                          </a:solidFill>
+                          <a:prstDash val="solid"/>
+                          <a:round/>
+                          <a:headEnd type="none" w="med" len="med"/>
+                          <a:tailEnd type="none" w="med" len="med"/>
+                        </a:lnR>
+                        <a:lnT w="12700" cap="flat" cmpd="sng" algn="ctr">
+                          <a:solidFill>
+                            <a:schemeClr val="tx1"/>
+                          </a:solidFill>
+                          <a:prstDash val="solid"/>
+                          <a:round/>
+                          <a:headEnd type="none" w="med" len="med"/>
+                          <a:tailEnd type="none" w="med" len="med"/>
+                        </a:lnT>
+                        <a:lnB w="12700" cap="flat" cmpd="sng" algn="ctr">
+                          <a:solidFill>
+                            <a:schemeClr val="tx1"/>
+                          </a:solidFill>
+                          <a:prstDash val="solid"/>
+                          <a:round/>
+                          <a:headEnd type="none" w="med" len="med"/>
+                          <a:tailEnd type="none" w="med" len="med"/>
+                        </a:lnB>
+                        <a:noFill/>
+                      </a:tcPr>
+                    </a:tc>
+                    <a:tc>
+                      <a:txBody>
+                        <a:bodyPr/>
+                        <a:lstStyle/>
+                        <a:p>
+                          <a:pPr marL="0" marR="0" lvl="0" indent="0" algn="l" defTabSz="914400" rtl="0" eaLnBrk="1" fontAlgn="auto" latinLnBrk="0" hangingPunct="1">
+                            <a:lnSpc>
+                              <a:spcPct val="100000"/>
+                            </a:lnSpc>
+                            <a:spcBef>
+                              <a:spcPts val="0"/>
+                            </a:spcBef>
+                            <a:spcAft>
+                              <a:spcPts val="0"/>
+                            </a:spcAft>
+                            <a:buClrTx/>
+                            <a:buSzTx/>
+                            <a:buFontTx/>
+                            <a:buNone/>
+                            <a:tabLst/>
+                            <a:defRPr/>
+                          </a:pPr>
+                          <a14:m>
+                            <m:oMathPara xmlns:m="http://schemas.openxmlformats.org/officeDocument/2006/math">
+                              <m:oMathParaPr>
+                                <m:jc m:val="left"/>
+                              </m:oMathParaPr>
+                              <m:oMath xmlns:m="http://schemas.openxmlformats.org/officeDocument/2006/math">
+                                <m:r>
+                                  <a:rPr lang="en-US" b="0" i="1" smtClean="0">
+                                    <a:latin typeface="Cambria Math" panose="02040503050406030204" pitchFamily="18" charset="0"/>
+                                  </a:rPr>
+                                  <m:t>8.46  </m:t>
+                                </m:r>
+                                <m:r>
+                                  <a:rPr lang="en-US" b="0" i="1" smtClean="0">
+                                    <a:latin typeface="Cambria Math" panose="02040503050406030204" pitchFamily="18" charset="0"/>
+                                  </a:rPr>
+                                  <m:t>𝜇</m:t>
+                                </m:r>
+                                <m:r>
+                                  <a:rPr lang="en-US" b="0" i="1" smtClean="0">
+                                    <a:latin typeface="Cambria Math" panose="02040503050406030204" pitchFamily="18" charset="0"/>
+                                  </a:rPr>
+                                  <m:t>𝐻</m:t>
+                                </m:r>
+                              </m:oMath>
+                            </m:oMathPara>
+                          </a14:m>
+                          <a:endParaRPr lang="en-US" dirty="0"/>
+                        </a:p>
+                      </a:txBody>
+                      <a:tcPr>
+                        <a:lnL w="12700" cap="flat" cmpd="sng" algn="ctr">
+                          <a:solidFill>
+                            <a:schemeClr val="tx1"/>
+                          </a:solidFill>
+                          <a:prstDash val="solid"/>
+                          <a:round/>
+                          <a:headEnd type="none" w="med" len="med"/>
+                          <a:tailEnd type="none" w="med" len="med"/>
+                        </a:lnL>
+                        <a:lnR w="12700" cap="flat" cmpd="sng" algn="ctr">
+                          <a:solidFill>
+                            <a:schemeClr val="tx1"/>
+                          </a:solidFill>
+                          <a:prstDash val="solid"/>
+                          <a:round/>
+                          <a:headEnd type="none" w="med" len="med"/>
+                          <a:tailEnd type="none" w="med" len="med"/>
+                        </a:lnR>
+                        <a:lnT w="12700" cap="flat" cmpd="sng" algn="ctr">
+                          <a:solidFill>
+                            <a:schemeClr val="tx1"/>
+                          </a:solidFill>
+                          <a:prstDash val="solid"/>
+                          <a:round/>
+                          <a:headEnd type="none" w="med" len="med"/>
+                          <a:tailEnd type="none" w="med" len="med"/>
+                        </a:lnT>
+                        <a:lnB w="12700" cap="flat" cmpd="sng" algn="ctr">
+                          <a:solidFill>
+                            <a:schemeClr val="tx1"/>
+                          </a:solidFill>
+                          <a:prstDash val="solid"/>
+                          <a:round/>
+                          <a:headEnd type="none" w="med" len="med"/>
+                          <a:tailEnd type="none" w="med" len="med"/>
+                        </a:lnB>
+                        <a:noFill/>
+                      </a:tcPr>
+                    </a:tc>
+                    <a:tc>
+                      <a:txBody>
+                        <a:bodyPr/>
+                        <a:lstStyle/>
+                        <a:p>
+                          <a:pPr marL="0" marR="0" lvl="0" indent="0" algn="l" defTabSz="914400" rtl="0" eaLnBrk="1" fontAlgn="auto" latinLnBrk="0" hangingPunct="1">
+                            <a:lnSpc>
+                              <a:spcPct val="100000"/>
+                            </a:lnSpc>
+                            <a:spcBef>
+                              <a:spcPts val="0"/>
+                            </a:spcBef>
+                            <a:spcAft>
+                              <a:spcPts val="0"/>
+                            </a:spcAft>
+                            <a:buClrTx/>
+                            <a:buSzTx/>
+                            <a:buFontTx/>
+                            <a:buNone/>
+                            <a:tabLst/>
+                            <a:defRPr/>
+                          </a:pPr>
+                          <a14:m>
+                            <m:oMathPara xmlns:m="http://schemas.openxmlformats.org/officeDocument/2006/math">
+                              <m:oMathParaPr>
+                                <m:jc m:val="left"/>
+                              </m:oMathParaPr>
+                              <m:oMath xmlns:m="http://schemas.openxmlformats.org/officeDocument/2006/math">
+                                <m:r>
+                                  <a:rPr lang="en-US" b="0" i="1" smtClean="0">
+                                    <a:latin typeface="Cambria Math" panose="02040503050406030204" pitchFamily="18" charset="0"/>
+                                  </a:rPr>
+                                  <m:t>8.15</m:t>
+                                </m:r>
+                                <m:r>
+                                  <a:rPr lang="en-US" b="0" i="1" smtClean="0">
+                                    <a:latin typeface="Cambria Math" panose="02040503050406030204" pitchFamily="18" charset="0"/>
+                                  </a:rPr>
+                                  <m:t>  </m:t>
+                                </m:r>
+                                <m:r>
+                                  <a:rPr lang="en-US" b="0" i="1" smtClean="0">
+                                    <a:latin typeface="Cambria Math" panose="02040503050406030204" pitchFamily="18" charset="0"/>
+                                  </a:rPr>
+                                  <m:t>𝜇</m:t>
+                                </m:r>
+                                <m:r>
+                                  <a:rPr lang="en-US" b="0" i="1" smtClean="0">
+                                    <a:latin typeface="Cambria Math" panose="02040503050406030204" pitchFamily="18" charset="0"/>
+                                  </a:rPr>
+                                  <m:t>𝐻</m:t>
+                                </m:r>
+                              </m:oMath>
+                            </m:oMathPara>
+                          </a14:m>
+                          <a:endParaRPr lang="en-US" dirty="0"/>
+                        </a:p>
+                      </a:txBody>
+                      <a:tcPr>
+                        <a:lnL w="12700" cap="flat" cmpd="sng" algn="ctr">
+                          <a:solidFill>
+                            <a:schemeClr val="tx1"/>
+                          </a:solidFill>
+                          <a:prstDash val="solid"/>
+                          <a:round/>
+                          <a:headEnd type="none" w="med" len="med"/>
+                          <a:tailEnd type="none" w="med" len="med"/>
+                        </a:lnL>
+                        <a:lnR w="12700" cap="flat" cmpd="sng" algn="ctr">
+                          <a:solidFill>
+                            <a:schemeClr val="tx1"/>
+                          </a:solidFill>
+                          <a:prstDash val="solid"/>
+                          <a:round/>
+                          <a:headEnd type="none" w="med" len="med"/>
+                          <a:tailEnd type="none" w="med" len="med"/>
+                        </a:lnR>
+                        <a:lnT w="12700" cap="flat" cmpd="sng" algn="ctr">
+                          <a:solidFill>
+                            <a:schemeClr val="tx1"/>
+                          </a:solidFill>
+                          <a:prstDash val="solid"/>
+                          <a:round/>
+                          <a:headEnd type="none" w="med" len="med"/>
+                          <a:tailEnd type="none" w="med" len="med"/>
+                        </a:lnT>
+                        <a:lnB w="12700" cap="flat" cmpd="sng" algn="ctr">
+                          <a:solidFill>
+                            <a:schemeClr val="tx1"/>
+                          </a:solidFill>
+                          <a:prstDash val="solid"/>
+                          <a:round/>
+                          <a:headEnd type="none" w="med" len="med"/>
+                          <a:tailEnd type="none" w="med" len="med"/>
+                        </a:lnB>
+                        <a:noFill/>
+                      </a:tcPr>
+                    </a:tc>
+                    <a:tc>
+                      <a:txBody>
+                        <a:bodyPr/>
+                        <a:lstStyle/>
+                        <a:p>
+                          <a:pPr marL="0" marR="0" lvl="0" indent="0" algn="l" defTabSz="914400" rtl="0" eaLnBrk="1" fontAlgn="auto" latinLnBrk="0" hangingPunct="1">
+                            <a:lnSpc>
+                              <a:spcPct val="100000"/>
+                            </a:lnSpc>
+                            <a:spcBef>
+                              <a:spcPts val="0"/>
+                            </a:spcBef>
+                            <a:spcAft>
+                              <a:spcPts val="0"/>
+                            </a:spcAft>
+                            <a:buClrTx/>
+                            <a:buSzTx/>
+                            <a:buFontTx/>
+                            <a:buNone/>
+                            <a:tabLst/>
+                            <a:defRPr/>
+                          </a:pPr>
+                          <a:r>
+                            <a:rPr lang="en-US" dirty="0"/>
+                            <a:t>1.62</a:t>
+                          </a:r>
+                        </a:p>
+                      </a:txBody>
+                      <a:tcPr>
+                        <a:lnL w="12700" cap="flat" cmpd="sng" algn="ctr">
+                          <a:solidFill>
+                            <a:schemeClr val="tx1"/>
+                          </a:solidFill>
+                          <a:prstDash val="solid"/>
+                          <a:round/>
+                          <a:headEnd type="none" w="med" len="med"/>
+                          <a:tailEnd type="none" w="med" len="med"/>
+                        </a:lnL>
+                        <a:lnR w="12700" cap="flat" cmpd="sng" algn="ctr">
+                          <a:solidFill>
+                            <a:schemeClr val="tx1"/>
+                          </a:solidFill>
+                          <a:prstDash val="solid"/>
+                          <a:round/>
+                          <a:headEnd type="none" w="med" len="med"/>
+                          <a:tailEnd type="none" w="med" len="med"/>
+                        </a:lnR>
+                        <a:lnT w="12700" cap="flat" cmpd="sng" algn="ctr">
+                          <a:solidFill>
+                            <a:schemeClr val="tx1"/>
+                          </a:solidFill>
+                          <a:prstDash val="solid"/>
+                          <a:round/>
+                          <a:headEnd type="none" w="med" len="med"/>
+                          <a:tailEnd type="none" w="med" len="med"/>
+                        </a:lnT>
+                        <a:lnB w="12700" cap="flat" cmpd="sng" algn="ctr">
+                          <a:solidFill>
+                            <a:schemeClr val="tx1"/>
+                          </a:solidFill>
+                          <a:prstDash val="solid"/>
+                          <a:round/>
+                          <a:headEnd type="none" w="med" len="med"/>
+                          <a:tailEnd type="none" w="med" len="med"/>
+                        </a:lnB>
+                        <a:noFill/>
+                      </a:tcPr>
+                    </a:tc>
+                    <a:tc>
+                      <a:txBody>
+                        <a:bodyPr/>
+                        <a:lstStyle/>
+                        <a:p>
+                          <a:pPr marL="0" marR="0" lvl="0" indent="0" algn="l" defTabSz="914400" rtl="0" eaLnBrk="1" fontAlgn="auto" latinLnBrk="0" hangingPunct="1">
+                            <a:lnSpc>
+                              <a:spcPct val="100000"/>
+                            </a:lnSpc>
+                            <a:spcBef>
+                              <a:spcPts val="0"/>
+                            </a:spcBef>
+                            <a:spcAft>
+                              <a:spcPts val="0"/>
+                            </a:spcAft>
+                            <a:buClrTx/>
+                            <a:buSzTx/>
+                            <a:buFontTx/>
+                            <a:buNone/>
+                            <a:tabLst/>
+                            <a:defRPr/>
+                          </a:pPr>
+                          <a:r>
+                            <a:rPr lang="en-US" dirty="0"/>
+                            <a:t>5.23</a:t>
+                          </a:r>
+                        </a:p>
+                      </a:txBody>
+                      <a:tcPr>
+                        <a:lnL w="12700" cap="flat" cmpd="sng" algn="ctr">
+                          <a:solidFill>
+                            <a:schemeClr val="tx1"/>
+                          </a:solidFill>
+                          <a:prstDash val="solid"/>
+                          <a:round/>
+                          <a:headEnd type="none" w="med" len="med"/>
+                          <a:tailEnd type="none" w="med" len="med"/>
+                        </a:lnL>
+                        <a:lnR w="12700" cap="flat" cmpd="sng" algn="ctr">
+                          <a:solidFill>
+                            <a:schemeClr val="tx1"/>
+                          </a:solidFill>
+                          <a:prstDash val="solid"/>
+                          <a:round/>
+                          <a:headEnd type="none" w="med" len="med"/>
+                          <a:tailEnd type="none" w="med" len="med"/>
+                        </a:lnR>
+                        <a:lnT w="12700" cap="flat" cmpd="sng" algn="ctr">
+                          <a:solidFill>
+                            <a:schemeClr val="tx1"/>
+                          </a:solidFill>
+                          <a:prstDash val="solid"/>
+                          <a:round/>
+                          <a:headEnd type="none" w="med" len="med"/>
+                          <a:tailEnd type="none" w="med" len="med"/>
+                        </a:lnT>
+                        <a:lnB w="12700" cap="flat" cmpd="sng" algn="ctr">
+                          <a:solidFill>
+                            <a:schemeClr val="tx1"/>
+                          </a:solidFill>
+                          <a:prstDash val="solid"/>
+                          <a:round/>
+                          <a:headEnd type="none" w="med" len="med"/>
+                          <a:tailEnd type="none" w="med" len="med"/>
+                        </a:lnB>
+                        <a:noFill/>
+                      </a:tcPr>
+                    </a:tc>
+                    <a:extLst>
+                      <a:ext uri="{0D108BD9-81ED-4DB2-BD59-A6C34878D82A}">
+                        <a16:rowId xmlns:a16="http://schemas.microsoft.com/office/drawing/2014/main" val="3140434262"/>
+                      </a:ext>
+                    </a:extLst>
+                  </a:tr>
+                  <a:tr h="371413">
+                    <a:tc>
+                      <a:txBody>
+                        <a:bodyPr/>
+                        <a:lstStyle/>
+                        <a:p>
+                          <a:pPr algn="l"/>
+                          <a:r>
+                            <a:rPr lang="en-US" dirty="0"/>
+                            <a:t>Rx</a:t>
+                          </a:r>
+                        </a:p>
+                      </a:txBody>
+                      <a:tcPr>
+                        <a:lnL w="12700" cap="flat" cmpd="sng" algn="ctr">
+                          <a:solidFill>
+                            <a:schemeClr val="tx1"/>
+                          </a:solidFill>
+                          <a:prstDash val="solid"/>
+                          <a:round/>
+                          <a:headEnd type="none" w="med" len="med"/>
+                          <a:tailEnd type="none" w="med" len="med"/>
+                        </a:lnL>
+                        <a:lnR w="12700" cap="flat" cmpd="sng" algn="ctr">
+                          <a:solidFill>
+                            <a:schemeClr val="tx1"/>
+                          </a:solidFill>
+                          <a:prstDash val="solid"/>
+                          <a:round/>
+                          <a:headEnd type="none" w="med" len="med"/>
+                          <a:tailEnd type="none" w="med" len="med"/>
+                        </a:lnR>
+                        <a:lnT w="12700" cap="flat" cmpd="sng" algn="ctr">
+                          <a:solidFill>
+                            <a:schemeClr val="tx1"/>
+                          </a:solidFill>
+                          <a:prstDash val="solid"/>
+                          <a:round/>
+                          <a:headEnd type="none" w="med" len="med"/>
+                          <a:tailEnd type="none" w="med" len="med"/>
+                        </a:lnT>
+                        <a:lnB w="12700" cap="flat" cmpd="sng" algn="ctr">
+                          <a:solidFill>
+                            <a:schemeClr val="tx1"/>
+                          </a:solidFill>
+                          <a:prstDash val="solid"/>
+                          <a:round/>
+                          <a:headEnd type="none" w="med" len="med"/>
+                          <a:tailEnd type="none" w="med" len="med"/>
+                        </a:lnB>
+                        <a:noFill/>
+                      </a:tcPr>
+                    </a:tc>
+                    <a:tc>
+                      <a:txBody>
+                        <a:bodyPr/>
+                        <a:lstStyle/>
+                        <a:p>
+                          <a:pPr marL="0" marR="0" lvl="0" indent="0" algn="ctr" defTabSz="914400" rtl="0" eaLnBrk="1" fontAlgn="auto" latinLnBrk="0" hangingPunct="1">
+                            <a:lnSpc>
+                              <a:spcPct val="100000"/>
+                            </a:lnSpc>
+                            <a:spcBef>
+                              <a:spcPts val="0"/>
+                            </a:spcBef>
+                            <a:spcAft>
+                              <a:spcPts val="0"/>
+                            </a:spcAft>
+                            <a:buClrTx/>
+                            <a:buSzTx/>
+                            <a:buFontTx/>
+                            <a:buNone/>
+                            <a:tabLst/>
+                            <a:defRPr/>
+                          </a:pPr>
+                          <a14:m>
+                            <m:oMathPara xmlns:m="http://schemas.openxmlformats.org/officeDocument/2006/math">
+                              <m:oMathParaPr>
+                                <m:jc m:val="left"/>
+                              </m:oMathParaPr>
+                              <m:oMath xmlns:m="http://schemas.openxmlformats.org/officeDocument/2006/math">
+                                <m:r>
+                                  <a:rPr lang="en-US" b="0" i="1" smtClean="0">
+                                    <a:latin typeface="Cambria Math" panose="02040503050406030204" pitchFamily="18" charset="0"/>
+                                  </a:rPr>
+                                  <m:t>2330 </m:t>
+                                </m:r>
+                                <m:r>
+                                  <a:rPr lang="en-US" b="0" i="1" smtClean="0">
+                                    <a:latin typeface="Cambria Math" panose="02040503050406030204" pitchFamily="18" charset="0"/>
+                                  </a:rPr>
+                                  <m:t>𝜇</m:t>
+                                </m:r>
+                                <m:r>
+                                  <a:rPr lang="en-US" b="0" i="1" smtClean="0">
+                                    <a:latin typeface="Cambria Math" panose="02040503050406030204" pitchFamily="18" charset="0"/>
+                                  </a:rPr>
+                                  <m:t>𝐻</m:t>
+                                </m:r>
+                              </m:oMath>
+                            </m:oMathPara>
+                          </a14:m>
+                          <a:endParaRPr lang="en-US" dirty="0"/>
+                        </a:p>
+                      </a:txBody>
+                      <a:tcPr>
+                        <a:lnL w="12700" cap="flat" cmpd="sng" algn="ctr">
+                          <a:solidFill>
+                            <a:schemeClr val="tx1"/>
+                          </a:solidFill>
+                          <a:prstDash val="solid"/>
+                          <a:round/>
+                          <a:headEnd type="none" w="med" len="med"/>
+                          <a:tailEnd type="none" w="med" len="med"/>
+                        </a:lnL>
+                        <a:lnR w="12700" cap="flat" cmpd="sng" algn="ctr">
+                          <a:solidFill>
+                            <a:schemeClr val="tx1"/>
+                          </a:solidFill>
+                          <a:prstDash val="solid"/>
+                          <a:round/>
+                          <a:headEnd type="none" w="med" len="med"/>
+                          <a:tailEnd type="none" w="med" len="med"/>
+                        </a:lnR>
+                        <a:lnT w="12700" cap="flat" cmpd="sng" algn="ctr">
+                          <a:solidFill>
+                            <a:schemeClr val="tx1"/>
+                          </a:solidFill>
+                          <a:prstDash val="solid"/>
+                          <a:round/>
+                          <a:headEnd type="none" w="med" len="med"/>
+                          <a:tailEnd type="none" w="med" len="med"/>
+                        </a:lnT>
+                        <a:lnB w="12700" cap="flat" cmpd="sng" algn="ctr">
+                          <a:solidFill>
+                            <a:schemeClr val="tx1"/>
+                          </a:solidFill>
+                          <a:prstDash val="solid"/>
+                          <a:round/>
+                          <a:headEnd type="none" w="med" len="med"/>
+                          <a:tailEnd type="none" w="med" len="med"/>
+                        </a:lnB>
+                        <a:noFill/>
+                      </a:tcPr>
+                    </a:tc>
+                    <a:tc>
+                      <a:txBody>
+                        <a:bodyPr/>
+                        <a:lstStyle/>
+                        <a:p>
+                          <a:pPr marL="0" marR="0" lvl="0" indent="0" algn="l" defTabSz="914400" rtl="0" eaLnBrk="1" fontAlgn="auto" latinLnBrk="0" hangingPunct="1">
+                            <a:lnSpc>
+                              <a:spcPct val="100000"/>
+                            </a:lnSpc>
+                            <a:spcBef>
+                              <a:spcPts val="0"/>
+                            </a:spcBef>
+                            <a:spcAft>
+                              <a:spcPts val="0"/>
+                            </a:spcAft>
+                            <a:buClrTx/>
+                            <a:buSzTx/>
+                            <a:buFontTx/>
+                            <a:buNone/>
+                            <a:tabLst/>
+                            <a:defRPr/>
+                          </a:pPr>
+                          <a14:m>
+                            <m:oMathPara xmlns:m="http://schemas.openxmlformats.org/officeDocument/2006/math">
+                              <m:oMathParaPr>
+                                <m:jc m:val="left"/>
+                              </m:oMathParaPr>
+                              <m:oMath xmlns:m="http://schemas.openxmlformats.org/officeDocument/2006/math">
+                                <m:r>
+                                  <a:rPr lang="en-US" b="0" i="1" smtClean="0">
+                                    <a:latin typeface="Cambria Math" panose="02040503050406030204" pitchFamily="18" charset="0"/>
+                                  </a:rPr>
+                                  <m:t>2335 </m:t>
+                                </m:r>
+                                <m:r>
+                                  <a:rPr lang="en-US" b="0" i="1" smtClean="0">
+                                    <a:latin typeface="Cambria Math" panose="02040503050406030204" pitchFamily="18" charset="0"/>
+                                  </a:rPr>
+                                  <m:t>𝜇</m:t>
+                                </m:r>
+                                <m:r>
+                                  <a:rPr lang="en-US" b="0" i="1" smtClean="0">
+                                    <a:latin typeface="Cambria Math" panose="02040503050406030204" pitchFamily="18" charset="0"/>
+                                  </a:rPr>
+                                  <m:t>𝐻</m:t>
+                                </m:r>
+                              </m:oMath>
+                            </m:oMathPara>
+                          </a14:m>
+                          <a:endParaRPr lang="en-US" dirty="0"/>
+                        </a:p>
+                      </a:txBody>
+                      <a:tcPr>
+                        <a:lnL w="12700" cap="flat" cmpd="sng" algn="ctr">
+                          <a:solidFill>
+                            <a:schemeClr val="tx1"/>
+                          </a:solidFill>
+                          <a:prstDash val="solid"/>
+                          <a:round/>
+                          <a:headEnd type="none" w="med" len="med"/>
+                          <a:tailEnd type="none" w="med" len="med"/>
+                        </a:lnL>
+                        <a:lnR w="12700" cap="flat" cmpd="sng" algn="ctr">
+                          <a:solidFill>
+                            <a:schemeClr val="tx1"/>
+                          </a:solidFill>
+                          <a:prstDash val="solid"/>
+                          <a:round/>
+                          <a:headEnd type="none" w="med" len="med"/>
+                          <a:tailEnd type="none" w="med" len="med"/>
+                        </a:lnR>
+                        <a:lnT w="12700" cap="flat" cmpd="sng" algn="ctr">
+                          <a:solidFill>
+                            <a:schemeClr val="tx1"/>
+                          </a:solidFill>
+                          <a:prstDash val="solid"/>
+                          <a:round/>
+                          <a:headEnd type="none" w="med" len="med"/>
+                          <a:tailEnd type="none" w="med" len="med"/>
+                        </a:lnT>
+                        <a:lnB w="12700" cap="flat" cmpd="sng" algn="ctr">
+                          <a:solidFill>
+                            <a:schemeClr val="tx1"/>
+                          </a:solidFill>
+                          <a:prstDash val="solid"/>
+                          <a:round/>
+                          <a:headEnd type="none" w="med" len="med"/>
+                          <a:tailEnd type="none" w="med" len="med"/>
+                        </a:lnB>
+                        <a:noFill/>
+                      </a:tcPr>
+                    </a:tc>
+                    <a:tc>
+                      <a:txBody>
+                        <a:bodyPr/>
+                        <a:lstStyle/>
+                        <a:p>
+                          <a:pPr marL="0" marR="0" lvl="0" indent="0" algn="l" defTabSz="914400" rtl="0" eaLnBrk="1" fontAlgn="auto" latinLnBrk="0" hangingPunct="1">
+                            <a:lnSpc>
+                              <a:spcPct val="100000"/>
+                            </a:lnSpc>
+                            <a:spcBef>
+                              <a:spcPts val="0"/>
+                            </a:spcBef>
+                            <a:spcAft>
+                              <a:spcPts val="0"/>
+                            </a:spcAft>
+                            <a:buClrTx/>
+                            <a:buSzTx/>
+                            <a:buFontTx/>
+                            <a:buNone/>
+                            <a:tabLst/>
+                            <a:defRPr/>
+                          </a:pPr>
+                          <a14:m>
+                            <m:oMathPara xmlns:m="http://schemas.openxmlformats.org/officeDocument/2006/math">
+                              <m:oMathParaPr>
+                                <m:jc m:val="left"/>
+                              </m:oMathParaPr>
+                              <m:oMath xmlns:m="http://schemas.openxmlformats.org/officeDocument/2006/math">
+                                <m:r>
+                                  <a:rPr lang="en-US" b="0" i="1" smtClean="0">
+                                    <a:latin typeface="Cambria Math" panose="02040503050406030204" pitchFamily="18" charset="0"/>
+                                  </a:rPr>
+                                  <m:t>2336</m:t>
+                                </m:r>
+                                <m:r>
+                                  <a:rPr lang="en-US" b="0" i="1" smtClean="0">
+                                    <a:latin typeface="Cambria Math" panose="02040503050406030204" pitchFamily="18" charset="0"/>
+                                  </a:rPr>
+                                  <m:t> </m:t>
+                                </m:r>
+                                <m:r>
+                                  <a:rPr lang="en-US" b="0" i="1" smtClean="0">
+                                    <a:latin typeface="Cambria Math" panose="02040503050406030204" pitchFamily="18" charset="0"/>
+                                  </a:rPr>
+                                  <m:t>𝜇</m:t>
+                                </m:r>
+                                <m:r>
+                                  <a:rPr lang="en-US" b="0" i="1" smtClean="0">
+                                    <a:latin typeface="Cambria Math" panose="02040503050406030204" pitchFamily="18" charset="0"/>
+                                  </a:rPr>
+                                  <m:t>𝐻</m:t>
+                                </m:r>
+                              </m:oMath>
+                            </m:oMathPara>
+                          </a14:m>
+                          <a:endParaRPr lang="en-US" dirty="0"/>
+                        </a:p>
+                      </a:txBody>
+                      <a:tcPr>
+                        <a:lnL w="12700" cap="flat" cmpd="sng" algn="ctr">
+                          <a:solidFill>
+                            <a:schemeClr val="tx1"/>
+                          </a:solidFill>
+                          <a:prstDash val="solid"/>
+                          <a:round/>
+                          <a:headEnd type="none" w="med" len="med"/>
+                          <a:tailEnd type="none" w="med" len="med"/>
+                        </a:lnL>
+                        <a:lnR w="12700" cap="flat" cmpd="sng" algn="ctr">
+                          <a:solidFill>
+                            <a:schemeClr val="tx1"/>
+                          </a:solidFill>
+                          <a:prstDash val="solid"/>
+                          <a:round/>
+                          <a:headEnd type="none" w="med" len="med"/>
+                          <a:tailEnd type="none" w="med" len="med"/>
+                        </a:lnR>
+                        <a:lnT w="12700" cap="flat" cmpd="sng" algn="ctr">
+                          <a:solidFill>
+                            <a:schemeClr val="tx1"/>
+                          </a:solidFill>
+                          <a:prstDash val="solid"/>
+                          <a:round/>
+                          <a:headEnd type="none" w="med" len="med"/>
+                          <a:tailEnd type="none" w="med" len="med"/>
+                        </a:lnT>
+                        <a:lnB w="12700" cap="flat" cmpd="sng" algn="ctr">
+                          <a:solidFill>
+                            <a:schemeClr val="tx1"/>
+                          </a:solidFill>
+                          <a:prstDash val="solid"/>
+                          <a:round/>
+                          <a:headEnd type="none" w="med" len="med"/>
+                          <a:tailEnd type="none" w="med" len="med"/>
+                        </a:lnB>
+                        <a:noFill/>
+                      </a:tcPr>
+                    </a:tc>
+                    <a:tc>
+                      <a:txBody>
+                        <a:bodyPr/>
+                        <a:lstStyle/>
+                        <a:p>
+                          <a:pPr marL="0" marR="0" lvl="0" indent="0" algn="l" defTabSz="914400" rtl="0" eaLnBrk="1" fontAlgn="auto" latinLnBrk="0" hangingPunct="1">
+                            <a:lnSpc>
+                              <a:spcPct val="100000"/>
+                            </a:lnSpc>
+                            <a:spcBef>
+                              <a:spcPts val="0"/>
+                            </a:spcBef>
+                            <a:spcAft>
+                              <a:spcPts val="0"/>
+                            </a:spcAft>
+                            <a:buClrTx/>
+                            <a:buSzTx/>
+                            <a:buFontTx/>
+                            <a:buNone/>
+                            <a:tabLst/>
+                            <a:defRPr/>
+                          </a:pPr>
+                          <a:r>
+                            <a:rPr lang="en-US" dirty="0"/>
+                            <a:t>0.22</a:t>
+                          </a:r>
+                        </a:p>
+                      </a:txBody>
+                      <a:tcPr>
+                        <a:lnL w="12700" cap="flat" cmpd="sng" algn="ctr">
+                          <a:solidFill>
+                            <a:schemeClr val="tx1"/>
+                          </a:solidFill>
+                          <a:prstDash val="solid"/>
+                          <a:round/>
+                          <a:headEnd type="none" w="med" len="med"/>
+                          <a:tailEnd type="none" w="med" len="med"/>
+                        </a:lnL>
+                        <a:lnR w="12700" cap="flat" cmpd="sng" algn="ctr">
+                          <a:solidFill>
+                            <a:schemeClr val="tx1"/>
+                          </a:solidFill>
+                          <a:prstDash val="solid"/>
+                          <a:round/>
+                          <a:headEnd type="none" w="med" len="med"/>
+                          <a:tailEnd type="none" w="med" len="med"/>
+                        </a:lnR>
+                        <a:lnT w="12700" cap="flat" cmpd="sng" algn="ctr">
+                          <a:solidFill>
+                            <a:schemeClr val="tx1"/>
+                          </a:solidFill>
+                          <a:prstDash val="solid"/>
+                          <a:round/>
+                          <a:headEnd type="none" w="med" len="med"/>
+                          <a:tailEnd type="none" w="med" len="med"/>
+                        </a:lnT>
+                        <a:lnB w="12700" cap="flat" cmpd="sng" algn="ctr">
+                          <a:solidFill>
+                            <a:schemeClr val="tx1"/>
+                          </a:solidFill>
+                          <a:prstDash val="solid"/>
+                          <a:round/>
+                          <a:headEnd type="none" w="med" len="med"/>
+                          <a:tailEnd type="none" w="med" len="med"/>
+                        </a:lnB>
+                        <a:noFill/>
+                      </a:tcPr>
+                    </a:tc>
+                    <a:tc>
+                      <a:txBody>
+                        <a:bodyPr/>
+                        <a:lstStyle/>
+                        <a:p>
+                          <a:pPr marL="0" marR="0" lvl="0" indent="0" algn="l" defTabSz="914400" rtl="0" eaLnBrk="1" fontAlgn="auto" latinLnBrk="0" hangingPunct="1">
+                            <a:lnSpc>
+                              <a:spcPct val="100000"/>
+                            </a:lnSpc>
+                            <a:spcBef>
+                              <a:spcPts val="0"/>
+                            </a:spcBef>
+                            <a:spcAft>
+                              <a:spcPts val="0"/>
+                            </a:spcAft>
+                            <a:buClrTx/>
+                            <a:buSzTx/>
+                            <a:buFontTx/>
+                            <a:buNone/>
+                            <a:tabLst/>
+                            <a:defRPr/>
+                          </a:pPr>
+                          <a:r>
+                            <a:rPr lang="en-US" dirty="0"/>
+                            <a:t>0.25</a:t>
+                          </a:r>
+                        </a:p>
+                      </a:txBody>
+                      <a:tcPr>
+                        <a:lnL w="12700" cap="flat" cmpd="sng" algn="ctr">
+                          <a:solidFill>
+                            <a:schemeClr val="tx1"/>
+                          </a:solidFill>
+                          <a:prstDash val="solid"/>
+                          <a:round/>
+                          <a:headEnd type="none" w="med" len="med"/>
+                          <a:tailEnd type="none" w="med" len="med"/>
+                        </a:lnL>
+                        <a:lnR w="12700" cap="flat" cmpd="sng" algn="ctr">
+                          <a:solidFill>
+                            <a:schemeClr val="tx1"/>
+                          </a:solidFill>
+                          <a:prstDash val="solid"/>
+                          <a:round/>
+                          <a:headEnd type="none" w="med" len="med"/>
+                          <a:tailEnd type="none" w="med" len="med"/>
+                        </a:lnR>
+                        <a:lnT w="12700" cap="flat" cmpd="sng" algn="ctr">
+                          <a:solidFill>
+                            <a:schemeClr val="tx1"/>
+                          </a:solidFill>
+                          <a:prstDash val="solid"/>
+                          <a:round/>
+                          <a:headEnd type="none" w="med" len="med"/>
+                          <a:tailEnd type="none" w="med" len="med"/>
+                        </a:lnT>
+                        <a:lnB w="12700" cap="flat" cmpd="sng" algn="ctr">
+                          <a:solidFill>
+                            <a:schemeClr val="tx1"/>
+                          </a:solidFill>
+                          <a:prstDash val="solid"/>
+                          <a:round/>
+                          <a:headEnd type="none" w="med" len="med"/>
+                          <a:tailEnd type="none" w="med" len="med"/>
+                        </a:lnB>
+                        <a:noFill/>
+                      </a:tcPr>
+                    </a:tc>
+                    <a:extLst>
+                      <a:ext uri="{0D108BD9-81ED-4DB2-BD59-A6C34878D82A}">
+                        <a16:rowId xmlns:a16="http://schemas.microsoft.com/office/drawing/2014/main" val="1546578927"/>
+                      </a:ext>
+                    </a:extLst>
+                  </a:tr>
+                  <a:tr h="357559">
+                    <a:tc>
+                      <a:txBody>
+                        <a:bodyPr/>
+                        <a:lstStyle/>
+                        <a:p>
+                          <a:pPr algn="l"/>
+                          <a:r>
+                            <a:rPr lang="en-US" dirty="0"/>
+                            <a:t>M</a:t>
+                          </a:r>
+                        </a:p>
+                      </a:txBody>
+                      <a:tcPr>
+                        <a:lnL w="12700" cap="flat" cmpd="sng" algn="ctr">
+                          <a:solidFill>
+                            <a:schemeClr val="tx1"/>
+                          </a:solidFill>
+                          <a:prstDash val="solid"/>
+                          <a:round/>
+                          <a:headEnd type="none" w="med" len="med"/>
+                          <a:tailEnd type="none" w="med" len="med"/>
+                        </a:lnL>
+                        <a:lnR w="12700" cap="flat" cmpd="sng" algn="ctr">
+                          <a:solidFill>
+                            <a:schemeClr val="tx1"/>
+                          </a:solidFill>
+                          <a:prstDash val="solid"/>
+                          <a:round/>
+                          <a:headEnd type="none" w="med" len="med"/>
+                          <a:tailEnd type="none" w="med" len="med"/>
+                        </a:lnR>
+                        <a:lnT w="12700" cap="flat" cmpd="sng" algn="ctr">
+                          <a:solidFill>
+                            <a:schemeClr val="tx1"/>
+                          </a:solidFill>
+                          <a:prstDash val="solid"/>
+                          <a:round/>
+                          <a:headEnd type="none" w="med" len="med"/>
+                          <a:tailEnd type="none" w="med" len="med"/>
+                        </a:lnT>
+                        <a:lnB w="12700" cap="flat" cmpd="sng" algn="ctr">
+                          <a:solidFill>
+                            <a:schemeClr val="tx1"/>
+                          </a:solidFill>
+                          <a:prstDash val="solid"/>
+                          <a:round/>
+                          <a:headEnd type="none" w="med" len="med"/>
+                          <a:tailEnd type="none" w="med" len="med"/>
+                        </a:lnB>
+                        <a:noFill/>
+                      </a:tcPr>
+                    </a:tc>
+                    <a:tc>
+                      <a:txBody>
+                        <a:bodyPr/>
+                        <a:lstStyle/>
+                        <a:p>
+                          <a:pPr marL="0" marR="0" lvl="0" indent="0" algn="ctr" defTabSz="914400" rtl="0" eaLnBrk="1" fontAlgn="auto" latinLnBrk="0" hangingPunct="1">
+                            <a:lnSpc>
+                              <a:spcPct val="100000"/>
+                            </a:lnSpc>
+                            <a:spcBef>
+                              <a:spcPts val="0"/>
+                            </a:spcBef>
+                            <a:spcAft>
+                              <a:spcPts val="0"/>
+                            </a:spcAft>
+                            <a:buClrTx/>
+                            <a:buSzTx/>
+                            <a:buFontTx/>
+                            <a:buNone/>
+                            <a:tabLst/>
+                            <a:defRPr/>
+                          </a:pPr>
+                          <a14:m>
+                            <m:oMathPara xmlns:m="http://schemas.openxmlformats.org/officeDocument/2006/math">
+                              <m:oMathParaPr>
+                                <m:jc m:val="left"/>
+                              </m:oMathParaPr>
+                              <m:oMath xmlns:m="http://schemas.openxmlformats.org/officeDocument/2006/math">
+                                <m:r>
+                                  <a:rPr lang="en-US" b="0" i="1" smtClean="0">
+                                    <a:latin typeface="Cambria Math" panose="02040503050406030204" pitchFamily="18" charset="0"/>
+                                  </a:rPr>
+                                  <m:t>119.5  </m:t>
+                                </m:r>
+                                <m:r>
+                                  <a:rPr lang="en-US" b="0" i="1" smtClean="0">
+                                    <a:latin typeface="Cambria Math" panose="02040503050406030204" pitchFamily="18" charset="0"/>
+                                  </a:rPr>
+                                  <m:t>𝜇</m:t>
+                                </m:r>
+                                <m:r>
+                                  <a:rPr lang="en-US" b="0" i="1" smtClean="0">
+                                    <a:latin typeface="Cambria Math" panose="02040503050406030204" pitchFamily="18" charset="0"/>
+                                  </a:rPr>
+                                  <m:t>𝐻</m:t>
+                                </m:r>
+                              </m:oMath>
+                            </m:oMathPara>
+                          </a14:m>
+                          <a:endParaRPr lang="en-US" dirty="0"/>
+                        </a:p>
+                      </a:txBody>
+                      <a:tcPr>
+                        <a:lnL w="12700" cap="flat" cmpd="sng" algn="ctr">
+                          <a:solidFill>
+                            <a:schemeClr val="tx1"/>
+                          </a:solidFill>
+                          <a:prstDash val="solid"/>
+                          <a:round/>
+                          <a:headEnd type="none" w="med" len="med"/>
+                          <a:tailEnd type="none" w="med" len="med"/>
+                        </a:lnL>
+                        <a:lnR w="12700" cap="flat" cmpd="sng" algn="ctr">
+                          <a:solidFill>
+                            <a:schemeClr val="tx1"/>
+                          </a:solidFill>
+                          <a:prstDash val="solid"/>
+                          <a:round/>
+                          <a:headEnd type="none" w="med" len="med"/>
+                          <a:tailEnd type="none" w="med" len="med"/>
+                        </a:lnR>
+                        <a:lnT w="12700" cap="flat" cmpd="sng" algn="ctr">
+                          <a:solidFill>
+                            <a:schemeClr val="tx1"/>
+                          </a:solidFill>
+                          <a:prstDash val="solid"/>
+                          <a:round/>
+                          <a:headEnd type="none" w="med" len="med"/>
+                          <a:tailEnd type="none" w="med" len="med"/>
+                        </a:lnT>
+                        <a:lnB w="12700" cap="flat" cmpd="sng" algn="ctr">
+                          <a:solidFill>
+                            <a:schemeClr val="tx1"/>
+                          </a:solidFill>
+                          <a:prstDash val="solid"/>
+                          <a:round/>
+                          <a:headEnd type="none" w="med" len="med"/>
+                          <a:tailEnd type="none" w="med" len="med"/>
+                        </a:lnB>
+                        <a:noFill/>
+                      </a:tcPr>
+                    </a:tc>
+                    <a:tc>
+                      <a:txBody>
+                        <a:bodyPr/>
+                        <a:lstStyle/>
+                        <a:p>
+                          <a:pPr marL="0" marR="0" lvl="0" indent="0" algn="l" defTabSz="914400" rtl="0" eaLnBrk="1" fontAlgn="auto" latinLnBrk="0" hangingPunct="1">
+                            <a:lnSpc>
+                              <a:spcPct val="100000"/>
+                            </a:lnSpc>
+                            <a:spcBef>
+                              <a:spcPts val="0"/>
+                            </a:spcBef>
+                            <a:spcAft>
+                              <a:spcPts val="0"/>
+                            </a:spcAft>
+                            <a:buClrTx/>
+                            <a:buSzTx/>
+                            <a:buFontTx/>
+                            <a:buNone/>
+                            <a:tabLst/>
+                            <a:defRPr/>
+                          </a:pPr>
+                          <a14:m>
+                            <m:oMathPara xmlns:m="http://schemas.openxmlformats.org/officeDocument/2006/math">
+                              <m:oMathParaPr>
+                                <m:jc m:val="left"/>
+                              </m:oMathParaPr>
+                              <m:oMath xmlns:m="http://schemas.openxmlformats.org/officeDocument/2006/math">
+                                <m:r>
+                                  <a:rPr lang="en-US" b="0" i="1" smtClean="0">
+                                    <a:latin typeface="Cambria Math" panose="02040503050406030204" pitchFamily="18" charset="0"/>
+                                  </a:rPr>
+                                  <m:t>113.8  </m:t>
+                                </m:r>
+                                <m:r>
+                                  <a:rPr lang="en-US" b="0" i="1" smtClean="0">
+                                    <a:latin typeface="Cambria Math" panose="02040503050406030204" pitchFamily="18" charset="0"/>
+                                  </a:rPr>
+                                  <m:t>𝜇</m:t>
+                                </m:r>
+                                <m:r>
+                                  <a:rPr lang="en-US" b="0" i="1" smtClean="0">
+                                    <a:latin typeface="Cambria Math" panose="02040503050406030204" pitchFamily="18" charset="0"/>
+                                  </a:rPr>
+                                  <m:t>𝐻</m:t>
+                                </m:r>
+                              </m:oMath>
+                            </m:oMathPara>
+                          </a14:m>
+                          <a:endParaRPr lang="en-US" dirty="0"/>
+                        </a:p>
+                      </a:txBody>
+                      <a:tcPr>
+                        <a:lnL w="12700" cap="flat" cmpd="sng" algn="ctr">
+                          <a:solidFill>
+                            <a:schemeClr val="tx1"/>
+                          </a:solidFill>
+                          <a:prstDash val="solid"/>
+                          <a:round/>
+                          <a:headEnd type="none" w="med" len="med"/>
+                          <a:tailEnd type="none" w="med" len="med"/>
+                        </a:lnL>
+                        <a:lnR w="12700" cap="flat" cmpd="sng" algn="ctr">
+                          <a:solidFill>
+                            <a:schemeClr val="tx1"/>
+                          </a:solidFill>
+                          <a:prstDash val="solid"/>
+                          <a:round/>
+                          <a:headEnd type="none" w="med" len="med"/>
+                          <a:tailEnd type="none" w="med" len="med"/>
+                        </a:lnR>
+                        <a:lnT w="12700" cap="flat" cmpd="sng" algn="ctr">
+                          <a:solidFill>
+                            <a:schemeClr val="tx1"/>
+                          </a:solidFill>
+                          <a:prstDash val="solid"/>
+                          <a:round/>
+                          <a:headEnd type="none" w="med" len="med"/>
+                          <a:tailEnd type="none" w="med" len="med"/>
+                        </a:lnT>
+                        <a:lnB w="12700" cap="flat" cmpd="sng" algn="ctr">
+                          <a:solidFill>
+                            <a:schemeClr val="tx1"/>
+                          </a:solidFill>
+                          <a:prstDash val="solid"/>
+                          <a:round/>
+                          <a:headEnd type="none" w="med" len="med"/>
+                          <a:tailEnd type="none" w="med" len="med"/>
+                        </a:lnB>
+                        <a:noFill/>
+                      </a:tcPr>
+                    </a:tc>
+                    <a:tc>
+                      <a:txBody>
+                        <a:bodyPr/>
+                        <a:lstStyle/>
+                        <a:p>
+                          <a:pPr marL="0" marR="0" lvl="0" indent="0" algn="l" defTabSz="914400" rtl="0" eaLnBrk="1" fontAlgn="auto" latinLnBrk="0" hangingPunct="1">
+                            <a:lnSpc>
+                              <a:spcPct val="100000"/>
+                            </a:lnSpc>
+                            <a:spcBef>
+                              <a:spcPts val="0"/>
+                            </a:spcBef>
+                            <a:spcAft>
+                              <a:spcPts val="0"/>
+                            </a:spcAft>
+                            <a:buClrTx/>
+                            <a:buSzTx/>
+                            <a:buFontTx/>
+                            <a:buNone/>
+                            <a:tabLst/>
+                            <a:defRPr/>
+                          </a:pPr>
+                          <a14:m>
+                            <m:oMathPara xmlns:m="http://schemas.openxmlformats.org/officeDocument/2006/math">
+                              <m:oMathParaPr>
+                                <m:jc m:val="left"/>
+                              </m:oMathParaPr>
+                              <m:oMath xmlns:m="http://schemas.openxmlformats.org/officeDocument/2006/math">
+                                <m:r>
+                                  <a:rPr lang="en-US" b="0" i="1" smtClean="0">
+                                    <a:latin typeface="Cambria Math" panose="02040503050406030204" pitchFamily="18" charset="0"/>
+                                  </a:rPr>
+                                  <m:t>99.7</m:t>
+                                </m:r>
+                                <m:r>
+                                  <a:rPr lang="en-US" b="0" i="1" smtClean="0">
+                                    <a:latin typeface="Cambria Math" panose="02040503050406030204" pitchFamily="18" charset="0"/>
+                                  </a:rPr>
+                                  <m:t>  </m:t>
+                                </m:r>
+                                <m:r>
+                                  <a:rPr lang="en-US" b="0" i="1" smtClean="0">
+                                    <a:latin typeface="Cambria Math" panose="02040503050406030204" pitchFamily="18" charset="0"/>
+                                  </a:rPr>
+                                  <m:t>𝜇</m:t>
+                                </m:r>
+                                <m:r>
+                                  <a:rPr lang="en-US" b="0" i="1" smtClean="0">
+                                    <a:latin typeface="Cambria Math" panose="02040503050406030204" pitchFamily="18" charset="0"/>
+                                  </a:rPr>
+                                  <m:t>𝐻</m:t>
+                                </m:r>
+                              </m:oMath>
+                            </m:oMathPara>
+                          </a14:m>
+                          <a:endParaRPr lang="en-US" dirty="0"/>
+                        </a:p>
+                      </a:txBody>
+                      <a:tcPr>
+                        <a:lnL w="12700" cap="flat" cmpd="sng" algn="ctr">
+                          <a:solidFill>
+                            <a:schemeClr val="tx1"/>
+                          </a:solidFill>
+                          <a:prstDash val="solid"/>
+                          <a:round/>
+                          <a:headEnd type="none" w="med" len="med"/>
+                          <a:tailEnd type="none" w="med" len="med"/>
+                        </a:lnL>
+                        <a:lnR w="12700" cap="flat" cmpd="sng" algn="ctr">
+                          <a:solidFill>
+                            <a:schemeClr val="tx1"/>
+                          </a:solidFill>
+                          <a:prstDash val="solid"/>
+                          <a:round/>
+                          <a:headEnd type="none" w="med" len="med"/>
+                          <a:tailEnd type="none" w="med" len="med"/>
+                        </a:lnR>
+                        <a:lnT w="12700" cap="flat" cmpd="sng" algn="ctr">
+                          <a:solidFill>
+                            <a:schemeClr val="tx1"/>
+                          </a:solidFill>
+                          <a:prstDash val="solid"/>
+                          <a:round/>
+                          <a:headEnd type="none" w="med" len="med"/>
+                          <a:tailEnd type="none" w="med" len="med"/>
+                        </a:lnT>
+                        <a:lnB w="12700" cap="flat" cmpd="sng" algn="ctr">
+                          <a:solidFill>
+                            <a:schemeClr val="tx1"/>
+                          </a:solidFill>
+                          <a:prstDash val="solid"/>
+                          <a:round/>
+                          <a:headEnd type="none" w="med" len="med"/>
+                          <a:tailEnd type="none" w="med" len="med"/>
+                        </a:lnB>
+                        <a:noFill/>
+                      </a:tcPr>
+                    </a:tc>
+                    <a:tc>
+                      <a:txBody>
+                        <a:bodyPr/>
+                        <a:lstStyle/>
+                        <a:p>
+                          <a:pPr marL="0" marR="0" lvl="0" indent="0" algn="l" defTabSz="914400" rtl="0" eaLnBrk="1" fontAlgn="auto" latinLnBrk="0" hangingPunct="1">
+                            <a:lnSpc>
+                              <a:spcPct val="100000"/>
+                            </a:lnSpc>
+                            <a:spcBef>
+                              <a:spcPts val="0"/>
+                            </a:spcBef>
+                            <a:spcAft>
+                              <a:spcPts val="0"/>
+                            </a:spcAft>
+                            <a:buClrTx/>
+                            <a:buSzTx/>
+                            <a:buFontTx/>
+                            <a:buNone/>
+                            <a:tabLst/>
+                            <a:defRPr/>
+                          </a:pPr>
+                          <a:r>
+                            <a:rPr lang="en-US" dirty="0"/>
+                            <a:t>4.77</a:t>
+                          </a:r>
+                        </a:p>
+                      </a:txBody>
+                      <a:tcPr>
+                        <a:lnL w="12700" cap="flat" cmpd="sng" algn="ctr">
+                          <a:solidFill>
+                            <a:schemeClr val="tx1"/>
+                          </a:solidFill>
+                          <a:prstDash val="solid"/>
+                          <a:round/>
+                          <a:headEnd type="none" w="med" len="med"/>
+                          <a:tailEnd type="none" w="med" len="med"/>
+                        </a:lnL>
+                        <a:lnR w="12700" cap="flat" cmpd="sng" algn="ctr">
+                          <a:solidFill>
+                            <a:schemeClr val="tx1"/>
+                          </a:solidFill>
+                          <a:prstDash val="solid"/>
+                          <a:round/>
+                          <a:headEnd type="none" w="med" len="med"/>
+                          <a:tailEnd type="none" w="med" len="med"/>
+                        </a:lnR>
+                        <a:lnT w="12700" cap="flat" cmpd="sng" algn="ctr">
+                          <a:solidFill>
+                            <a:schemeClr val="tx1"/>
+                          </a:solidFill>
+                          <a:prstDash val="solid"/>
+                          <a:round/>
+                          <a:headEnd type="none" w="med" len="med"/>
+                          <a:tailEnd type="none" w="med" len="med"/>
+                        </a:lnT>
+                        <a:lnB w="12700" cap="flat" cmpd="sng" algn="ctr">
+                          <a:solidFill>
+                            <a:schemeClr val="tx1"/>
+                          </a:solidFill>
+                          <a:prstDash val="solid"/>
+                          <a:round/>
+                          <a:headEnd type="none" w="med" len="med"/>
+                          <a:tailEnd type="none" w="med" len="med"/>
+                        </a:lnB>
+                        <a:noFill/>
+                      </a:tcPr>
+                    </a:tc>
+                    <a:tc>
+                      <a:txBody>
+                        <a:bodyPr/>
+                        <a:lstStyle/>
+                        <a:p>
+                          <a:pPr marL="0" marR="0" lvl="0" indent="0" algn="l" defTabSz="914400" rtl="0" eaLnBrk="1" fontAlgn="auto" latinLnBrk="0" hangingPunct="1">
+                            <a:lnSpc>
+                              <a:spcPct val="100000"/>
+                            </a:lnSpc>
+                            <a:spcBef>
+                              <a:spcPts val="0"/>
+                            </a:spcBef>
+                            <a:spcAft>
+                              <a:spcPts val="0"/>
+                            </a:spcAft>
+                            <a:buClrTx/>
+                            <a:buSzTx/>
+                            <a:buFontTx/>
+                            <a:buNone/>
+                            <a:tabLst/>
+                            <a:defRPr/>
+                          </a:pPr>
+                          <a:r>
+                            <a:rPr lang="en-US" dirty="0"/>
+                            <a:t>16.57</a:t>
+                          </a:r>
+                        </a:p>
+                      </a:txBody>
+                      <a:tcPr>
+                        <a:lnL w="12700" cap="flat" cmpd="sng" algn="ctr">
+                          <a:solidFill>
+                            <a:schemeClr val="tx1"/>
+                          </a:solidFill>
+                          <a:prstDash val="solid"/>
+                          <a:round/>
+                          <a:headEnd type="none" w="med" len="med"/>
+                          <a:tailEnd type="none" w="med" len="med"/>
+                        </a:lnL>
+                        <a:lnR w="12700" cap="flat" cmpd="sng" algn="ctr">
+                          <a:solidFill>
+                            <a:schemeClr val="tx1"/>
+                          </a:solidFill>
+                          <a:prstDash val="solid"/>
+                          <a:round/>
+                          <a:headEnd type="none" w="med" len="med"/>
+                          <a:tailEnd type="none" w="med" len="med"/>
+                        </a:lnR>
+                        <a:lnT w="12700" cap="flat" cmpd="sng" algn="ctr">
+                          <a:solidFill>
+                            <a:schemeClr val="tx1"/>
+                          </a:solidFill>
+                          <a:prstDash val="solid"/>
+                          <a:round/>
+                          <a:headEnd type="none" w="med" len="med"/>
+                          <a:tailEnd type="none" w="med" len="med"/>
+                        </a:lnT>
+                        <a:lnB w="12700" cap="flat" cmpd="sng" algn="ctr">
+                          <a:solidFill>
+                            <a:schemeClr val="tx1"/>
+                          </a:solidFill>
+                          <a:prstDash val="solid"/>
+                          <a:round/>
+                          <a:headEnd type="none" w="med" len="med"/>
+                          <a:tailEnd type="none" w="med" len="med"/>
+                        </a:lnB>
+                        <a:noFill/>
+                      </a:tcPr>
+                    </a:tc>
+                    <a:extLst>
+                      <a:ext uri="{0D108BD9-81ED-4DB2-BD59-A6C34878D82A}">
+                        <a16:rowId xmlns:a16="http://schemas.microsoft.com/office/drawing/2014/main" val="2188303739"/>
+                      </a:ext>
+                    </a:extLst>
+                  </a:tr>
+                  <a:tr h="357559">
+                    <a:tc>
+                      <a:txBody>
+                        <a:bodyPr/>
+                        <a:lstStyle/>
+                        <a:p>
+                          <a:pPr algn="l"/>
+                          <a:r>
+                            <a:rPr lang="en-US" dirty="0"/>
+                            <a:t>k</a:t>
+                          </a:r>
+                        </a:p>
+                      </a:txBody>
+                      <a:tcPr>
+                        <a:lnL w="12700" cap="flat" cmpd="sng" algn="ctr">
+                          <a:solidFill>
+                            <a:schemeClr val="tx1"/>
+                          </a:solidFill>
+                          <a:prstDash val="solid"/>
+                          <a:round/>
+                          <a:headEnd type="none" w="med" len="med"/>
+                          <a:tailEnd type="none" w="med" len="med"/>
+                        </a:lnL>
+                        <a:lnR w="12700" cap="flat" cmpd="sng" algn="ctr">
+                          <a:solidFill>
+                            <a:schemeClr val="tx1"/>
+                          </a:solidFill>
+                          <a:prstDash val="solid"/>
+                          <a:round/>
+                          <a:headEnd type="none" w="med" len="med"/>
+                          <a:tailEnd type="none" w="med" len="med"/>
+                        </a:lnR>
+                        <a:lnT w="12700" cap="flat" cmpd="sng" algn="ctr">
+                          <a:solidFill>
+                            <a:schemeClr val="tx1"/>
+                          </a:solidFill>
+                          <a:prstDash val="solid"/>
+                          <a:round/>
+                          <a:headEnd type="none" w="med" len="med"/>
+                          <a:tailEnd type="none" w="med" len="med"/>
+                        </a:lnT>
+                        <a:lnB w="12700" cap="flat" cmpd="sng" algn="ctr">
+                          <a:solidFill>
+                            <a:schemeClr val="tx1"/>
+                          </a:solidFill>
+                          <a:prstDash val="solid"/>
+                          <a:round/>
+                          <a:headEnd type="none" w="med" len="med"/>
+                          <a:tailEnd type="none" w="med" len="med"/>
+                        </a:lnB>
+                        <a:noFill/>
+                      </a:tcPr>
+                    </a:tc>
+                    <a:tc>
+                      <a:txBody>
+                        <a:bodyPr/>
+                        <a:lstStyle/>
+                        <a:p>
+                          <a:pPr algn="l"/>
+                          <a:r>
+                            <a:rPr lang="en-US" dirty="0"/>
+                            <a:t> 0.84</a:t>
+                          </a:r>
+                        </a:p>
+                      </a:txBody>
+                      <a:tcPr>
+                        <a:lnL w="12700" cap="flat" cmpd="sng" algn="ctr">
+                          <a:solidFill>
+                            <a:schemeClr val="tx1"/>
+                          </a:solidFill>
+                          <a:prstDash val="solid"/>
+                          <a:round/>
+                          <a:headEnd type="none" w="med" len="med"/>
+                          <a:tailEnd type="none" w="med" len="med"/>
+                        </a:lnL>
+                        <a:lnR w="12700" cap="flat" cmpd="sng" algn="ctr">
+                          <a:solidFill>
+                            <a:schemeClr val="tx1"/>
+                          </a:solidFill>
+                          <a:prstDash val="solid"/>
+                          <a:round/>
+                          <a:headEnd type="none" w="med" len="med"/>
+                          <a:tailEnd type="none" w="med" len="med"/>
+                        </a:lnR>
+                        <a:lnT w="12700" cap="flat" cmpd="sng" algn="ctr">
+                          <a:solidFill>
+                            <a:schemeClr val="tx1"/>
+                          </a:solidFill>
+                          <a:prstDash val="solid"/>
+                          <a:round/>
+                          <a:headEnd type="none" w="med" len="med"/>
+                          <a:tailEnd type="none" w="med" len="med"/>
+                        </a:lnT>
+                        <a:lnB w="12700" cap="flat" cmpd="sng" algn="ctr">
+                          <a:solidFill>
+                            <a:schemeClr val="tx1"/>
+                          </a:solidFill>
+                          <a:prstDash val="solid"/>
+                          <a:round/>
+                          <a:headEnd type="none" w="med" len="med"/>
+                          <a:tailEnd type="none" w="med" len="med"/>
+                        </a:lnB>
+                        <a:noFill/>
+                      </a:tcPr>
+                    </a:tc>
+                    <a:tc>
+                      <a:txBody>
+                        <a:bodyPr/>
+                        <a:lstStyle/>
+                        <a:p>
+                          <a:pPr algn="l"/>
+                          <a:r>
+                            <a:rPr lang="en-US" dirty="0"/>
+                            <a:t>0.81</a:t>
+                          </a:r>
+                        </a:p>
+                      </a:txBody>
+                      <a:tcPr>
+                        <a:lnL w="12700" cap="flat" cmpd="sng" algn="ctr">
+                          <a:solidFill>
+                            <a:schemeClr val="tx1"/>
+                          </a:solidFill>
+                          <a:prstDash val="solid"/>
+                          <a:round/>
+                          <a:headEnd type="none" w="med" len="med"/>
+                          <a:tailEnd type="none" w="med" len="med"/>
+                        </a:lnL>
+                        <a:lnR w="12700" cap="flat" cmpd="sng" algn="ctr">
+                          <a:solidFill>
+                            <a:schemeClr val="tx1"/>
+                          </a:solidFill>
+                          <a:prstDash val="solid"/>
+                          <a:round/>
+                          <a:headEnd type="none" w="med" len="med"/>
+                          <a:tailEnd type="none" w="med" len="med"/>
+                        </a:lnR>
+                        <a:lnT w="12700" cap="flat" cmpd="sng" algn="ctr">
+                          <a:solidFill>
+                            <a:schemeClr val="tx1"/>
+                          </a:solidFill>
+                          <a:prstDash val="solid"/>
+                          <a:round/>
+                          <a:headEnd type="none" w="med" len="med"/>
+                          <a:tailEnd type="none" w="med" len="med"/>
+                        </a:lnT>
+                        <a:lnB w="12700" cap="flat" cmpd="sng" algn="ctr">
+                          <a:solidFill>
+                            <a:schemeClr val="tx1"/>
+                          </a:solidFill>
+                          <a:prstDash val="solid"/>
+                          <a:round/>
+                          <a:headEnd type="none" w="med" len="med"/>
+                          <a:tailEnd type="none" w="med" len="med"/>
+                        </a:lnB>
+                        <a:noFill/>
+                      </a:tcPr>
+                    </a:tc>
+                    <a:tc>
+                      <a:txBody>
+                        <a:bodyPr/>
+                        <a:lstStyle/>
+                        <a:p>
+                          <a:pPr algn="l"/>
+                          <a:r>
+                            <a:rPr lang="en-US" dirty="0"/>
+                            <a:t>0.72</a:t>
+                          </a:r>
+                        </a:p>
+                      </a:txBody>
+                      <a:tcPr>
+                        <a:lnL w="12700" cap="flat" cmpd="sng" algn="ctr">
+                          <a:solidFill>
+                            <a:schemeClr val="tx1"/>
+                          </a:solidFill>
+                          <a:prstDash val="solid"/>
+                          <a:round/>
+                          <a:headEnd type="none" w="med" len="med"/>
+                          <a:tailEnd type="none" w="med" len="med"/>
+                        </a:lnL>
+                        <a:lnR w="12700" cap="flat" cmpd="sng" algn="ctr">
+                          <a:solidFill>
+                            <a:schemeClr val="tx1"/>
+                          </a:solidFill>
+                          <a:prstDash val="solid"/>
+                          <a:round/>
+                          <a:headEnd type="none" w="med" len="med"/>
+                          <a:tailEnd type="none" w="med" len="med"/>
+                        </a:lnR>
+                        <a:lnT w="12700" cap="flat" cmpd="sng" algn="ctr">
+                          <a:solidFill>
+                            <a:schemeClr val="tx1"/>
+                          </a:solidFill>
+                          <a:prstDash val="solid"/>
+                          <a:round/>
+                          <a:headEnd type="none" w="med" len="med"/>
+                          <a:tailEnd type="none" w="med" len="med"/>
+                        </a:lnT>
+                        <a:lnB w="12700" cap="flat" cmpd="sng" algn="ctr">
+                          <a:solidFill>
+                            <a:schemeClr val="tx1"/>
+                          </a:solidFill>
+                          <a:prstDash val="solid"/>
+                          <a:round/>
+                          <a:headEnd type="none" w="med" len="med"/>
+                          <a:tailEnd type="none" w="med" len="med"/>
+                        </a:lnB>
+                        <a:noFill/>
+                      </a:tcPr>
+                    </a:tc>
+                    <a:tc>
+                      <a:txBody>
+                        <a:bodyPr/>
+                        <a:lstStyle/>
+                        <a:p>
+                          <a:pPr algn="l"/>
+                          <a:r>
+                            <a:rPr lang="en-US" dirty="0"/>
+                            <a:t>3.57</a:t>
+                          </a:r>
+                        </a:p>
+                      </a:txBody>
+                      <a:tcPr>
+                        <a:lnL w="12700" cap="flat" cmpd="sng" algn="ctr">
+                          <a:solidFill>
+                            <a:schemeClr val="tx1"/>
+                          </a:solidFill>
+                          <a:prstDash val="solid"/>
+                          <a:round/>
+                          <a:headEnd type="none" w="med" len="med"/>
+                          <a:tailEnd type="none" w="med" len="med"/>
+                        </a:lnL>
+                        <a:lnR w="12700" cap="flat" cmpd="sng" algn="ctr">
+                          <a:solidFill>
+                            <a:schemeClr val="tx1"/>
+                          </a:solidFill>
+                          <a:prstDash val="solid"/>
+                          <a:round/>
+                          <a:headEnd type="none" w="med" len="med"/>
+                          <a:tailEnd type="none" w="med" len="med"/>
+                        </a:lnR>
+                        <a:lnT w="12700" cap="flat" cmpd="sng" algn="ctr">
+                          <a:solidFill>
+                            <a:schemeClr val="tx1"/>
+                          </a:solidFill>
+                          <a:prstDash val="solid"/>
+                          <a:round/>
+                          <a:headEnd type="none" w="med" len="med"/>
+                          <a:tailEnd type="none" w="med" len="med"/>
+                        </a:lnT>
+                        <a:lnB w="12700" cap="flat" cmpd="sng" algn="ctr">
+                          <a:solidFill>
+                            <a:schemeClr val="tx1"/>
+                          </a:solidFill>
+                          <a:prstDash val="solid"/>
+                          <a:round/>
+                          <a:headEnd type="none" w="med" len="med"/>
+                          <a:tailEnd type="none" w="med" len="med"/>
+                        </a:lnB>
+                        <a:noFill/>
+                      </a:tcPr>
+                    </a:tc>
+                    <a:tc>
+                      <a:txBody>
+                        <a:bodyPr/>
+                        <a:lstStyle/>
+                        <a:p>
+                          <a:pPr algn="l"/>
+                          <a:r>
+                            <a:rPr lang="en-US" dirty="0"/>
+                            <a:t>14.3</a:t>
+                          </a:r>
+                        </a:p>
+                      </a:txBody>
+                      <a:tcPr>
+                        <a:lnL w="12700" cap="flat" cmpd="sng" algn="ctr">
+                          <a:solidFill>
+                            <a:schemeClr val="tx1"/>
+                          </a:solidFill>
+                          <a:prstDash val="solid"/>
+                          <a:round/>
+                          <a:headEnd type="none" w="med" len="med"/>
+                          <a:tailEnd type="none" w="med" len="med"/>
+                        </a:lnL>
+                        <a:lnR w="12700" cap="flat" cmpd="sng" algn="ctr">
+                          <a:solidFill>
+                            <a:schemeClr val="tx1"/>
+                          </a:solidFill>
+                          <a:prstDash val="solid"/>
+                          <a:round/>
+                          <a:headEnd type="none" w="med" len="med"/>
+                          <a:tailEnd type="none" w="med" len="med"/>
+                        </a:lnR>
+                        <a:lnT w="12700" cap="flat" cmpd="sng" algn="ctr">
+                          <a:solidFill>
+                            <a:schemeClr val="tx1"/>
+                          </a:solidFill>
+                          <a:prstDash val="solid"/>
+                          <a:round/>
+                          <a:headEnd type="none" w="med" len="med"/>
+                          <a:tailEnd type="none" w="med" len="med"/>
+                        </a:lnT>
+                        <a:lnB w="12700" cap="flat" cmpd="sng" algn="ctr">
+                          <a:solidFill>
+                            <a:schemeClr val="tx1"/>
+                          </a:solidFill>
+                          <a:prstDash val="solid"/>
+                          <a:round/>
+                          <a:headEnd type="none" w="med" len="med"/>
+                          <a:tailEnd type="none" w="med" len="med"/>
+                        </a:lnB>
+                        <a:noFill/>
+                      </a:tcPr>
+                    </a:tc>
+                    <a:extLst>
+                      <a:ext uri="{0D108BD9-81ED-4DB2-BD59-A6C34878D82A}">
+                        <a16:rowId xmlns:a16="http://schemas.microsoft.com/office/drawing/2014/main" val="3904157989"/>
+                      </a:ext>
+                    </a:extLst>
+                  </a:tr>
+                </a:tbl>
+              </a:graphicData>
+            </a:graphic>
+          </p:graphicFrame>
+        </mc:Choice>
+        <mc:Fallback>
+          <p:graphicFrame>
+            <p:nvGraphicFramePr>
+              <p:cNvPr id="5" name="Table 4">
+                <a:extLst>
+                  <a:ext uri="{FF2B5EF4-FFF2-40B4-BE49-F238E27FC236}">
+                    <a16:creationId xmlns:a16="http://schemas.microsoft.com/office/drawing/2014/main" id="{F6E1A2AF-28C5-40FE-A09C-2D1BB3CE2896}"/>
+                  </a:ext>
+                </a:extLst>
+              </p:cNvPr>
+              <p:cNvGraphicFramePr>
+                <a:graphicFrameLocks noGrp="1"/>
+              </p:cNvGraphicFramePr>
+              <p:nvPr>
+                <p:extLst>
+                  <p:ext uri="{D42A27DB-BD31-4B8C-83A1-F6EECF244321}">
+                    <p14:modId xmlns:p14="http://schemas.microsoft.com/office/powerpoint/2010/main" val="4288738591"/>
+                  </p:ext>
+                </p:extLst>
+              </p:nvPr>
+            </p:nvGraphicFramePr>
+            <p:xfrm>
+              <a:off x="928704" y="1054790"/>
+              <a:ext cx="10334592" cy="1904445"/>
+            </p:xfrm>
+            <a:graphic>
+              <a:graphicData uri="http://schemas.openxmlformats.org/drawingml/2006/table">
+                <a:tbl>
+                  <a:tblPr>
+                    <a:tableStyleId>{5C22544A-7EE6-4342-B048-85BDC9FD1C3A}</a:tableStyleId>
+                  </a:tblPr>
+                  <a:tblGrid>
+                    <a:gridCol w="622424">
+                      <a:extLst>
+                        <a:ext uri="{9D8B030D-6E8A-4147-A177-3AD203B41FA5}">
+                          <a16:colId xmlns:a16="http://schemas.microsoft.com/office/drawing/2014/main" val="3792330964"/>
+                        </a:ext>
+                      </a:extLst>
+                    </a:gridCol>
+                    <a:gridCol w="1189607">
+                      <a:extLst>
+                        <a:ext uri="{9D8B030D-6E8A-4147-A177-3AD203B41FA5}">
+                          <a16:colId xmlns:a16="http://schemas.microsoft.com/office/drawing/2014/main" val="4047730702"/>
+                        </a:ext>
+                      </a:extLst>
+                    </a:gridCol>
+                    <a:gridCol w="1988598">
+                      <a:extLst>
+                        <a:ext uri="{9D8B030D-6E8A-4147-A177-3AD203B41FA5}">
+                          <a16:colId xmlns:a16="http://schemas.microsoft.com/office/drawing/2014/main" val="3014606110"/>
+                        </a:ext>
+                      </a:extLst>
+                    </a:gridCol>
+                    <a:gridCol w="1988598">
+                      <a:extLst>
+                        <a:ext uri="{9D8B030D-6E8A-4147-A177-3AD203B41FA5}">
+                          <a16:colId xmlns:a16="http://schemas.microsoft.com/office/drawing/2014/main" val="232192002"/>
+                        </a:ext>
+                      </a:extLst>
+                    </a:gridCol>
+                    <a:gridCol w="2414727">
+                      <a:extLst>
+                        <a:ext uri="{9D8B030D-6E8A-4147-A177-3AD203B41FA5}">
+                          <a16:colId xmlns:a16="http://schemas.microsoft.com/office/drawing/2014/main" val="3942515347"/>
+                        </a:ext>
+                      </a:extLst>
+                    </a:gridCol>
+                    <a:gridCol w="2130638">
+                      <a:extLst>
+                        <a:ext uri="{9D8B030D-6E8A-4147-A177-3AD203B41FA5}">
+                          <a16:colId xmlns:a16="http://schemas.microsoft.com/office/drawing/2014/main" val="1277185909"/>
+                        </a:ext>
+                      </a:extLst>
+                    </a:gridCol>
+                  </a:tblGrid>
+                  <a:tr h="435752">
+                    <a:tc>
+                      <a:txBody>
+                        <a:bodyPr/>
+                        <a:lstStyle/>
+                        <a:p>
+                          <a:pPr algn="l"/>
+                          <a:endParaRPr lang="en-US" dirty="0"/>
+                        </a:p>
+                      </a:txBody>
+                      <a:tcPr>
+                        <a:lnL w="12700" cap="flat" cmpd="sng" algn="ctr">
+                          <a:solidFill>
+                            <a:schemeClr val="tx1"/>
+                          </a:solidFill>
+                          <a:prstDash val="solid"/>
+                          <a:round/>
+                          <a:headEnd type="none" w="med" len="med"/>
+                          <a:tailEnd type="none" w="med" len="med"/>
+                        </a:lnL>
+                        <a:lnR w="12700" cap="flat" cmpd="sng" algn="ctr">
+                          <a:solidFill>
+                            <a:schemeClr val="tx1"/>
+                          </a:solidFill>
+                          <a:prstDash val="solid"/>
+                          <a:round/>
+                          <a:headEnd type="none" w="med" len="med"/>
+                          <a:tailEnd type="none" w="med" len="med"/>
+                        </a:lnR>
+                        <a:lnT w="12700" cap="flat" cmpd="sng" algn="ctr">
+                          <a:solidFill>
+                            <a:schemeClr val="tx1"/>
+                          </a:solidFill>
+                          <a:prstDash val="solid"/>
+                          <a:round/>
+                          <a:headEnd type="none" w="med" len="med"/>
+                          <a:tailEnd type="none" w="med" len="med"/>
+                        </a:lnT>
+                        <a:lnB w="12700" cap="flat" cmpd="sng" algn="ctr">
+                          <a:solidFill>
+                            <a:schemeClr val="tx1"/>
+                          </a:solidFill>
+                          <a:prstDash val="solid"/>
+                          <a:round/>
+                          <a:headEnd type="none" w="med" len="med"/>
+                          <a:tailEnd type="none" w="med" len="med"/>
+                        </a:lnB>
+                        <a:noFill/>
+                      </a:tcPr>
+                    </a:tc>
+                    <a:tc>
+                      <a:txBody>
+                        <a:bodyPr/>
+                        <a:lstStyle/>
+                        <a:p>
+                          <a:pPr algn="l"/>
+                          <a:r>
+                            <a:rPr lang="en-US" dirty="0"/>
+                            <a:t>Aligned</a:t>
+                          </a:r>
+                        </a:p>
+                      </a:txBody>
+                      <a:tcPr>
+                        <a:lnL w="12700" cap="flat" cmpd="sng" algn="ctr">
+                          <a:solidFill>
+                            <a:schemeClr val="tx1"/>
+                          </a:solidFill>
+                          <a:prstDash val="solid"/>
+                          <a:round/>
+                          <a:headEnd type="none" w="med" len="med"/>
+                          <a:tailEnd type="none" w="med" len="med"/>
+                        </a:lnL>
+                        <a:lnR w="12700" cap="flat" cmpd="sng" algn="ctr">
+                          <a:solidFill>
+                            <a:schemeClr val="tx1"/>
+                          </a:solidFill>
+                          <a:prstDash val="solid"/>
+                          <a:round/>
+                          <a:headEnd type="none" w="med" len="med"/>
+                          <a:tailEnd type="none" w="med" len="med"/>
+                        </a:lnR>
+                        <a:lnT w="12700" cap="flat" cmpd="sng" algn="ctr">
+                          <a:solidFill>
+                            <a:schemeClr val="tx1"/>
+                          </a:solidFill>
+                          <a:prstDash val="solid"/>
+                          <a:round/>
+                          <a:headEnd type="none" w="med" len="med"/>
+                          <a:tailEnd type="none" w="med" len="med"/>
+                        </a:lnT>
+                        <a:lnB w="12700" cap="flat" cmpd="sng" algn="ctr">
+                          <a:solidFill>
+                            <a:schemeClr val="tx1"/>
+                          </a:solidFill>
+                          <a:prstDash val="solid"/>
+                          <a:round/>
+                          <a:headEnd type="none" w="med" len="med"/>
+                          <a:tailEnd type="none" w="med" len="med"/>
+                        </a:lnB>
+                        <a:noFill/>
+                      </a:tcPr>
+                    </a:tc>
+                    <a:tc>
+                      <a:txBody>
+                        <a:bodyPr/>
+                        <a:lstStyle/>
+                        <a:p>
+                          <a:pPr algn="l"/>
+                          <a:r>
+                            <a:rPr lang="en-US" dirty="0"/>
+                            <a:t>Misaligned- 10mm</a:t>
+                          </a:r>
+                        </a:p>
+                      </a:txBody>
+                      <a:tcPr>
+                        <a:lnL w="12700" cap="flat" cmpd="sng" algn="ctr">
+                          <a:solidFill>
+                            <a:schemeClr val="tx1"/>
+                          </a:solidFill>
+                          <a:prstDash val="solid"/>
+                          <a:round/>
+                          <a:headEnd type="none" w="med" len="med"/>
+                          <a:tailEnd type="none" w="med" len="med"/>
+                        </a:lnL>
+                        <a:lnR w="12700" cap="flat" cmpd="sng" algn="ctr">
+                          <a:solidFill>
+                            <a:schemeClr val="tx1"/>
+                          </a:solidFill>
+                          <a:prstDash val="solid"/>
+                          <a:round/>
+                          <a:headEnd type="none" w="med" len="med"/>
+                          <a:tailEnd type="none" w="med" len="med"/>
+                        </a:lnR>
+                        <a:lnT w="12700" cap="flat" cmpd="sng" algn="ctr">
+                          <a:solidFill>
+                            <a:schemeClr val="tx1"/>
+                          </a:solidFill>
+                          <a:prstDash val="solid"/>
+                          <a:round/>
+                          <a:headEnd type="none" w="med" len="med"/>
+                          <a:tailEnd type="none" w="med" len="med"/>
+                        </a:lnT>
+                        <a:lnB w="12700" cap="flat" cmpd="sng" algn="ctr">
+                          <a:solidFill>
+                            <a:schemeClr val="tx1"/>
+                          </a:solidFill>
+                          <a:prstDash val="solid"/>
+                          <a:round/>
+                          <a:headEnd type="none" w="med" len="med"/>
+                          <a:tailEnd type="none" w="med" len="med"/>
+                        </a:lnB>
+                        <a:noFill/>
+                      </a:tcPr>
+                    </a:tc>
+                    <a:tc>
+                      <a:txBody>
+                        <a:bodyPr/>
+                        <a:lstStyle/>
+                        <a:p>
+                          <a:pPr algn="l"/>
+                          <a:r>
+                            <a:rPr lang="en-US" dirty="0"/>
+                            <a:t>Misaligned- 20mm</a:t>
+                          </a:r>
+                        </a:p>
+                      </a:txBody>
+                      <a:tcPr>
+                        <a:lnL w="12700" cap="flat" cmpd="sng" algn="ctr">
+                          <a:solidFill>
+                            <a:schemeClr val="tx1"/>
+                          </a:solidFill>
+                          <a:prstDash val="solid"/>
+                          <a:round/>
+                          <a:headEnd type="none" w="med" len="med"/>
+                          <a:tailEnd type="none" w="med" len="med"/>
+                        </a:lnL>
+                        <a:lnR w="12700" cap="flat" cmpd="sng" algn="ctr">
+                          <a:solidFill>
+                            <a:schemeClr val="tx1"/>
+                          </a:solidFill>
+                          <a:prstDash val="solid"/>
+                          <a:round/>
+                          <a:headEnd type="none" w="med" len="med"/>
+                          <a:tailEnd type="none" w="med" len="med"/>
+                        </a:lnR>
+                        <a:lnT w="12700" cap="flat" cmpd="sng" algn="ctr">
+                          <a:solidFill>
+                            <a:schemeClr val="tx1"/>
+                          </a:solidFill>
+                          <a:prstDash val="solid"/>
+                          <a:round/>
+                          <a:headEnd type="none" w="med" len="med"/>
+                          <a:tailEnd type="none" w="med" len="med"/>
+                        </a:lnT>
+                        <a:lnB w="12700" cap="flat" cmpd="sng" algn="ctr">
+                          <a:solidFill>
+                            <a:schemeClr val="tx1"/>
+                          </a:solidFill>
+                          <a:prstDash val="solid"/>
+                          <a:round/>
+                          <a:headEnd type="none" w="med" len="med"/>
+                          <a:tailEnd type="none" w="med" len="med"/>
+                        </a:lnB>
+                        <a:noFill/>
+                      </a:tcPr>
+                    </a:tc>
+                    <a:tc>
+                      <a:txBody>
+                        <a:bodyPr/>
+                        <a:lstStyle/>
+                        <a:p>
+                          <a:pPr algn="l"/>
+                          <a:r>
+                            <a:rPr lang="en-US" dirty="0"/>
+                            <a:t>Change (%) </a:t>
+                          </a:r>
+                          <a:r>
+                            <a:rPr lang="en-US" sz="1400" dirty="0"/>
+                            <a:t>(for 10mm)</a:t>
+                          </a:r>
+                          <a:endParaRPr lang="en-US" dirty="0"/>
+                        </a:p>
+                      </a:txBody>
+                      <a:tcPr>
+                        <a:lnL w="12700" cap="flat" cmpd="sng" algn="ctr">
+                          <a:solidFill>
+                            <a:schemeClr val="tx1"/>
+                          </a:solidFill>
+                          <a:prstDash val="solid"/>
+                          <a:round/>
+                          <a:headEnd type="none" w="med" len="med"/>
+                          <a:tailEnd type="none" w="med" len="med"/>
+                        </a:lnL>
+                        <a:lnR w="12700" cap="flat" cmpd="sng" algn="ctr">
+                          <a:solidFill>
+                            <a:schemeClr val="tx1"/>
+                          </a:solidFill>
+                          <a:prstDash val="solid"/>
+                          <a:round/>
+                          <a:headEnd type="none" w="med" len="med"/>
+                          <a:tailEnd type="none" w="med" len="med"/>
+                        </a:lnR>
+                        <a:lnT w="12700" cap="flat" cmpd="sng" algn="ctr">
+                          <a:solidFill>
+                            <a:schemeClr val="tx1"/>
+                          </a:solidFill>
+                          <a:prstDash val="solid"/>
+                          <a:round/>
+                          <a:headEnd type="none" w="med" len="med"/>
+                          <a:tailEnd type="none" w="med" len="med"/>
+                        </a:lnT>
+                        <a:lnB w="12700" cap="flat" cmpd="sng" algn="ctr">
+                          <a:solidFill>
+                            <a:schemeClr val="tx1"/>
+                          </a:solidFill>
+                          <a:prstDash val="solid"/>
+                          <a:round/>
+                          <a:headEnd type="none" w="med" len="med"/>
+                          <a:tailEnd type="none" w="med" len="med"/>
+                        </a:lnB>
+                        <a:noFill/>
+                      </a:tcPr>
+                    </a:tc>
+                    <a:tc>
+                      <a:txBody>
+                        <a:bodyPr/>
+                        <a:lstStyle/>
+                        <a:p>
+                          <a:pPr marL="0" marR="0" lvl="0" indent="0" algn="l" defTabSz="914400" rtl="0" eaLnBrk="1" fontAlgn="auto" latinLnBrk="0" hangingPunct="1">
+                            <a:lnSpc>
+                              <a:spcPct val="100000"/>
+                            </a:lnSpc>
+                            <a:spcBef>
+                              <a:spcPts val="0"/>
+                            </a:spcBef>
+                            <a:spcAft>
+                              <a:spcPts val="0"/>
+                            </a:spcAft>
+                            <a:buClrTx/>
+                            <a:buSzTx/>
+                            <a:buFontTx/>
+                            <a:buNone/>
+                            <a:tabLst/>
+                            <a:defRPr/>
+                          </a:pPr>
+                          <a:r>
+                            <a:rPr lang="en-US" dirty="0"/>
+                            <a:t>Change (%) </a:t>
+                          </a:r>
+                          <a:r>
+                            <a:rPr lang="en-US" sz="1400" dirty="0"/>
+                            <a:t>(for 20mm)</a:t>
+                          </a:r>
+                          <a:endParaRPr lang="en-US" dirty="0"/>
+                        </a:p>
+                      </a:txBody>
+                      <a:tcPr>
+                        <a:lnL w="12700" cap="flat" cmpd="sng" algn="ctr">
+                          <a:solidFill>
+                            <a:schemeClr val="tx1"/>
+                          </a:solidFill>
+                          <a:prstDash val="solid"/>
+                          <a:round/>
+                          <a:headEnd type="none" w="med" len="med"/>
+                          <a:tailEnd type="none" w="med" len="med"/>
+                        </a:lnL>
+                        <a:lnR w="12700" cap="flat" cmpd="sng" algn="ctr">
+                          <a:solidFill>
+                            <a:schemeClr val="tx1"/>
+                          </a:solidFill>
+                          <a:prstDash val="solid"/>
+                          <a:round/>
+                          <a:headEnd type="none" w="med" len="med"/>
+                          <a:tailEnd type="none" w="med" len="med"/>
+                        </a:lnR>
+                        <a:lnT w="12700" cap="flat" cmpd="sng" algn="ctr">
+                          <a:solidFill>
+                            <a:schemeClr val="tx1"/>
+                          </a:solidFill>
+                          <a:prstDash val="solid"/>
+                          <a:round/>
+                          <a:headEnd type="none" w="med" len="med"/>
+                          <a:tailEnd type="none" w="med" len="med"/>
+                        </a:lnT>
+                        <a:lnB w="12700" cap="flat" cmpd="sng" algn="ctr">
+                          <a:solidFill>
+                            <a:schemeClr val="tx1"/>
+                          </a:solidFill>
+                          <a:prstDash val="solid"/>
+                          <a:round/>
+                          <a:headEnd type="none" w="med" len="med"/>
+                          <a:tailEnd type="none" w="med" len="med"/>
+                        </a:lnB>
+                        <a:noFill/>
+                      </a:tcPr>
+                    </a:tc>
+                    <a:extLst>
+                      <a:ext uri="{0D108BD9-81ED-4DB2-BD59-A6C34878D82A}">
+                        <a16:rowId xmlns:a16="http://schemas.microsoft.com/office/drawing/2014/main" val="311443602"/>
+                      </a:ext>
+                    </a:extLst>
+                  </a:tr>
+                  <a:tr h="365760">
+                    <a:tc>
+                      <a:txBody>
+                        <a:bodyPr/>
+                        <a:lstStyle/>
+                        <a:p>
+                          <a:pPr algn="l"/>
+                          <a:r>
+                            <a:rPr lang="en-US" dirty="0"/>
+                            <a:t>Tx</a:t>
+                          </a:r>
+                        </a:p>
+                      </a:txBody>
+                      <a:tcPr>
+                        <a:lnL w="12700" cap="flat" cmpd="sng" algn="ctr">
+                          <a:solidFill>
+                            <a:schemeClr val="tx1"/>
+                          </a:solidFill>
+                          <a:prstDash val="solid"/>
+                          <a:round/>
+                          <a:headEnd type="none" w="med" len="med"/>
+                          <a:tailEnd type="none" w="med" len="med"/>
+                        </a:lnL>
+                        <a:lnR w="12700" cap="flat" cmpd="sng" algn="ctr">
+                          <a:solidFill>
+                            <a:schemeClr val="tx1"/>
+                          </a:solidFill>
+                          <a:prstDash val="solid"/>
+                          <a:round/>
+                          <a:headEnd type="none" w="med" len="med"/>
+                          <a:tailEnd type="none" w="med" len="med"/>
+                        </a:lnR>
+                        <a:lnT w="12700" cap="flat" cmpd="sng" algn="ctr">
+                          <a:solidFill>
+                            <a:schemeClr val="tx1"/>
+                          </a:solidFill>
+                          <a:prstDash val="solid"/>
+                          <a:round/>
+                          <a:headEnd type="none" w="med" len="med"/>
+                          <a:tailEnd type="none" w="med" len="med"/>
+                        </a:lnT>
+                        <a:lnB w="12700" cap="flat" cmpd="sng" algn="ctr">
+                          <a:solidFill>
+                            <a:schemeClr val="tx1"/>
+                          </a:solidFill>
+                          <a:prstDash val="solid"/>
+                          <a:round/>
+                          <a:headEnd type="none" w="med" len="med"/>
+                          <a:tailEnd type="none" w="med" len="med"/>
+                        </a:lnB>
+                        <a:noFill/>
+                      </a:tcPr>
+                    </a:tc>
+                    <a:tc>
+                      <a:txBody>
+                        <a:bodyPr/>
+                        <a:lstStyle/>
+                        <a:p>
+                          <a:endParaRPr lang="en-US"/>
+                        </a:p>
+                      </a:txBody>
+                      <a:tcPr>
+                        <a:lnL w="12700" cap="flat" cmpd="sng" algn="ctr">
+                          <a:solidFill>
+                            <a:schemeClr val="tx1"/>
+                          </a:solidFill>
+                          <a:prstDash val="solid"/>
+                          <a:round/>
+                          <a:headEnd type="none" w="med" len="med"/>
+                          <a:tailEnd type="none" w="med" len="med"/>
+                        </a:lnL>
+                        <a:lnR w="12700" cap="flat" cmpd="sng" algn="ctr">
+                          <a:solidFill>
+                            <a:schemeClr val="tx1"/>
+                          </a:solidFill>
+                          <a:prstDash val="solid"/>
+                          <a:round/>
+                          <a:headEnd type="none" w="med" len="med"/>
+                          <a:tailEnd type="none" w="med" len="med"/>
+                        </a:lnR>
+                        <a:lnT w="12700" cap="flat" cmpd="sng" algn="ctr">
+                          <a:solidFill>
+                            <a:schemeClr val="tx1"/>
+                          </a:solidFill>
+                          <a:prstDash val="solid"/>
+                          <a:round/>
+                          <a:headEnd type="none" w="med" len="med"/>
+                          <a:tailEnd type="none" w="med" len="med"/>
+                        </a:lnT>
+                        <a:lnB w="12700" cap="flat" cmpd="sng" algn="ctr">
+                          <a:solidFill>
+                            <a:schemeClr val="tx1"/>
+                          </a:solidFill>
+                          <a:prstDash val="solid"/>
+                          <a:round/>
+                          <a:headEnd type="none" w="med" len="med"/>
+                          <a:tailEnd type="none" w="med" len="med"/>
+                        </a:lnB>
+                        <a:blipFill>
+                          <a:blip r:embed="rId2"/>
+                          <a:stretch>
+                            <a:fillRect l="-52821" t="-128333" r="-718462" b="-326667"/>
+                          </a:stretch>
+                        </a:blipFill>
+                      </a:tcPr>
+                    </a:tc>
+                    <a:tc>
+                      <a:txBody>
+                        <a:bodyPr/>
+                        <a:lstStyle/>
+                        <a:p>
+                          <a:endParaRPr lang="en-US"/>
+                        </a:p>
+                      </a:txBody>
+                      <a:tcPr>
+                        <a:lnL w="12700" cap="flat" cmpd="sng" algn="ctr">
+                          <a:solidFill>
+                            <a:schemeClr val="tx1"/>
+                          </a:solidFill>
+                          <a:prstDash val="solid"/>
+                          <a:round/>
+                          <a:headEnd type="none" w="med" len="med"/>
+                          <a:tailEnd type="none" w="med" len="med"/>
+                        </a:lnL>
+                        <a:lnR w="12700" cap="flat" cmpd="sng" algn="ctr">
+                          <a:solidFill>
+                            <a:schemeClr val="tx1"/>
+                          </a:solidFill>
+                          <a:prstDash val="solid"/>
+                          <a:round/>
+                          <a:headEnd type="none" w="med" len="med"/>
+                          <a:tailEnd type="none" w="med" len="med"/>
+                        </a:lnR>
+                        <a:lnT w="12700" cap="flat" cmpd="sng" algn="ctr">
+                          <a:solidFill>
+                            <a:schemeClr val="tx1"/>
+                          </a:solidFill>
+                          <a:prstDash val="solid"/>
+                          <a:round/>
+                          <a:headEnd type="none" w="med" len="med"/>
+                          <a:tailEnd type="none" w="med" len="med"/>
+                        </a:lnT>
+                        <a:lnB w="12700" cap="flat" cmpd="sng" algn="ctr">
+                          <a:solidFill>
+                            <a:schemeClr val="tx1"/>
+                          </a:solidFill>
+                          <a:prstDash val="solid"/>
+                          <a:round/>
+                          <a:headEnd type="none" w="med" len="med"/>
+                          <a:tailEnd type="none" w="med" len="med"/>
+                        </a:lnB>
+                        <a:blipFill>
+                          <a:blip r:embed="rId2"/>
+                          <a:stretch>
+                            <a:fillRect l="-91131" t="-128333" r="-328440" b="-326667"/>
+                          </a:stretch>
+                        </a:blipFill>
+                      </a:tcPr>
+                    </a:tc>
+                    <a:tc>
+                      <a:txBody>
+                        <a:bodyPr/>
+                        <a:lstStyle/>
+                        <a:p>
+                          <a:endParaRPr lang="en-US"/>
+                        </a:p>
+                      </a:txBody>
+                      <a:tcPr>
+                        <a:lnL w="12700" cap="flat" cmpd="sng" algn="ctr">
+                          <a:solidFill>
+                            <a:schemeClr val="tx1"/>
+                          </a:solidFill>
+                          <a:prstDash val="solid"/>
+                          <a:round/>
+                          <a:headEnd type="none" w="med" len="med"/>
+                          <a:tailEnd type="none" w="med" len="med"/>
+                        </a:lnL>
+                        <a:lnR w="12700" cap="flat" cmpd="sng" algn="ctr">
+                          <a:solidFill>
+                            <a:schemeClr val="tx1"/>
+                          </a:solidFill>
+                          <a:prstDash val="solid"/>
+                          <a:round/>
+                          <a:headEnd type="none" w="med" len="med"/>
+                          <a:tailEnd type="none" w="med" len="med"/>
+                        </a:lnR>
+                        <a:lnT w="12700" cap="flat" cmpd="sng" algn="ctr">
+                          <a:solidFill>
+                            <a:schemeClr val="tx1"/>
+                          </a:solidFill>
+                          <a:prstDash val="solid"/>
+                          <a:round/>
+                          <a:headEnd type="none" w="med" len="med"/>
+                          <a:tailEnd type="none" w="med" len="med"/>
+                        </a:lnT>
+                        <a:lnB w="12700" cap="flat" cmpd="sng" algn="ctr">
+                          <a:solidFill>
+                            <a:schemeClr val="tx1"/>
+                          </a:solidFill>
+                          <a:prstDash val="solid"/>
+                          <a:round/>
+                          <a:headEnd type="none" w="med" len="med"/>
+                          <a:tailEnd type="none" w="med" len="med"/>
+                        </a:lnB>
+                        <a:blipFill>
+                          <a:blip r:embed="rId2"/>
+                          <a:stretch>
+                            <a:fillRect l="-191718" t="-128333" r="-229448" b="-326667"/>
+                          </a:stretch>
+                        </a:blipFill>
+                      </a:tcPr>
+                    </a:tc>
+                    <a:tc>
+                      <a:txBody>
+                        <a:bodyPr/>
+                        <a:lstStyle/>
+                        <a:p>
+                          <a:pPr marL="0" marR="0" lvl="0" indent="0" algn="l" defTabSz="914400" rtl="0" eaLnBrk="1" fontAlgn="auto" latinLnBrk="0" hangingPunct="1">
+                            <a:lnSpc>
+                              <a:spcPct val="100000"/>
+                            </a:lnSpc>
+                            <a:spcBef>
+                              <a:spcPts val="0"/>
+                            </a:spcBef>
+                            <a:spcAft>
+                              <a:spcPts val="0"/>
+                            </a:spcAft>
+                            <a:buClrTx/>
+                            <a:buSzTx/>
+                            <a:buFontTx/>
+                            <a:buNone/>
+                            <a:tabLst/>
+                            <a:defRPr/>
+                          </a:pPr>
+                          <a:r>
+                            <a:rPr lang="en-US" dirty="0"/>
+                            <a:t>1.62</a:t>
+                          </a:r>
+                        </a:p>
+                      </a:txBody>
+                      <a:tcPr>
+                        <a:lnL w="12700" cap="flat" cmpd="sng" algn="ctr">
+                          <a:solidFill>
+                            <a:schemeClr val="tx1"/>
+                          </a:solidFill>
+                          <a:prstDash val="solid"/>
+                          <a:round/>
+                          <a:headEnd type="none" w="med" len="med"/>
+                          <a:tailEnd type="none" w="med" len="med"/>
+                        </a:lnL>
+                        <a:lnR w="12700" cap="flat" cmpd="sng" algn="ctr">
+                          <a:solidFill>
+                            <a:schemeClr val="tx1"/>
+                          </a:solidFill>
+                          <a:prstDash val="solid"/>
+                          <a:round/>
+                          <a:headEnd type="none" w="med" len="med"/>
+                          <a:tailEnd type="none" w="med" len="med"/>
+                        </a:lnR>
+                        <a:lnT w="12700" cap="flat" cmpd="sng" algn="ctr">
+                          <a:solidFill>
+                            <a:schemeClr val="tx1"/>
+                          </a:solidFill>
+                          <a:prstDash val="solid"/>
+                          <a:round/>
+                          <a:headEnd type="none" w="med" len="med"/>
+                          <a:tailEnd type="none" w="med" len="med"/>
+                        </a:lnT>
+                        <a:lnB w="12700" cap="flat" cmpd="sng" algn="ctr">
+                          <a:solidFill>
+                            <a:schemeClr val="tx1"/>
+                          </a:solidFill>
+                          <a:prstDash val="solid"/>
+                          <a:round/>
+                          <a:headEnd type="none" w="med" len="med"/>
+                          <a:tailEnd type="none" w="med" len="med"/>
+                        </a:lnB>
+                        <a:noFill/>
+                      </a:tcPr>
+                    </a:tc>
+                    <a:tc>
+                      <a:txBody>
+                        <a:bodyPr/>
+                        <a:lstStyle/>
+                        <a:p>
+                          <a:pPr marL="0" marR="0" lvl="0" indent="0" algn="l" defTabSz="914400" rtl="0" eaLnBrk="1" fontAlgn="auto" latinLnBrk="0" hangingPunct="1">
+                            <a:lnSpc>
+                              <a:spcPct val="100000"/>
+                            </a:lnSpc>
+                            <a:spcBef>
+                              <a:spcPts val="0"/>
+                            </a:spcBef>
+                            <a:spcAft>
+                              <a:spcPts val="0"/>
+                            </a:spcAft>
+                            <a:buClrTx/>
+                            <a:buSzTx/>
+                            <a:buFontTx/>
+                            <a:buNone/>
+                            <a:tabLst/>
+                            <a:defRPr/>
+                          </a:pPr>
+                          <a:r>
+                            <a:rPr lang="en-US" dirty="0"/>
+                            <a:t>5.23</a:t>
+                          </a:r>
+                        </a:p>
+                      </a:txBody>
+                      <a:tcPr>
+                        <a:lnL w="12700" cap="flat" cmpd="sng" algn="ctr">
+                          <a:solidFill>
+                            <a:schemeClr val="tx1"/>
+                          </a:solidFill>
+                          <a:prstDash val="solid"/>
+                          <a:round/>
+                          <a:headEnd type="none" w="med" len="med"/>
+                          <a:tailEnd type="none" w="med" len="med"/>
+                        </a:lnL>
+                        <a:lnR w="12700" cap="flat" cmpd="sng" algn="ctr">
+                          <a:solidFill>
+                            <a:schemeClr val="tx1"/>
+                          </a:solidFill>
+                          <a:prstDash val="solid"/>
+                          <a:round/>
+                          <a:headEnd type="none" w="med" len="med"/>
+                          <a:tailEnd type="none" w="med" len="med"/>
+                        </a:lnR>
+                        <a:lnT w="12700" cap="flat" cmpd="sng" algn="ctr">
+                          <a:solidFill>
+                            <a:schemeClr val="tx1"/>
+                          </a:solidFill>
+                          <a:prstDash val="solid"/>
+                          <a:round/>
+                          <a:headEnd type="none" w="med" len="med"/>
+                          <a:tailEnd type="none" w="med" len="med"/>
+                        </a:lnT>
+                        <a:lnB w="12700" cap="flat" cmpd="sng" algn="ctr">
+                          <a:solidFill>
+                            <a:schemeClr val="tx1"/>
+                          </a:solidFill>
+                          <a:prstDash val="solid"/>
+                          <a:round/>
+                          <a:headEnd type="none" w="med" len="med"/>
+                          <a:tailEnd type="none" w="med" len="med"/>
+                        </a:lnB>
+                        <a:noFill/>
+                      </a:tcPr>
+                    </a:tc>
+                    <a:extLst>
+                      <a:ext uri="{0D108BD9-81ED-4DB2-BD59-A6C34878D82A}">
+                        <a16:rowId xmlns:a16="http://schemas.microsoft.com/office/drawing/2014/main" val="3140434262"/>
+                      </a:ext>
+                    </a:extLst>
+                  </a:tr>
+                  <a:tr h="371413">
+                    <a:tc>
+                      <a:txBody>
+                        <a:bodyPr/>
+                        <a:lstStyle/>
+                        <a:p>
+                          <a:pPr algn="l"/>
+                          <a:r>
+                            <a:rPr lang="en-US" dirty="0"/>
+                            <a:t>Rx</a:t>
+                          </a:r>
+                        </a:p>
+                      </a:txBody>
+                      <a:tcPr>
+                        <a:lnL w="12700" cap="flat" cmpd="sng" algn="ctr">
+                          <a:solidFill>
+                            <a:schemeClr val="tx1"/>
+                          </a:solidFill>
+                          <a:prstDash val="solid"/>
+                          <a:round/>
+                          <a:headEnd type="none" w="med" len="med"/>
+                          <a:tailEnd type="none" w="med" len="med"/>
+                        </a:lnL>
+                        <a:lnR w="12700" cap="flat" cmpd="sng" algn="ctr">
+                          <a:solidFill>
+                            <a:schemeClr val="tx1"/>
+                          </a:solidFill>
+                          <a:prstDash val="solid"/>
+                          <a:round/>
+                          <a:headEnd type="none" w="med" len="med"/>
+                          <a:tailEnd type="none" w="med" len="med"/>
+                        </a:lnR>
+                        <a:lnT w="12700" cap="flat" cmpd="sng" algn="ctr">
+                          <a:solidFill>
+                            <a:schemeClr val="tx1"/>
+                          </a:solidFill>
+                          <a:prstDash val="solid"/>
+                          <a:round/>
+                          <a:headEnd type="none" w="med" len="med"/>
+                          <a:tailEnd type="none" w="med" len="med"/>
+                        </a:lnT>
+                        <a:lnB w="12700" cap="flat" cmpd="sng" algn="ctr">
+                          <a:solidFill>
+                            <a:schemeClr val="tx1"/>
+                          </a:solidFill>
+                          <a:prstDash val="solid"/>
+                          <a:round/>
+                          <a:headEnd type="none" w="med" len="med"/>
+                          <a:tailEnd type="none" w="med" len="med"/>
+                        </a:lnB>
+                        <a:noFill/>
+                      </a:tcPr>
+                    </a:tc>
+                    <a:tc>
+                      <a:txBody>
+                        <a:bodyPr/>
+                        <a:lstStyle/>
+                        <a:p>
+                          <a:endParaRPr lang="en-US"/>
+                        </a:p>
+                      </a:txBody>
+                      <a:tcPr>
+                        <a:lnL w="12700" cap="flat" cmpd="sng" algn="ctr">
+                          <a:solidFill>
+                            <a:schemeClr val="tx1"/>
+                          </a:solidFill>
+                          <a:prstDash val="solid"/>
+                          <a:round/>
+                          <a:headEnd type="none" w="med" len="med"/>
+                          <a:tailEnd type="none" w="med" len="med"/>
+                        </a:lnL>
+                        <a:lnR w="12700" cap="flat" cmpd="sng" algn="ctr">
+                          <a:solidFill>
+                            <a:schemeClr val="tx1"/>
+                          </a:solidFill>
+                          <a:prstDash val="solid"/>
+                          <a:round/>
+                          <a:headEnd type="none" w="med" len="med"/>
+                          <a:tailEnd type="none" w="med" len="med"/>
+                        </a:lnR>
+                        <a:lnT w="12700" cap="flat" cmpd="sng" algn="ctr">
+                          <a:solidFill>
+                            <a:schemeClr val="tx1"/>
+                          </a:solidFill>
+                          <a:prstDash val="solid"/>
+                          <a:round/>
+                          <a:headEnd type="none" w="med" len="med"/>
+                          <a:tailEnd type="none" w="med" len="med"/>
+                        </a:lnT>
+                        <a:lnB w="12700" cap="flat" cmpd="sng" algn="ctr">
+                          <a:solidFill>
+                            <a:schemeClr val="tx1"/>
+                          </a:solidFill>
+                          <a:prstDash val="solid"/>
+                          <a:round/>
+                          <a:headEnd type="none" w="med" len="med"/>
+                          <a:tailEnd type="none" w="med" len="med"/>
+                        </a:lnB>
+                        <a:blipFill>
+                          <a:blip r:embed="rId2"/>
+                          <a:stretch>
+                            <a:fillRect l="-52821" t="-224590" r="-718462" b="-221311"/>
+                          </a:stretch>
+                        </a:blipFill>
+                      </a:tcPr>
+                    </a:tc>
+                    <a:tc>
+                      <a:txBody>
+                        <a:bodyPr/>
+                        <a:lstStyle/>
+                        <a:p>
+                          <a:endParaRPr lang="en-US"/>
+                        </a:p>
+                      </a:txBody>
+                      <a:tcPr>
+                        <a:lnL w="12700" cap="flat" cmpd="sng" algn="ctr">
+                          <a:solidFill>
+                            <a:schemeClr val="tx1"/>
+                          </a:solidFill>
+                          <a:prstDash val="solid"/>
+                          <a:round/>
+                          <a:headEnd type="none" w="med" len="med"/>
+                          <a:tailEnd type="none" w="med" len="med"/>
+                        </a:lnL>
+                        <a:lnR w="12700" cap="flat" cmpd="sng" algn="ctr">
+                          <a:solidFill>
+                            <a:schemeClr val="tx1"/>
+                          </a:solidFill>
+                          <a:prstDash val="solid"/>
+                          <a:round/>
+                          <a:headEnd type="none" w="med" len="med"/>
+                          <a:tailEnd type="none" w="med" len="med"/>
+                        </a:lnR>
+                        <a:lnT w="12700" cap="flat" cmpd="sng" algn="ctr">
+                          <a:solidFill>
+                            <a:schemeClr val="tx1"/>
+                          </a:solidFill>
+                          <a:prstDash val="solid"/>
+                          <a:round/>
+                          <a:headEnd type="none" w="med" len="med"/>
+                          <a:tailEnd type="none" w="med" len="med"/>
+                        </a:lnT>
+                        <a:lnB w="12700" cap="flat" cmpd="sng" algn="ctr">
+                          <a:solidFill>
+                            <a:schemeClr val="tx1"/>
+                          </a:solidFill>
+                          <a:prstDash val="solid"/>
+                          <a:round/>
+                          <a:headEnd type="none" w="med" len="med"/>
+                          <a:tailEnd type="none" w="med" len="med"/>
+                        </a:lnB>
+                        <a:blipFill>
+                          <a:blip r:embed="rId2"/>
+                          <a:stretch>
+                            <a:fillRect l="-91131" t="-224590" r="-328440" b="-221311"/>
+                          </a:stretch>
+                        </a:blipFill>
+                      </a:tcPr>
+                    </a:tc>
+                    <a:tc>
+                      <a:txBody>
+                        <a:bodyPr/>
+                        <a:lstStyle/>
+                        <a:p>
+                          <a:endParaRPr lang="en-US"/>
+                        </a:p>
+                      </a:txBody>
+                      <a:tcPr>
+                        <a:lnL w="12700" cap="flat" cmpd="sng" algn="ctr">
+                          <a:solidFill>
+                            <a:schemeClr val="tx1"/>
+                          </a:solidFill>
+                          <a:prstDash val="solid"/>
+                          <a:round/>
+                          <a:headEnd type="none" w="med" len="med"/>
+                          <a:tailEnd type="none" w="med" len="med"/>
+                        </a:lnL>
+                        <a:lnR w="12700" cap="flat" cmpd="sng" algn="ctr">
+                          <a:solidFill>
+                            <a:schemeClr val="tx1"/>
+                          </a:solidFill>
+                          <a:prstDash val="solid"/>
+                          <a:round/>
+                          <a:headEnd type="none" w="med" len="med"/>
+                          <a:tailEnd type="none" w="med" len="med"/>
+                        </a:lnR>
+                        <a:lnT w="12700" cap="flat" cmpd="sng" algn="ctr">
+                          <a:solidFill>
+                            <a:schemeClr val="tx1"/>
+                          </a:solidFill>
+                          <a:prstDash val="solid"/>
+                          <a:round/>
+                          <a:headEnd type="none" w="med" len="med"/>
+                          <a:tailEnd type="none" w="med" len="med"/>
+                        </a:lnT>
+                        <a:lnB w="12700" cap="flat" cmpd="sng" algn="ctr">
+                          <a:solidFill>
+                            <a:schemeClr val="tx1"/>
+                          </a:solidFill>
+                          <a:prstDash val="solid"/>
+                          <a:round/>
+                          <a:headEnd type="none" w="med" len="med"/>
+                          <a:tailEnd type="none" w="med" len="med"/>
+                        </a:lnB>
+                        <a:blipFill>
+                          <a:blip r:embed="rId2"/>
+                          <a:stretch>
+                            <a:fillRect l="-191718" t="-224590" r="-229448" b="-221311"/>
+                          </a:stretch>
+                        </a:blipFill>
+                      </a:tcPr>
+                    </a:tc>
+                    <a:tc>
+                      <a:txBody>
+                        <a:bodyPr/>
+                        <a:lstStyle/>
+                        <a:p>
+                          <a:pPr marL="0" marR="0" lvl="0" indent="0" algn="l" defTabSz="914400" rtl="0" eaLnBrk="1" fontAlgn="auto" latinLnBrk="0" hangingPunct="1">
+                            <a:lnSpc>
+                              <a:spcPct val="100000"/>
+                            </a:lnSpc>
+                            <a:spcBef>
+                              <a:spcPts val="0"/>
+                            </a:spcBef>
+                            <a:spcAft>
+                              <a:spcPts val="0"/>
+                            </a:spcAft>
+                            <a:buClrTx/>
+                            <a:buSzTx/>
+                            <a:buFontTx/>
+                            <a:buNone/>
+                            <a:tabLst/>
+                            <a:defRPr/>
+                          </a:pPr>
+                          <a:r>
+                            <a:rPr lang="en-US" dirty="0"/>
+                            <a:t>0.22</a:t>
+                          </a:r>
+                        </a:p>
+                      </a:txBody>
+                      <a:tcPr>
+                        <a:lnL w="12700" cap="flat" cmpd="sng" algn="ctr">
+                          <a:solidFill>
+                            <a:schemeClr val="tx1"/>
+                          </a:solidFill>
+                          <a:prstDash val="solid"/>
+                          <a:round/>
+                          <a:headEnd type="none" w="med" len="med"/>
+                          <a:tailEnd type="none" w="med" len="med"/>
+                        </a:lnL>
+                        <a:lnR w="12700" cap="flat" cmpd="sng" algn="ctr">
+                          <a:solidFill>
+                            <a:schemeClr val="tx1"/>
+                          </a:solidFill>
+                          <a:prstDash val="solid"/>
+                          <a:round/>
+                          <a:headEnd type="none" w="med" len="med"/>
+                          <a:tailEnd type="none" w="med" len="med"/>
+                        </a:lnR>
+                        <a:lnT w="12700" cap="flat" cmpd="sng" algn="ctr">
+                          <a:solidFill>
+                            <a:schemeClr val="tx1"/>
+                          </a:solidFill>
+                          <a:prstDash val="solid"/>
+                          <a:round/>
+                          <a:headEnd type="none" w="med" len="med"/>
+                          <a:tailEnd type="none" w="med" len="med"/>
+                        </a:lnT>
+                        <a:lnB w="12700" cap="flat" cmpd="sng" algn="ctr">
+                          <a:solidFill>
+                            <a:schemeClr val="tx1"/>
+                          </a:solidFill>
+                          <a:prstDash val="solid"/>
+                          <a:round/>
+                          <a:headEnd type="none" w="med" len="med"/>
+                          <a:tailEnd type="none" w="med" len="med"/>
+                        </a:lnB>
+                        <a:noFill/>
+                      </a:tcPr>
+                    </a:tc>
+                    <a:tc>
+                      <a:txBody>
+                        <a:bodyPr/>
+                        <a:lstStyle/>
+                        <a:p>
+                          <a:pPr marL="0" marR="0" lvl="0" indent="0" algn="l" defTabSz="914400" rtl="0" eaLnBrk="1" fontAlgn="auto" latinLnBrk="0" hangingPunct="1">
+                            <a:lnSpc>
+                              <a:spcPct val="100000"/>
+                            </a:lnSpc>
+                            <a:spcBef>
+                              <a:spcPts val="0"/>
+                            </a:spcBef>
+                            <a:spcAft>
+                              <a:spcPts val="0"/>
+                            </a:spcAft>
+                            <a:buClrTx/>
+                            <a:buSzTx/>
+                            <a:buFontTx/>
+                            <a:buNone/>
+                            <a:tabLst/>
+                            <a:defRPr/>
+                          </a:pPr>
+                          <a:r>
+                            <a:rPr lang="en-US" dirty="0"/>
+                            <a:t>0.25</a:t>
+                          </a:r>
+                        </a:p>
+                      </a:txBody>
+                      <a:tcPr>
+                        <a:lnL w="12700" cap="flat" cmpd="sng" algn="ctr">
+                          <a:solidFill>
+                            <a:schemeClr val="tx1"/>
+                          </a:solidFill>
+                          <a:prstDash val="solid"/>
+                          <a:round/>
+                          <a:headEnd type="none" w="med" len="med"/>
+                          <a:tailEnd type="none" w="med" len="med"/>
+                        </a:lnL>
+                        <a:lnR w="12700" cap="flat" cmpd="sng" algn="ctr">
+                          <a:solidFill>
+                            <a:schemeClr val="tx1"/>
+                          </a:solidFill>
+                          <a:prstDash val="solid"/>
+                          <a:round/>
+                          <a:headEnd type="none" w="med" len="med"/>
+                          <a:tailEnd type="none" w="med" len="med"/>
+                        </a:lnR>
+                        <a:lnT w="12700" cap="flat" cmpd="sng" algn="ctr">
+                          <a:solidFill>
+                            <a:schemeClr val="tx1"/>
+                          </a:solidFill>
+                          <a:prstDash val="solid"/>
+                          <a:round/>
+                          <a:headEnd type="none" w="med" len="med"/>
+                          <a:tailEnd type="none" w="med" len="med"/>
+                        </a:lnT>
+                        <a:lnB w="12700" cap="flat" cmpd="sng" algn="ctr">
+                          <a:solidFill>
+                            <a:schemeClr val="tx1"/>
+                          </a:solidFill>
+                          <a:prstDash val="solid"/>
+                          <a:round/>
+                          <a:headEnd type="none" w="med" len="med"/>
+                          <a:tailEnd type="none" w="med" len="med"/>
+                        </a:lnB>
+                        <a:noFill/>
+                      </a:tcPr>
+                    </a:tc>
+                    <a:extLst>
+                      <a:ext uri="{0D108BD9-81ED-4DB2-BD59-A6C34878D82A}">
+                        <a16:rowId xmlns:a16="http://schemas.microsoft.com/office/drawing/2014/main" val="1546578927"/>
+                      </a:ext>
+                    </a:extLst>
+                  </a:tr>
+                  <a:tr h="365760">
+                    <a:tc>
+                      <a:txBody>
+                        <a:bodyPr/>
+                        <a:lstStyle/>
+                        <a:p>
+                          <a:pPr algn="l"/>
+                          <a:r>
+                            <a:rPr lang="en-US" dirty="0"/>
+                            <a:t>M</a:t>
+                          </a:r>
+                        </a:p>
+                      </a:txBody>
+                      <a:tcPr>
+                        <a:lnL w="12700" cap="flat" cmpd="sng" algn="ctr">
+                          <a:solidFill>
+                            <a:schemeClr val="tx1"/>
+                          </a:solidFill>
+                          <a:prstDash val="solid"/>
+                          <a:round/>
+                          <a:headEnd type="none" w="med" len="med"/>
+                          <a:tailEnd type="none" w="med" len="med"/>
+                        </a:lnL>
+                        <a:lnR w="12700" cap="flat" cmpd="sng" algn="ctr">
+                          <a:solidFill>
+                            <a:schemeClr val="tx1"/>
+                          </a:solidFill>
+                          <a:prstDash val="solid"/>
+                          <a:round/>
+                          <a:headEnd type="none" w="med" len="med"/>
+                          <a:tailEnd type="none" w="med" len="med"/>
+                        </a:lnR>
+                        <a:lnT w="12700" cap="flat" cmpd="sng" algn="ctr">
+                          <a:solidFill>
+                            <a:schemeClr val="tx1"/>
+                          </a:solidFill>
+                          <a:prstDash val="solid"/>
+                          <a:round/>
+                          <a:headEnd type="none" w="med" len="med"/>
+                          <a:tailEnd type="none" w="med" len="med"/>
+                        </a:lnT>
+                        <a:lnB w="12700" cap="flat" cmpd="sng" algn="ctr">
+                          <a:solidFill>
+                            <a:schemeClr val="tx1"/>
+                          </a:solidFill>
+                          <a:prstDash val="solid"/>
+                          <a:round/>
+                          <a:headEnd type="none" w="med" len="med"/>
+                          <a:tailEnd type="none" w="med" len="med"/>
+                        </a:lnB>
+                        <a:noFill/>
+                      </a:tcPr>
+                    </a:tc>
+                    <a:tc>
+                      <a:txBody>
+                        <a:bodyPr/>
+                        <a:lstStyle/>
+                        <a:p>
+                          <a:endParaRPr lang="en-US"/>
+                        </a:p>
+                      </a:txBody>
+                      <a:tcPr>
+                        <a:lnL w="12700" cap="flat" cmpd="sng" algn="ctr">
+                          <a:solidFill>
+                            <a:schemeClr val="tx1"/>
+                          </a:solidFill>
+                          <a:prstDash val="solid"/>
+                          <a:round/>
+                          <a:headEnd type="none" w="med" len="med"/>
+                          <a:tailEnd type="none" w="med" len="med"/>
+                        </a:lnL>
+                        <a:lnR w="12700" cap="flat" cmpd="sng" algn="ctr">
+                          <a:solidFill>
+                            <a:schemeClr val="tx1"/>
+                          </a:solidFill>
+                          <a:prstDash val="solid"/>
+                          <a:round/>
+                          <a:headEnd type="none" w="med" len="med"/>
+                          <a:tailEnd type="none" w="med" len="med"/>
+                        </a:lnR>
+                        <a:lnT w="12700" cap="flat" cmpd="sng" algn="ctr">
+                          <a:solidFill>
+                            <a:schemeClr val="tx1"/>
+                          </a:solidFill>
+                          <a:prstDash val="solid"/>
+                          <a:round/>
+                          <a:headEnd type="none" w="med" len="med"/>
+                          <a:tailEnd type="none" w="med" len="med"/>
+                        </a:lnT>
+                        <a:lnB w="12700" cap="flat" cmpd="sng" algn="ctr">
+                          <a:solidFill>
+                            <a:schemeClr val="tx1"/>
+                          </a:solidFill>
+                          <a:prstDash val="solid"/>
+                          <a:round/>
+                          <a:headEnd type="none" w="med" len="med"/>
+                          <a:tailEnd type="none" w="med" len="med"/>
+                        </a:lnB>
+                        <a:blipFill>
+                          <a:blip r:embed="rId2"/>
+                          <a:stretch>
+                            <a:fillRect l="-52821" t="-330000" r="-718462" b="-125000"/>
+                          </a:stretch>
+                        </a:blipFill>
+                      </a:tcPr>
+                    </a:tc>
+                    <a:tc>
+                      <a:txBody>
+                        <a:bodyPr/>
+                        <a:lstStyle/>
+                        <a:p>
+                          <a:endParaRPr lang="en-US"/>
+                        </a:p>
+                      </a:txBody>
+                      <a:tcPr>
+                        <a:lnL w="12700" cap="flat" cmpd="sng" algn="ctr">
+                          <a:solidFill>
+                            <a:schemeClr val="tx1"/>
+                          </a:solidFill>
+                          <a:prstDash val="solid"/>
+                          <a:round/>
+                          <a:headEnd type="none" w="med" len="med"/>
+                          <a:tailEnd type="none" w="med" len="med"/>
+                        </a:lnL>
+                        <a:lnR w="12700" cap="flat" cmpd="sng" algn="ctr">
+                          <a:solidFill>
+                            <a:schemeClr val="tx1"/>
+                          </a:solidFill>
+                          <a:prstDash val="solid"/>
+                          <a:round/>
+                          <a:headEnd type="none" w="med" len="med"/>
+                          <a:tailEnd type="none" w="med" len="med"/>
+                        </a:lnR>
+                        <a:lnT w="12700" cap="flat" cmpd="sng" algn="ctr">
+                          <a:solidFill>
+                            <a:schemeClr val="tx1"/>
+                          </a:solidFill>
+                          <a:prstDash val="solid"/>
+                          <a:round/>
+                          <a:headEnd type="none" w="med" len="med"/>
+                          <a:tailEnd type="none" w="med" len="med"/>
+                        </a:lnT>
+                        <a:lnB w="12700" cap="flat" cmpd="sng" algn="ctr">
+                          <a:solidFill>
+                            <a:schemeClr val="tx1"/>
+                          </a:solidFill>
+                          <a:prstDash val="solid"/>
+                          <a:round/>
+                          <a:headEnd type="none" w="med" len="med"/>
+                          <a:tailEnd type="none" w="med" len="med"/>
+                        </a:lnB>
+                        <a:blipFill>
+                          <a:blip r:embed="rId2"/>
+                          <a:stretch>
+                            <a:fillRect l="-91131" t="-330000" r="-328440" b="-125000"/>
+                          </a:stretch>
+                        </a:blipFill>
+                      </a:tcPr>
+                    </a:tc>
+                    <a:tc>
+                      <a:txBody>
+                        <a:bodyPr/>
+                        <a:lstStyle/>
+                        <a:p>
+                          <a:endParaRPr lang="en-US"/>
+                        </a:p>
+                      </a:txBody>
+                      <a:tcPr>
+                        <a:lnL w="12700" cap="flat" cmpd="sng" algn="ctr">
+                          <a:solidFill>
+                            <a:schemeClr val="tx1"/>
+                          </a:solidFill>
+                          <a:prstDash val="solid"/>
+                          <a:round/>
+                          <a:headEnd type="none" w="med" len="med"/>
+                          <a:tailEnd type="none" w="med" len="med"/>
+                        </a:lnL>
+                        <a:lnR w="12700" cap="flat" cmpd="sng" algn="ctr">
+                          <a:solidFill>
+                            <a:schemeClr val="tx1"/>
+                          </a:solidFill>
+                          <a:prstDash val="solid"/>
+                          <a:round/>
+                          <a:headEnd type="none" w="med" len="med"/>
+                          <a:tailEnd type="none" w="med" len="med"/>
+                        </a:lnR>
+                        <a:lnT w="12700" cap="flat" cmpd="sng" algn="ctr">
+                          <a:solidFill>
+                            <a:schemeClr val="tx1"/>
+                          </a:solidFill>
+                          <a:prstDash val="solid"/>
+                          <a:round/>
+                          <a:headEnd type="none" w="med" len="med"/>
+                          <a:tailEnd type="none" w="med" len="med"/>
+                        </a:lnT>
+                        <a:lnB w="12700" cap="flat" cmpd="sng" algn="ctr">
+                          <a:solidFill>
+                            <a:schemeClr val="tx1"/>
+                          </a:solidFill>
+                          <a:prstDash val="solid"/>
+                          <a:round/>
+                          <a:headEnd type="none" w="med" len="med"/>
+                          <a:tailEnd type="none" w="med" len="med"/>
+                        </a:lnB>
+                        <a:blipFill>
+                          <a:blip r:embed="rId2"/>
+                          <a:stretch>
+                            <a:fillRect l="-191718" t="-330000" r="-229448" b="-125000"/>
+                          </a:stretch>
+                        </a:blipFill>
+                      </a:tcPr>
+                    </a:tc>
+                    <a:tc>
+                      <a:txBody>
+                        <a:bodyPr/>
+                        <a:lstStyle/>
+                        <a:p>
+                          <a:pPr marL="0" marR="0" lvl="0" indent="0" algn="l" defTabSz="914400" rtl="0" eaLnBrk="1" fontAlgn="auto" latinLnBrk="0" hangingPunct="1">
+                            <a:lnSpc>
+                              <a:spcPct val="100000"/>
+                            </a:lnSpc>
+                            <a:spcBef>
+                              <a:spcPts val="0"/>
+                            </a:spcBef>
+                            <a:spcAft>
+                              <a:spcPts val="0"/>
+                            </a:spcAft>
+                            <a:buClrTx/>
+                            <a:buSzTx/>
+                            <a:buFontTx/>
+                            <a:buNone/>
+                            <a:tabLst/>
+                            <a:defRPr/>
+                          </a:pPr>
+                          <a:r>
+                            <a:rPr lang="en-US" dirty="0"/>
+                            <a:t>4.77</a:t>
+                          </a:r>
+                        </a:p>
+                      </a:txBody>
+                      <a:tcPr>
+                        <a:lnL w="12700" cap="flat" cmpd="sng" algn="ctr">
+                          <a:solidFill>
+                            <a:schemeClr val="tx1"/>
+                          </a:solidFill>
+                          <a:prstDash val="solid"/>
+                          <a:round/>
+                          <a:headEnd type="none" w="med" len="med"/>
+                          <a:tailEnd type="none" w="med" len="med"/>
+                        </a:lnL>
+                        <a:lnR w="12700" cap="flat" cmpd="sng" algn="ctr">
+                          <a:solidFill>
+                            <a:schemeClr val="tx1"/>
+                          </a:solidFill>
+                          <a:prstDash val="solid"/>
+                          <a:round/>
+                          <a:headEnd type="none" w="med" len="med"/>
+                          <a:tailEnd type="none" w="med" len="med"/>
+                        </a:lnR>
+                        <a:lnT w="12700" cap="flat" cmpd="sng" algn="ctr">
+                          <a:solidFill>
+                            <a:schemeClr val="tx1"/>
+                          </a:solidFill>
+                          <a:prstDash val="solid"/>
+                          <a:round/>
+                          <a:headEnd type="none" w="med" len="med"/>
+                          <a:tailEnd type="none" w="med" len="med"/>
+                        </a:lnT>
+                        <a:lnB w="12700" cap="flat" cmpd="sng" algn="ctr">
+                          <a:solidFill>
+                            <a:schemeClr val="tx1"/>
+                          </a:solidFill>
+                          <a:prstDash val="solid"/>
+                          <a:round/>
+                          <a:headEnd type="none" w="med" len="med"/>
+                          <a:tailEnd type="none" w="med" len="med"/>
+                        </a:lnB>
+                        <a:noFill/>
+                      </a:tcPr>
+                    </a:tc>
+                    <a:tc>
+                      <a:txBody>
+                        <a:bodyPr/>
+                        <a:lstStyle/>
+                        <a:p>
+                          <a:pPr marL="0" marR="0" lvl="0" indent="0" algn="l" defTabSz="914400" rtl="0" eaLnBrk="1" fontAlgn="auto" latinLnBrk="0" hangingPunct="1">
+                            <a:lnSpc>
+                              <a:spcPct val="100000"/>
+                            </a:lnSpc>
+                            <a:spcBef>
+                              <a:spcPts val="0"/>
+                            </a:spcBef>
+                            <a:spcAft>
+                              <a:spcPts val="0"/>
+                            </a:spcAft>
+                            <a:buClrTx/>
+                            <a:buSzTx/>
+                            <a:buFontTx/>
+                            <a:buNone/>
+                            <a:tabLst/>
+                            <a:defRPr/>
+                          </a:pPr>
+                          <a:r>
+                            <a:rPr lang="en-US" dirty="0"/>
+                            <a:t>16.57</a:t>
+                          </a:r>
+                        </a:p>
+                      </a:txBody>
+                      <a:tcPr>
+                        <a:lnL w="12700" cap="flat" cmpd="sng" algn="ctr">
+                          <a:solidFill>
+                            <a:schemeClr val="tx1"/>
+                          </a:solidFill>
+                          <a:prstDash val="solid"/>
+                          <a:round/>
+                          <a:headEnd type="none" w="med" len="med"/>
+                          <a:tailEnd type="none" w="med" len="med"/>
+                        </a:lnL>
+                        <a:lnR w="12700" cap="flat" cmpd="sng" algn="ctr">
+                          <a:solidFill>
+                            <a:schemeClr val="tx1"/>
+                          </a:solidFill>
+                          <a:prstDash val="solid"/>
+                          <a:round/>
+                          <a:headEnd type="none" w="med" len="med"/>
+                          <a:tailEnd type="none" w="med" len="med"/>
+                        </a:lnR>
+                        <a:lnT w="12700" cap="flat" cmpd="sng" algn="ctr">
+                          <a:solidFill>
+                            <a:schemeClr val="tx1"/>
+                          </a:solidFill>
+                          <a:prstDash val="solid"/>
+                          <a:round/>
+                          <a:headEnd type="none" w="med" len="med"/>
+                          <a:tailEnd type="none" w="med" len="med"/>
+                        </a:lnT>
+                        <a:lnB w="12700" cap="flat" cmpd="sng" algn="ctr">
+                          <a:solidFill>
+                            <a:schemeClr val="tx1"/>
+                          </a:solidFill>
+                          <a:prstDash val="solid"/>
+                          <a:round/>
+                          <a:headEnd type="none" w="med" len="med"/>
+                          <a:tailEnd type="none" w="med" len="med"/>
+                        </a:lnB>
+                        <a:noFill/>
+                      </a:tcPr>
+                    </a:tc>
+                    <a:extLst>
+                      <a:ext uri="{0D108BD9-81ED-4DB2-BD59-A6C34878D82A}">
+                        <a16:rowId xmlns:a16="http://schemas.microsoft.com/office/drawing/2014/main" val="2188303739"/>
+                      </a:ext>
+                    </a:extLst>
+                  </a:tr>
+                  <a:tr h="365760">
+                    <a:tc>
+                      <a:txBody>
+                        <a:bodyPr/>
+                        <a:lstStyle/>
+                        <a:p>
+                          <a:pPr algn="l"/>
+                          <a:r>
+                            <a:rPr lang="en-US" dirty="0"/>
+                            <a:t>k</a:t>
+                          </a:r>
+                        </a:p>
+                      </a:txBody>
+                      <a:tcPr>
+                        <a:lnL w="12700" cap="flat" cmpd="sng" algn="ctr">
+                          <a:solidFill>
+                            <a:schemeClr val="tx1"/>
+                          </a:solidFill>
+                          <a:prstDash val="solid"/>
+                          <a:round/>
+                          <a:headEnd type="none" w="med" len="med"/>
+                          <a:tailEnd type="none" w="med" len="med"/>
+                        </a:lnL>
+                        <a:lnR w="12700" cap="flat" cmpd="sng" algn="ctr">
+                          <a:solidFill>
+                            <a:schemeClr val="tx1"/>
+                          </a:solidFill>
+                          <a:prstDash val="solid"/>
+                          <a:round/>
+                          <a:headEnd type="none" w="med" len="med"/>
+                          <a:tailEnd type="none" w="med" len="med"/>
+                        </a:lnR>
+                        <a:lnT w="12700" cap="flat" cmpd="sng" algn="ctr">
+                          <a:solidFill>
+                            <a:schemeClr val="tx1"/>
+                          </a:solidFill>
+                          <a:prstDash val="solid"/>
+                          <a:round/>
+                          <a:headEnd type="none" w="med" len="med"/>
+                          <a:tailEnd type="none" w="med" len="med"/>
+                        </a:lnT>
+                        <a:lnB w="12700" cap="flat" cmpd="sng" algn="ctr">
+                          <a:solidFill>
+                            <a:schemeClr val="tx1"/>
+                          </a:solidFill>
+                          <a:prstDash val="solid"/>
+                          <a:round/>
+                          <a:headEnd type="none" w="med" len="med"/>
+                          <a:tailEnd type="none" w="med" len="med"/>
+                        </a:lnB>
+                        <a:noFill/>
+                      </a:tcPr>
+                    </a:tc>
+                    <a:tc>
+                      <a:txBody>
+                        <a:bodyPr/>
+                        <a:lstStyle/>
+                        <a:p>
+                          <a:pPr algn="l"/>
+                          <a:r>
+                            <a:rPr lang="en-US" dirty="0"/>
+                            <a:t> 0.84</a:t>
+                          </a:r>
+                        </a:p>
+                      </a:txBody>
+                      <a:tcPr>
+                        <a:lnL w="12700" cap="flat" cmpd="sng" algn="ctr">
+                          <a:solidFill>
+                            <a:schemeClr val="tx1"/>
+                          </a:solidFill>
+                          <a:prstDash val="solid"/>
+                          <a:round/>
+                          <a:headEnd type="none" w="med" len="med"/>
+                          <a:tailEnd type="none" w="med" len="med"/>
+                        </a:lnL>
+                        <a:lnR w="12700" cap="flat" cmpd="sng" algn="ctr">
+                          <a:solidFill>
+                            <a:schemeClr val="tx1"/>
+                          </a:solidFill>
+                          <a:prstDash val="solid"/>
+                          <a:round/>
+                          <a:headEnd type="none" w="med" len="med"/>
+                          <a:tailEnd type="none" w="med" len="med"/>
+                        </a:lnR>
+                        <a:lnT w="12700" cap="flat" cmpd="sng" algn="ctr">
+                          <a:solidFill>
+                            <a:schemeClr val="tx1"/>
+                          </a:solidFill>
+                          <a:prstDash val="solid"/>
+                          <a:round/>
+                          <a:headEnd type="none" w="med" len="med"/>
+                          <a:tailEnd type="none" w="med" len="med"/>
+                        </a:lnT>
+                        <a:lnB w="12700" cap="flat" cmpd="sng" algn="ctr">
+                          <a:solidFill>
+                            <a:schemeClr val="tx1"/>
+                          </a:solidFill>
+                          <a:prstDash val="solid"/>
+                          <a:round/>
+                          <a:headEnd type="none" w="med" len="med"/>
+                          <a:tailEnd type="none" w="med" len="med"/>
+                        </a:lnB>
+                        <a:noFill/>
+                      </a:tcPr>
+                    </a:tc>
+                    <a:tc>
+                      <a:txBody>
+                        <a:bodyPr/>
+                        <a:lstStyle/>
+                        <a:p>
+                          <a:pPr algn="l"/>
+                          <a:r>
+                            <a:rPr lang="en-US" dirty="0"/>
+                            <a:t>0.81</a:t>
+                          </a:r>
+                        </a:p>
+                      </a:txBody>
+                      <a:tcPr>
+                        <a:lnL w="12700" cap="flat" cmpd="sng" algn="ctr">
+                          <a:solidFill>
+                            <a:schemeClr val="tx1"/>
+                          </a:solidFill>
+                          <a:prstDash val="solid"/>
+                          <a:round/>
+                          <a:headEnd type="none" w="med" len="med"/>
+                          <a:tailEnd type="none" w="med" len="med"/>
+                        </a:lnL>
+                        <a:lnR w="12700" cap="flat" cmpd="sng" algn="ctr">
+                          <a:solidFill>
+                            <a:schemeClr val="tx1"/>
+                          </a:solidFill>
+                          <a:prstDash val="solid"/>
+                          <a:round/>
+                          <a:headEnd type="none" w="med" len="med"/>
+                          <a:tailEnd type="none" w="med" len="med"/>
+                        </a:lnR>
+                        <a:lnT w="12700" cap="flat" cmpd="sng" algn="ctr">
+                          <a:solidFill>
+                            <a:schemeClr val="tx1"/>
+                          </a:solidFill>
+                          <a:prstDash val="solid"/>
+                          <a:round/>
+                          <a:headEnd type="none" w="med" len="med"/>
+                          <a:tailEnd type="none" w="med" len="med"/>
+                        </a:lnT>
+                        <a:lnB w="12700" cap="flat" cmpd="sng" algn="ctr">
+                          <a:solidFill>
+                            <a:schemeClr val="tx1"/>
+                          </a:solidFill>
+                          <a:prstDash val="solid"/>
+                          <a:round/>
+                          <a:headEnd type="none" w="med" len="med"/>
+                          <a:tailEnd type="none" w="med" len="med"/>
+                        </a:lnB>
+                        <a:noFill/>
+                      </a:tcPr>
+                    </a:tc>
+                    <a:tc>
+                      <a:txBody>
+                        <a:bodyPr/>
+                        <a:lstStyle/>
+                        <a:p>
+                          <a:pPr algn="l"/>
+                          <a:r>
+                            <a:rPr lang="en-US" dirty="0"/>
+                            <a:t>0.72</a:t>
+                          </a:r>
+                        </a:p>
+                      </a:txBody>
+                      <a:tcPr>
+                        <a:lnL w="12700" cap="flat" cmpd="sng" algn="ctr">
+                          <a:solidFill>
+                            <a:schemeClr val="tx1"/>
+                          </a:solidFill>
+                          <a:prstDash val="solid"/>
+                          <a:round/>
+                          <a:headEnd type="none" w="med" len="med"/>
+                          <a:tailEnd type="none" w="med" len="med"/>
+                        </a:lnL>
+                        <a:lnR w="12700" cap="flat" cmpd="sng" algn="ctr">
+                          <a:solidFill>
+                            <a:schemeClr val="tx1"/>
+                          </a:solidFill>
+                          <a:prstDash val="solid"/>
+                          <a:round/>
+                          <a:headEnd type="none" w="med" len="med"/>
+                          <a:tailEnd type="none" w="med" len="med"/>
+                        </a:lnR>
+                        <a:lnT w="12700" cap="flat" cmpd="sng" algn="ctr">
+                          <a:solidFill>
+                            <a:schemeClr val="tx1"/>
+                          </a:solidFill>
+                          <a:prstDash val="solid"/>
+                          <a:round/>
+                          <a:headEnd type="none" w="med" len="med"/>
+                          <a:tailEnd type="none" w="med" len="med"/>
+                        </a:lnT>
+                        <a:lnB w="12700" cap="flat" cmpd="sng" algn="ctr">
+                          <a:solidFill>
+                            <a:schemeClr val="tx1"/>
+                          </a:solidFill>
+                          <a:prstDash val="solid"/>
+                          <a:round/>
+                          <a:headEnd type="none" w="med" len="med"/>
+                          <a:tailEnd type="none" w="med" len="med"/>
+                        </a:lnB>
+                        <a:noFill/>
+                      </a:tcPr>
+                    </a:tc>
+                    <a:tc>
+                      <a:txBody>
+                        <a:bodyPr/>
+                        <a:lstStyle/>
+                        <a:p>
+                          <a:pPr algn="l"/>
+                          <a:r>
+                            <a:rPr lang="en-US" dirty="0"/>
+                            <a:t>3.57</a:t>
+                          </a:r>
+                        </a:p>
+                      </a:txBody>
+                      <a:tcPr>
+                        <a:lnL w="12700" cap="flat" cmpd="sng" algn="ctr">
+                          <a:solidFill>
+                            <a:schemeClr val="tx1"/>
+                          </a:solidFill>
+                          <a:prstDash val="solid"/>
+                          <a:round/>
+                          <a:headEnd type="none" w="med" len="med"/>
+                          <a:tailEnd type="none" w="med" len="med"/>
+                        </a:lnL>
+                        <a:lnR w="12700" cap="flat" cmpd="sng" algn="ctr">
+                          <a:solidFill>
+                            <a:schemeClr val="tx1"/>
+                          </a:solidFill>
+                          <a:prstDash val="solid"/>
+                          <a:round/>
+                          <a:headEnd type="none" w="med" len="med"/>
+                          <a:tailEnd type="none" w="med" len="med"/>
+                        </a:lnR>
+                        <a:lnT w="12700" cap="flat" cmpd="sng" algn="ctr">
+                          <a:solidFill>
+                            <a:schemeClr val="tx1"/>
+                          </a:solidFill>
+                          <a:prstDash val="solid"/>
+                          <a:round/>
+                          <a:headEnd type="none" w="med" len="med"/>
+                          <a:tailEnd type="none" w="med" len="med"/>
+                        </a:lnT>
+                        <a:lnB w="12700" cap="flat" cmpd="sng" algn="ctr">
+                          <a:solidFill>
+                            <a:schemeClr val="tx1"/>
+                          </a:solidFill>
+                          <a:prstDash val="solid"/>
+                          <a:round/>
+                          <a:headEnd type="none" w="med" len="med"/>
+                          <a:tailEnd type="none" w="med" len="med"/>
+                        </a:lnB>
+                        <a:noFill/>
+                      </a:tcPr>
+                    </a:tc>
+                    <a:tc>
+                      <a:txBody>
+                        <a:bodyPr/>
+                        <a:lstStyle/>
+                        <a:p>
+                          <a:pPr algn="l"/>
+                          <a:r>
+                            <a:rPr lang="en-US" dirty="0"/>
+                            <a:t>14.3</a:t>
+                          </a:r>
+                        </a:p>
+                      </a:txBody>
+                      <a:tcPr>
+                        <a:lnL w="12700" cap="flat" cmpd="sng" algn="ctr">
+                          <a:solidFill>
+                            <a:schemeClr val="tx1"/>
+                          </a:solidFill>
+                          <a:prstDash val="solid"/>
+                          <a:round/>
+                          <a:headEnd type="none" w="med" len="med"/>
+                          <a:tailEnd type="none" w="med" len="med"/>
+                        </a:lnL>
+                        <a:lnR w="12700" cap="flat" cmpd="sng" algn="ctr">
+                          <a:solidFill>
+                            <a:schemeClr val="tx1"/>
+                          </a:solidFill>
+                          <a:prstDash val="solid"/>
+                          <a:round/>
+                          <a:headEnd type="none" w="med" len="med"/>
+                          <a:tailEnd type="none" w="med" len="med"/>
+                        </a:lnR>
+                        <a:lnT w="12700" cap="flat" cmpd="sng" algn="ctr">
+                          <a:solidFill>
+                            <a:schemeClr val="tx1"/>
+                          </a:solidFill>
+                          <a:prstDash val="solid"/>
+                          <a:round/>
+                          <a:headEnd type="none" w="med" len="med"/>
+                          <a:tailEnd type="none" w="med" len="med"/>
+                        </a:lnT>
+                        <a:lnB w="12700" cap="flat" cmpd="sng" algn="ctr">
+                          <a:solidFill>
+                            <a:schemeClr val="tx1"/>
+                          </a:solidFill>
+                          <a:prstDash val="solid"/>
+                          <a:round/>
+                          <a:headEnd type="none" w="med" len="med"/>
+                          <a:tailEnd type="none" w="med" len="med"/>
+                        </a:lnB>
+                        <a:noFill/>
+                      </a:tcPr>
+                    </a:tc>
+                    <a:extLst>
+                      <a:ext uri="{0D108BD9-81ED-4DB2-BD59-A6C34878D82A}">
+                        <a16:rowId xmlns:a16="http://schemas.microsoft.com/office/drawing/2014/main" val="3904157989"/>
+                      </a:ext>
+                    </a:extLst>
+                  </a:tr>
+                </a:tbl>
+              </a:graphicData>
+            </a:graphic>
+          </p:graphicFrame>
+        </mc:Fallback>
+      </mc:AlternateContent>
+      <p:pic>
+        <p:nvPicPr>
+          <p:cNvPr id="6" name="Picture 5">
+            <a:extLst>
+              <a:ext uri="{FF2B5EF4-FFF2-40B4-BE49-F238E27FC236}">
+                <a16:creationId xmlns:a16="http://schemas.microsoft.com/office/drawing/2014/main" id="{3D388415-63E6-45DB-BD16-0CC10FE63096}"/>
+              </a:ext>
+            </a:extLst>
+          </p:cNvPr>
+          <p:cNvPicPr>
+            <a:picLocks noChangeAspect="1"/>
+          </p:cNvPicPr>
+          <p:nvPr/>
+        </p:nvPicPr>
+        <p:blipFill>
+          <a:blip r:embed="rId3"/>
+          <a:stretch>
+            <a:fillRect/>
+          </a:stretch>
+        </p:blipFill>
+        <p:spPr>
+          <a:xfrm>
+            <a:off x="1721251" y="3832090"/>
+            <a:ext cx="1704975" cy="466725"/>
+          </a:xfrm>
+          <a:prstGeom prst="rect">
+            <a:avLst/>
+          </a:prstGeom>
+        </p:spPr>
+      </p:pic>
+      <p:pic>
+        <p:nvPicPr>
+          <p:cNvPr id="7" name="Picture 6">
+            <a:extLst>
+              <a:ext uri="{FF2B5EF4-FFF2-40B4-BE49-F238E27FC236}">
+                <a16:creationId xmlns:a16="http://schemas.microsoft.com/office/drawing/2014/main" id="{DBC4C8C7-4F21-4311-9360-26FCB1614A67}"/>
+              </a:ext>
+            </a:extLst>
+          </p:cNvPr>
+          <p:cNvPicPr>
+            <a:picLocks noChangeAspect="1"/>
+          </p:cNvPicPr>
+          <p:nvPr/>
+        </p:nvPicPr>
+        <p:blipFill>
+          <a:blip r:embed="rId4"/>
+          <a:stretch>
+            <a:fillRect/>
+          </a:stretch>
+        </p:blipFill>
+        <p:spPr>
+          <a:xfrm>
+            <a:off x="7079479" y="3836852"/>
+            <a:ext cx="1885950" cy="523875"/>
+          </a:xfrm>
+          <a:prstGeom prst="rect">
+            <a:avLst/>
+          </a:prstGeom>
+        </p:spPr>
+      </p:pic>
+      <p:pic>
+        <p:nvPicPr>
+          <p:cNvPr id="8" name="Picture 7">
+            <a:extLst>
+              <a:ext uri="{FF2B5EF4-FFF2-40B4-BE49-F238E27FC236}">
+                <a16:creationId xmlns:a16="http://schemas.microsoft.com/office/drawing/2014/main" id="{3CDE6AC8-5F7A-4AFA-8BCC-3BA3EF6804D1}"/>
+              </a:ext>
+            </a:extLst>
+          </p:cNvPr>
+          <p:cNvPicPr>
+            <a:picLocks noChangeAspect="1"/>
+          </p:cNvPicPr>
+          <p:nvPr/>
+        </p:nvPicPr>
+        <p:blipFill>
+          <a:blip r:embed="rId5"/>
+          <a:stretch>
+            <a:fillRect/>
+          </a:stretch>
+        </p:blipFill>
+        <p:spPr>
+          <a:xfrm>
+            <a:off x="4668452" y="3898765"/>
+            <a:ext cx="1914525" cy="400050"/>
+          </a:xfrm>
+          <a:prstGeom prst="rect">
+            <a:avLst/>
+          </a:prstGeom>
+        </p:spPr>
+      </p:pic>
+    </p:spTree>
+    <p:extLst>
+      <p:ext uri="{BB962C8B-B14F-4D97-AF65-F5344CB8AC3E}">
+        <p14:creationId xmlns:p14="http://schemas.microsoft.com/office/powerpoint/2010/main" val="3040396098"/>
+      </p:ext>
+    </p:extLst>
+  </p:cSld>
+  <p:clrMapOvr>
+    <a:masterClrMapping/>
+  </p:clrMapOvr>
+</p:sld>
+</file>
+
+<file path=ppt/slides/slide6.xml><?xml version="1.0" encoding="utf-8"?>
+<p:sld xmlns:a="http://schemas.openxmlformats.org/drawingml/2006/main" xmlns:r="http://schemas.openxmlformats.org/officeDocument/2006/relationships" xmlns:p="http://schemas.openxmlformats.org/presentationml/2006/main">
+  <p:cSld>
+    <p:spTree>
+      <p:nvGrpSpPr>
+        <p:cNvPr id="1" name=""/>
+        <p:cNvGrpSpPr/>
+        <p:nvPr/>
+      </p:nvGrpSpPr>
+      <p:grpSpPr>
+        <a:xfrm>
+          <a:off x="0" y="0"/>
+          <a:ext cx="0" cy="0"/>
+          <a:chOff x="0" y="0"/>
+          <a:chExt cx="0" cy="0"/>
+        </a:xfrm>
+      </p:grpSpPr>
+      <p:pic>
+        <p:nvPicPr>
+          <p:cNvPr id="4" name="Picture 3">
+            <a:extLst>
+              <a:ext uri="{FF2B5EF4-FFF2-40B4-BE49-F238E27FC236}">
+                <a16:creationId xmlns:a16="http://schemas.microsoft.com/office/drawing/2014/main" id="{950D9143-F8A5-4BD6-B870-06CE28E272FD}"/>
+              </a:ext>
+            </a:extLst>
+          </p:cNvPr>
+          <p:cNvPicPr>
+            <a:picLocks noChangeAspect="1"/>
+          </p:cNvPicPr>
+          <p:nvPr/>
+        </p:nvPicPr>
+        <p:blipFill>
+          <a:blip r:embed="rId2"/>
+          <a:stretch>
+            <a:fillRect/>
+          </a:stretch>
+        </p:blipFill>
+        <p:spPr>
+          <a:xfrm>
+            <a:off x="218427" y="472136"/>
+            <a:ext cx="7423879" cy="4401706"/>
+          </a:xfrm>
+          <a:prstGeom prst="rect">
+            <a:avLst/>
+          </a:prstGeom>
+        </p:spPr>
+      </p:pic>
+    </p:spTree>
+    <p:extLst>
+      <p:ext uri="{BB962C8B-B14F-4D97-AF65-F5344CB8AC3E}">
+        <p14:creationId xmlns:p14="http://schemas.microsoft.com/office/powerpoint/2010/main" val="1959247911"/>
+      </p:ext>
+    </p:extLst>
+  </p:cSld>
+  <p:clrMapOvr>
+    <a:masterClrMapping/>
+  </p:clrMapOvr>
+</p:sld>
+</file>
+
+<file path=ppt/slides/slide7.xml><?xml version="1.0" encoding="utf-8"?>
+<p:sld xmlns:a="http://schemas.openxmlformats.org/drawingml/2006/main" xmlns:r="http://schemas.openxmlformats.org/officeDocument/2006/relationships" xmlns:p="http://schemas.openxmlformats.org/presentationml/2006/main">
+  <p:cSld>
+    <p:spTree>
+      <p:nvGrpSpPr>
+        <p:cNvPr id="1" name=""/>
+        <p:cNvGrpSpPr/>
+        <p:nvPr/>
+      </p:nvGrpSpPr>
+      <p:grpSpPr>
+        <a:xfrm>
+          <a:off x="0" y="0"/>
+          <a:ext cx="0" cy="0"/>
+          <a:chOff x="0" y="0"/>
+          <a:chExt cx="0" cy="0"/>
+        </a:xfrm>
+      </p:grpSpPr>
+      <p:pic>
+        <p:nvPicPr>
+          <p:cNvPr id="5" name="Picture 4">
+            <a:extLst>
+              <a:ext uri="{FF2B5EF4-FFF2-40B4-BE49-F238E27FC236}">
+                <a16:creationId xmlns:a16="http://schemas.microsoft.com/office/drawing/2014/main" id="{7CB952ED-A5C3-4FE8-9C87-4B3E106E65C4}"/>
+              </a:ext>
+            </a:extLst>
+          </p:cNvPr>
+          <p:cNvPicPr>
+            <a:picLocks noChangeAspect="1"/>
+          </p:cNvPicPr>
+          <p:nvPr/>
+        </p:nvPicPr>
+        <p:blipFill>
+          <a:blip r:embed="rId2"/>
+          <a:stretch>
+            <a:fillRect/>
+          </a:stretch>
+        </p:blipFill>
+        <p:spPr>
+          <a:xfrm>
+            <a:off x="1055053" y="481013"/>
+            <a:ext cx="6361334" cy="3925888"/>
+          </a:xfrm>
+          <a:prstGeom prst="rect">
+            <a:avLst/>
+          </a:prstGeom>
+        </p:spPr>
+      </p:pic>
+    </p:spTree>
+    <p:extLst>
+      <p:ext uri="{BB962C8B-B14F-4D97-AF65-F5344CB8AC3E}">
+        <p14:creationId xmlns:p14="http://schemas.microsoft.com/office/powerpoint/2010/main" val="1177520424"/>
+      </p:ext>
+    </p:extLst>
+  </p:cSld>
+  <p:clrMapOvr>
+    <a:masterClrMapping/>
+  </p:clrMapOvr>
+</p:sld>
+</file>
+
+<file path=ppt/slides/slide8.xml><?xml version="1.0" encoding="utf-8"?>
+<p:sld xmlns:a="http://schemas.openxmlformats.org/drawingml/2006/main" xmlns:r="http://schemas.openxmlformats.org/officeDocument/2006/relationships" xmlns:p="http://schemas.openxmlformats.org/presentationml/2006/main">
+  <p:cSld>
+    <p:spTree>
+      <p:nvGrpSpPr>
+        <p:cNvPr id="1" name=""/>
+        <p:cNvGrpSpPr/>
+        <p:nvPr/>
+      </p:nvGrpSpPr>
+      <p:grpSpPr>
+        <a:xfrm>
+          <a:off x="0" y="0"/>
+          <a:ext cx="0" cy="0"/>
+          <a:chOff x="0" y="0"/>
+          <a:chExt cx="0" cy="0"/>
+        </a:xfrm>
+      </p:grpSpPr>
+      <p:pic>
+        <p:nvPicPr>
+          <p:cNvPr id="4" name="Picture 3">
+            <a:extLst>
+              <a:ext uri="{FF2B5EF4-FFF2-40B4-BE49-F238E27FC236}">
+                <a16:creationId xmlns:a16="http://schemas.microsoft.com/office/drawing/2014/main" id="{447D9AEB-0093-4047-A1F1-B39C3347A97F}"/>
+              </a:ext>
+            </a:extLst>
+          </p:cNvPr>
+          <p:cNvPicPr>
+            <a:picLocks noChangeAspect="1"/>
+          </p:cNvPicPr>
+          <p:nvPr/>
+        </p:nvPicPr>
+        <p:blipFill>
+          <a:blip r:embed="rId2"/>
+          <a:stretch>
+            <a:fillRect/>
+          </a:stretch>
+        </p:blipFill>
+        <p:spPr>
+          <a:xfrm>
+            <a:off x="510823" y="1609852"/>
+            <a:ext cx="5157787" cy="3183121"/>
+          </a:xfrm>
+          <a:prstGeom prst="rect">
+            <a:avLst/>
+          </a:prstGeom>
+        </p:spPr>
+      </p:pic>
+      <p:pic>
+        <p:nvPicPr>
+          <p:cNvPr id="5" name="Picture 4">
+            <a:extLst>
+              <a:ext uri="{FF2B5EF4-FFF2-40B4-BE49-F238E27FC236}">
+                <a16:creationId xmlns:a16="http://schemas.microsoft.com/office/drawing/2014/main" id="{1DB1BF33-4380-4520-911F-C000F237F780}"/>
+              </a:ext>
+            </a:extLst>
+          </p:cNvPr>
+          <p:cNvPicPr>
+            <a:picLocks noChangeAspect="1"/>
+          </p:cNvPicPr>
+          <p:nvPr/>
+        </p:nvPicPr>
+        <p:blipFill>
+          <a:blip r:embed="rId3"/>
+          <a:stretch>
+            <a:fillRect/>
+          </a:stretch>
+        </p:blipFill>
+        <p:spPr>
+          <a:xfrm>
+            <a:off x="6702223" y="1735575"/>
+            <a:ext cx="4750354" cy="2931674"/>
+          </a:xfrm>
+          <a:prstGeom prst="rect">
+            <a:avLst/>
+          </a:prstGeom>
+        </p:spPr>
+      </p:pic>
+    </p:spTree>
+    <p:extLst>
+      <p:ext uri="{BB962C8B-B14F-4D97-AF65-F5344CB8AC3E}">
+        <p14:creationId xmlns:p14="http://schemas.microsoft.com/office/powerpoint/2010/main" val="2619050652"/>
+      </p:ext>
+    </p:extLst>
+  </p:cSld>
+  <p:clrMapOvr>
+    <a:masterClrMapping/>
+  </p:clrMapOvr>
+</p:sld>
+</file>
+
+<file path=ppt/slides/slide9.xml><?xml version="1.0" encoding="utf-8"?>
+<p:sld xmlns:a="http://schemas.openxmlformats.org/drawingml/2006/main" xmlns:r="http://schemas.openxmlformats.org/officeDocument/2006/relationships" xmlns:p="http://schemas.openxmlformats.org/presentationml/2006/main">
+  <p:cSld>
+    <p:spTree>
+      <p:nvGrpSpPr>
+        <p:cNvPr id="1" name=""/>
+        <p:cNvGrpSpPr/>
+        <p:nvPr/>
+      </p:nvGrpSpPr>
+      <p:grpSpPr>
+        <a:xfrm>
+          <a:off x="0" y="0"/>
+          <a:ext cx="0" cy="0"/>
+          <a:chOff x="0" y="0"/>
+          <a:chExt cx="0" cy="0"/>
+        </a:xfrm>
+      </p:grpSpPr>
+      <p:pic>
+        <p:nvPicPr>
+          <p:cNvPr id="8" name="Picture 7">
+            <a:extLst>
+              <a:ext uri="{FF2B5EF4-FFF2-40B4-BE49-F238E27FC236}">
+                <a16:creationId xmlns:a16="http://schemas.microsoft.com/office/drawing/2014/main" id="{4578B566-7F3B-463C-AB1A-A362D5964EFC}"/>
+              </a:ext>
+            </a:extLst>
+          </p:cNvPr>
+          <p:cNvPicPr>
+            <a:picLocks noChangeAspect="1"/>
+          </p:cNvPicPr>
+          <p:nvPr/>
+        </p:nvPicPr>
+        <p:blipFill>
+          <a:blip r:embed="rId2"/>
+          <a:stretch>
+            <a:fillRect/>
+          </a:stretch>
+        </p:blipFill>
+        <p:spPr>
+          <a:xfrm>
+            <a:off x="6968608" y="887449"/>
+            <a:ext cx="4586287" cy="2541550"/>
+          </a:xfrm>
+          <a:prstGeom prst="rect">
+            <a:avLst/>
+          </a:prstGeom>
+        </p:spPr>
+      </p:pic>
+      <p:sp>
+        <p:nvSpPr>
+          <p:cNvPr id="6" name="Rectangle 5">
+            <a:extLst>
+              <a:ext uri="{FF2B5EF4-FFF2-40B4-BE49-F238E27FC236}">
+                <a16:creationId xmlns:a16="http://schemas.microsoft.com/office/drawing/2014/main" id="{C75B1545-0120-4ED2-883E-0E8A8EF49081}"/>
+              </a:ext>
+            </a:extLst>
+          </p:cNvPr>
+          <p:cNvSpPr/>
+          <p:nvPr/>
+        </p:nvSpPr>
+        <p:spPr>
+          <a:xfrm>
+            <a:off x="790575" y="335845"/>
+            <a:ext cx="6096000" cy="6186309"/>
+          </a:xfrm>
+          <a:prstGeom prst="rect">
+            <a:avLst/>
+          </a:prstGeom>
+        </p:spPr>
+        <p:txBody>
+          <a:bodyPr>
+            <a:spAutoFit/>
+          </a:bodyPr>
+          <a:lstStyle/>
+          <a:p>
+            <a:r>
+              <a:rPr lang="en-US" b="1" dirty="0"/>
+              <a:t>Name	Value	Unit	"Evaluated Value"	Type</a:t>
+            </a:r>
+            <a:r>
+              <a:rPr lang="en-US" dirty="0"/>
+              <a:t> </a:t>
+            </a:r>
+            <a:r>
+              <a:rPr lang="en-US" dirty="0" err="1"/>
+              <a:t>shaft_radius</a:t>
+            </a:r>
+            <a:r>
+              <a:rPr lang="en-US" dirty="0"/>
+              <a:t>	10	mm	10mm	Design </a:t>
+            </a:r>
+            <a:r>
+              <a:rPr lang="en-US" dirty="0" err="1"/>
+              <a:t>shaft_height</a:t>
+            </a:r>
+            <a:r>
+              <a:rPr lang="en-US" dirty="0"/>
+              <a:t>	40	mm	40mm	Design </a:t>
+            </a:r>
+            <a:r>
+              <a:rPr lang="en-US" dirty="0" err="1"/>
+              <a:t>r_inner_Rx</a:t>
+            </a:r>
+            <a:r>
+              <a:rPr lang="en-US" dirty="0"/>
+              <a:t>	15	mm	15mm	Design </a:t>
+            </a:r>
+            <a:r>
+              <a:rPr lang="en-US" dirty="0" err="1"/>
+              <a:t>w_Rx_copper</a:t>
+            </a:r>
+            <a:r>
+              <a:rPr lang="en-US" dirty="0"/>
+              <a:t>	2.5	mm	2.5mm	Design </a:t>
+            </a:r>
+            <a:r>
+              <a:rPr lang="en-US" dirty="0" err="1"/>
+              <a:t>layer_Rx</a:t>
+            </a:r>
+            <a:r>
+              <a:rPr lang="en-US" dirty="0"/>
+              <a:t>	 	1		1	Design </a:t>
+            </a:r>
+          </a:p>
+          <a:p>
+            <a:r>
+              <a:rPr lang="en-US" dirty="0"/>
+              <a:t>airgap		10	mm	10mm	Design </a:t>
+            </a:r>
+          </a:p>
+          <a:p>
+            <a:r>
+              <a:rPr lang="en-US" dirty="0" err="1"/>
+              <a:t>Nrx</a:t>
+            </a:r>
+            <a:r>
+              <a:rPr lang="en-US" dirty="0"/>
+              <a:t>		8		8	Design 	 f2Rx		2	mm	2mm	Design </a:t>
+            </a:r>
+            <a:r>
+              <a:rPr lang="en-US" dirty="0" err="1"/>
+              <a:t>w_Rx_fer</a:t>
+            </a:r>
+            <a:r>
+              <a:rPr lang="en-US" dirty="0"/>
+              <a:t>		8	mm	8mm	Design </a:t>
+            </a:r>
+            <a:r>
+              <a:rPr lang="en-US" dirty="0" err="1"/>
+              <a:t>h_Rx_fer</a:t>
+            </a:r>
+            <a:r>
+              <a:rPr lang="en-US" dirty="0"/>
+              <a:t>		2	mm	2mm	Design </a:t>
+            </a:r>
+            <a:r>
+              <a:rPr lang="en-US" dirty="0" err="1"/>
+              <a:t>L_Rx_fer</a:t>
+            </a:r>
+            <a:r>
+              <a:rPr lang="en-US" dirty="0"/>
+              <a:t>		20	mm	20mm	Design </a:t>
+            </a:r>
+            <a:r>
+              <a:rPr lang="en-US" dirty="0" err="1"/>
+              <a:t>r_inner_Tx</a:t>
+            </a:r>
+            <a:r>
+              <a:rPr lang="en-US" dirty="0"/>
+              <a:t>	15	mm	15mm	Design </a:t>
+            </a:r>
+            <a:r>
+              <a:rPr lang="en-US" dirty="0" err="1"/>
+              <a:t>w_Tx_copper</a:t>
+            </a:r>
+            <a:r>
+              <a:rPr lang="en-US" dirty="0"/>
+              <a:t>	1.25	mm	1.25mm	Design 	  </a:t>
+            </a:r>
+            <a:r>
+              <a:rPr lang="en-US" dirty="0" err="1"/>
+              <a:t>Ntx</a:t>
+            </a:r>
+            <a:r>
+              <a:rPr lang="en-US" dirty="0"/>
+              <a:t>		140		140	Design </a:t>
+            </a:r>
+            <a:r>
+              <a:rPr lang="en-US" dirty="0" err="1"/>
+              <a:t>layer_Tx</a:t>
+            </a:r>
+            <a:r>
+              <a:rPr lang="en-US" dirty="0"/>
+              <a:t>		6		6	Design </a:t>
+            </a:r>
+            <a:r>
+              <a:rPr lang="en-US" dirty="0" err="1"/>
+              <a:t>w_Tx_fer</a:t>
+            </a:r>
+            <a:r>
+              <a:rPr lang="en-US" dirty="0"/>
+              <a:t>		8	mm	8mm	Design        f2Tx		2	mm	2mm	Design </a:t>
+            </a:r>
+            <a:r>
+              <a:rPr lang="en-US" dirty="0" err="1"/>
+              <a:t>h_Tx_fer</a:t>
+            </a:r>
+            <a:r>
+              <a:rPr lang="en-US" dirty="0"/>
+              <a:t>		2	mm	2mm	Design </a:t>
+            </a:r>
+            <a:r>
+              <a:rPr lang="en-US" dirty="0" err="1"/>
+              <a:t>L_Tx_fer</a:t>
+            </a:r>
+            <a:r>
+              <a:rPr lang="en-US" dirty="0"/>
+              <a:t>		30	mm	30mm	Design rotation		0	deg	0deg	Design           </a:t>
+            </a:r>
+            <a:r>
+              <a:rPr lang="en-US" dirty="0" err="1"/>
+              <a:t>Irx</a:t>
+            </a:r>
+            <a:r>
+              <a:rPr lang="en-US" dirty="0"/>
+              <a:t>		15*</a:t>
+            </a:r>
+            <a:r>
+              <a:rPr lang="en-US" dirty="0" err="1"/>
+              <a:t>Nrx</a:t>
+            </a:r>
+            <a:r>
+              <a:rPr lang="en-US" dirty="0"/>
+              <a:t>		120	Design</a:t>
+            </a:r>
+          </a:p>
+        </p:txBody>
+      </p:sp>
+      <p:cxnSp>
+        <p:nvCxnSpPr>
+          <p:cNvPr id="10" name="Straight Arrow Connector 9">
+            <a:extLst>
+              <a:ext uri="{FF2B5EF4-FFF2-40B4-BE49-F238E27FC236}">
+                <a16:creationId xmlns:a16="http://schemas.microsoft.com/office/drawing/2014/main" id="{E404B825-F833-41DC-8786-CD47D70667E3}"/>
+              </a:ext>
+            </a:extLst>
+          </p:cNvPr>
+          <p:cNvCxnSpPr/>
+          <p:nvPr/>
+        </p:nvCxnSpPr>
+        <p:spPr>
+          <a:xfrm>
+            <a:off x="8842651" y="1085850"/>
+            <a:ext cx="838200" cy="0"/>
+          </a:xfrm>
+          <a:prstGeom prst="straightConnector1">
+            <a:avLst/>
+          </a:prstGeom>
+          <a:ln w="12700">
+            <a:solidFill>
+              <a:schemeClr val="tx1"/>
+            </a:solidFill>
+            <a:headEnd type="triangle"/>
+            <a:tailEnd type="triangle"/>
+          </a:ln>
+        </p:spPr>
+        <p:style>
+          <a:lnRef idx="1">
+            <a:schemeClr val="accent1"/>
+          </a:lnRef>
+          <a:fillRef idx="0">
+            <a:schemeClr val="accent1"/>
+          </a:fillRef>
+          <a:effectRef idx="0">
+            <a:schemeClr val="accent1"/>
+          </a:effectRef>
+          <a:fontRef idx="minor">
+            <a:schemeClr val="tx1"/>
+          </a:fontRef>
+        </p:style>
+      </p:cxnSp>
+      <p:sp>
+        <p:nvSpPr>
+          <p:cNvPr id="11" name="Rectangle 10">
+            <a:extLst>
+              <a:ext uri="{FF2B5EF4-FFF2-40B4-BE49-F238E27FC236}">
+                <a16:creationId xmlns:a16="http://schemas.microsoft.com/office/drawing/2014/main" id="{2D3F31B5-1843-413A-A611-8C86628DFD26}"/>
+              </a:ext>
+            </a:extLst>
+          </p:cNvPr>
+          <p:cNvSpPr/>
+          <p:nvPr/>
+        </p:nvSpPr>
+        <p:spPr>
+          <a:xfrm>
+            <a:off x="8893456" y="716518"/>
+            <a:ext cx="787395" cy="369332"/>
+          </a:xfrm>
+          <a:prstGeom prst="rect">
+            <a:avLst/>
+          </a:prstGeom>
+        </p:spPr>
+        <p:txBody>
+          <a:bodyPr wrap="none">
+            <a:spAutoFit/>
+          </a:bodyPr>
+          <a:lstStyle/>
+          <a:p>
+            <a:r>
+              <a:rPr lang="en-US" dirty="0"/>
+              <a:t>20mm</a:t>
+            </a:r>
+          </a:p>
+        </p:txBody>
+      </p:sp>
+      <p:cxnSp>
+        <p:nvCxnSpPr>
+          <p:cNvPr id="14" name="Straight Arrow Connector 13">
+            <a:extLst>
+              <a:ext uri="{FF2B5EF4-FFF2-40B4-BE49-F238E27FC236}">
+                <a16:creationId xmlns:a16="http://schemas.microsoft.com/office/drawing/2014/main" id="{61B76F70-CA93-4C4A-AB12-464AE0483679}"/>
+              </a:ext>
+            </a:extLst>
+          </p:cNvPr>
+          <p:cNvCxnSpPr>
+            <a:cxnSpLocks/>
+          </p:cNvCxnSpPr>
+          <p:nvPr/>
+        </p:nvCxnSpPr>
+        <p:spPr>
+          <a:xfrm>
+            <a:off x="7605081" y="2018511"/>
+            <a:ext cx="3208969" cy="0"/>
+          </a:xfrm>
+          <a:prstGeom prst="straightConnector1">
+            <a:avLst/>
+          </a:prstGeom>
+          <a:ln w="12700">
+            <a:solidFill>
+              <a:schemeClr val="tx1"/>
+            </a:solidFill>
+            <a:headEnd type="triangle"/>
+            <a:tailEnd type="triangle"/>
+          </a:ln>
+        </p:spPr>
+        <p:style>
+          <a:lnRef idx="1">
+            <a:schemeClr val="accent1"/>
+          </a:lnRef>
+          <a:fillRef idx="0">
+            <a:schemeClr val="accent1"/>
+          </a:fillRef>
+          <a:effectRef idx="0">
+            <a:schemeClr val="accent1"/>
+          </a:effectRef>
+          <a:fontRef idx="minor">
+            <a:schemeClr val="tx1"/>
+          </a:fontRef>
+        </p:style>
+      </p:cxnSp>
+      <p:sp>
+        <p:nvSpPr>
+          <p:cNvPr id="15" name="Rectangle 14">
+            <a:extLst>
+              <a:ext uri="{FF2B5EF4-FFF2-40B4-BE49-F238E27FC236}">
+                <a16:creationId xmlns:a16="http://schemas.microsoft.com/office/drawing/2014/main" id="{76723395-E419-4804-89ED-2FA060325123}"/>
+              </a:ext>
+            </a:extLst>
+          </p:cNvPr>
+          <p:cNvSpPr/>
+          <p:nvPr/>
+        </p:nvSpPr>
+        <p:spPr>
+          <a:xfrm>
+            <a:off x="8893456" y="1973558"/>
+            <a:ext cx="869429" cy="369332"/>
+          </a:xfrm>
+          <a:prstGeom prst="rect">
+            <a:avLst/>
+          </a:prstGeom>
+        </p:spPr>
+        <p:txBody>
+          <a:bodyPr wrap="square">
+            <a:spAutoFit/>
+          </a:bodyPr>
+          <a:lstStyle/>
+          <a:p>
+            <a:r>
+              <a:rPr lang="en-US" dirty="0"/>
+              <a:t>70mm</a:t>
+            </a:r>
+          </a:p>
+        </p:txBody>
+      </p:sp>
+      <p:cxnSp>
+        <p:nvCxnSpPr>
+          <p:cNvPr id="19" name="Straight Arrow Connector 18">
+            <a:extLst>
+              <a:ext uri="{FF2B5EF4-FFF2-40B4-BE49-F238E27FC236}">
+                <a16:creationId xmlns:a16="http://schemas.microsoft.com/office/drawing/2014/main" id="{9031F8F8-DF95-467D-BF58-AF866F87EB97}"/>
+              </a:ext>
+            </a:extLst>
+          </p:cNvPr>
+          <p:cNvCxnSpPr>
+            <a:cxnSpLocks/>
+          </p:cNvCxnSpPr>
+          <p:nvPr/>
+        </p:nvCxnSpPr>
+        <p:spPr>
+          <a:xfrm>
+            <a:off x="7172325" y="3056736"/>
+            <a:ext cx="4143375" cy="0"/>
+          </a:xfrm>
+          <a:prstGeom prst="straightConnector1">
+            <a:avLst/>
+          </a:prstGeom>
+          <a:ln w="12700">
+            <a:solidFill>
+              <a:schemeClr val="tx1"/>
+            </a:solidFill>
+            <a:headEnd type="triangle"/>
+            <a:tailEnd type="triangle"/>
+          </a:ln>
+        </p:spPr>
+        <p:style>
+          <a:lnRef idx="1">
+            <a:schemeClr val="accent1"/>
+          </a:lnRef>
+          <a:fillRef idx="0">
+            <a:schemeClr val="accent1"/>
+          </a:fillRef>
+          <a:effectRef idx="0">
+            <a:schemeClr val="accent1"/>
+          </a:effectRef>
+          <a:fontRef idx="minor">
+            <a:schemeClr val="tx1"/>
+          </a:fontRef>
+        </p:style>
+      </p:cxnSp>
+    </p:spTree>
+    <p:extLst>
+      <p:ext uri="{BB962C8B-B14F-4D97-AF65-F5344CB8AC3E}">
+        <p14:creationId xmlns:p14="http://schemas.microsoft.com/office/powerpoint/2010/main" val="1306890748"/>
+      </p:ext>
+    </p:extLst>
+  </p:cSld>
+  <p:clrMapOvr>
+    <a:masterClrMapping/>
+  </p:clrMapOvr>
+</p:sld>
+</file>
+
 <file path=ppt/theme/theme1.xml><?xml version="1.0" encoding="utf-8"?>
 <a:theme xmlns:a="http://schemas.openxmlformats.org/drawingml/2006/main" name="Office Theme">
   <a:themeElements>

--- a/Synhronous motor/Presentation/Design.pptx
+++ b/Synhronous motor/Presentation/Design.pptx
@@ -298,7 +298,7 @@
           <a:p>
             <a:fld id="{20930337-9DE0-481A-9DA4-22E60F373907}" type="datetimeFigureOut">
               <a:rPr lang="en-US" smtClean="0"/>
-              <a:t>4/20/2022</a:t>
+              <a:t>4/21/2022</a:t>
             </a:fld>
             <a:endParaRPr lang="en-US"/>
           </a:p>
@@ -496,7 +496,7 @@
           <a:p>
             <a:fld id="{20930337-9DE0-481A-9DA4-22E60F373907}" type="datetimeFigureOut">
               <a:rPr lang="en-US" smtClean="0"/>
-              <a:t>4/20/2022</a:t>
+              <a:t>4/21/2022</a:t>
             </a:fld>
             <a:endParaRPr lang="en-US"/>
           </a:p>
@@ -704,7 +704,7 @@
           <a:p>
             <a:fld id="{20930337-9DE0-481A-9DA4-22E60F373907}" type="datetimeFigureOut">
               <a:rPr lang="en-US" smtClean="0"/>
-              <a:t>4/20/2022</a:t>
+              <a:t>4/21/2022</a:t>
             </a:fld>
             <a:endParaRPr lang="en-US"/>
           </a:p>
@@ -902,7 +902,7 @@
           <a:p>
             <a:fld id="{20930337-9DE0-481A-9DA4-22E60F373907}" type="datetimeFigureOut">
               <a:rPr lang="en-US" smtClean="0"/>
-              <a:t>4/20/2022</a:t>
+              <a:t>4/21/2022</a:t>
             </a:fld>
             <a:endParaRPr lang="en-US"/>
           </a:p>
@@ -1177,7 +1177,7 @@
           <a:p>
             <a:fld id="{20930337-9DE0-481A-9DA4-22E60F373907}" type="datetimeFigureOut">
               <a:rPr lang="en-US" smtClean="0"/>
-              <a:t>4/20/2022</a:t>
+              <a:t>4/21/2022</a:t>
             </a:fld>
             <a:endParaRPr lang="en-US"/>
           </a:p>
@@ -1442,7 +1442,7 @@
           <a:p>
             <a:fld id="{20930337-9DE0-481A-9DA4-22E60F373907}" type="datetimeFigureOut">
               <a:rPr lang="en-US" smtClean="0"/>
-              <a:t>4/20/2022</a:t>
+              <a:t>4/21/2022</a:t>
             </a:fld>
             <a:endParaRPr lang="en-US"/>
           </a:p>
@@ -1854,7 +1854,7 @@
           <a:p>
             <a:fld id="{20930337-9DE0-481A-9DA4-22E60F373907}" type="datetimeFigureOut">
               <a:rPr lang="en-US" smtClean="0"/>
-              <a:t>4/20/2022</a:t>
+              <a:t>4/21/2022</a:t>
             </a:fld>
             <a:endParaRPr lang="en-US"/>
           </a:p>
@@ -1995,7 +1995,7 @@
           <a:p>
             <a:fld id="{20930337-9DE0-481A-9DA4-22E60F373907}" type="datetimeFigureOut">
               <a:rPr lang="en-US" smtClean="0"/>
-              <a:t>4/20/2022</a:t>
+              <a:t>4/21/2022</a:t>
             </a:fld>
             <a:endParaRPr lang="en-US"/>
           </a:p>
@@ -2108,7 +2108,7 @@
           <a:p>
             <a:fld id="{20930337-9DE0-481A-9DA4-22E60F373907}" type="datetimeFigureOut">
               <a:rPr lang="en-US" smtClean="0"/>
-              <a:t>4/20/2022</a:t>
+              <a:t>4/21/2022</a:t>
             </a:fld>
             <a:endParaRPr lang="en-US"/>
           </a:p>
@@ -2419,7 +2419,7 @@
           <a:p>
             <a:fld id="{20930337-9DE0-481A-9DA4-22E60F373907}" type="datetimeFigureOut">
               <a:rPr lang="en-US" smtClean="0"/>
-              <a:t>4/20/2022</a:t>
+              <a:t>4/21/2022</a:t>
             </a:fld>
             <a:endParaRPr lang="en-US"/>
           </a:p>
@@ -2707,7 +2707,7 @@
           <a:p>
             <a:fld id="{20930337-9DE0-481A-9DA4-22E60F373907}" type="datetimeFigureOut">
               <a:rPr lang="en-US" smtClean="0"/>
-              <a:t>4/20/2022</a:t>
+              <a:t>4/21/2022</a:t>
             </a:fld>
             <a:endParaRPr lang="en-US"/>
           </a:p>
@@ -2948,7 +2948,7 @@
           <a:p>
             <a:fld id="{20930337-9DE0-481A-9DA4-22E60F373907}" type="datetimeFigureOut">
               <a:rPr lang="en-US" smtClean="0"/>
-              <a:t>4/20/2022</a:t>
+              <a:t>4/21/2022</a:t>
             </a:fld>
             <a:endParaRPr lang="en-US"/>
           </a:p>
@@ -3379,8 +3379,8 @@
         </p:nvSpPr>
         <p:spPr>
           <a:xfrm>
-            <a:off x="448007" y="482599"/>
-            <a:ext cx="2923265" cy="1614055"/>
+            <a:off x="448008" y="482599"/>
+            <a:ext cx="3910928" cy="1614055"/>
           </a:xfrm>
           <a:prstGeom prst="rect">
             <a:avLst/>
@@ -3434,7 +3434,7 @@
                   <a:schemeClr val="tx1"/>
                 </a:solidFill>
               </a:rPr>
-              <a:t>DC-link voltage</a:t>
+              <a:t>DC-link voltage  (400 V)</a:t>
             </a:r>
           </a:p>
           <a:p>
@@ -3448,7 +3448,7 @@
                   <a:schemeClr val="tx1"/>
                 </a:solidFill>
               </a:rPr>
-              <a:t>Modulation </a:t>
+              <a:t>Modulation       (SPWM)</a:t>
             </a:r>
           </a:p>
           <a:p>
@@ -3462,7 +3462,7 @@
                   <a:schemeClr val="tx1"/>
                 </a:solidFill>
               </a:rPr>
-              <a:t>Phase Current</a:t>
+              <a:t>Phase Current   (10 A)</a:t>
             </a:r>
           </a:p>
           <a:p>
@@ -3476,7 +3476,7 @@
                   <a:schemeClr val="tx1"/>
                 </a:solidFill>
               </a:rPr>
-              <a:t>Field Voltage/Current</a:t>
+              <a:t>Field Voltage/Current (15 V-15A)</a:t>
             </a:r>
           </a:p>
           <a:p>
@@ -4033,8 +4033,8 @@
           <a:chExt cx="0" cy="0"/>
         </a:xfrm>
       </p:grpSpPr>
-      <mc:AlternateContent xmlns:mc="http://schemas.openxmlformats.org/markup-compatibility/2006">
-        <mc:Choice xmlns:a14="http://schemas.microsoft.com/office/drawing/2010/main" Requires="a14">
+      <mc:AlternateContent xmlns:mc="http://schemas.openxmlformats.org/markup-compatibility/2006" xmlns:a14="http://schemas.microsoft.com/office/drawing/2010/main">
+        <mc:Choice Requires="a14">
           <p:graphicFrame>
             <p:nvGraphicFramePr>
               <p:cNvPr id="5" name="Table 4">
@@ -4704,13 +4704,7 @@
                                   <a:rPr lang="en-US" b="0" i="1" smtClean="0">
                                     <a:latin typeface="Cambria Math" panose="02040503050406030204" pitchFamily="18" charset="0"/>
                                   </a:rPr>
-                                  <m:t>8.15</m:t>
-                                </m:r>
-                                <m:r>
-                                  <a:rPr lang="en-US" b="0" i="1" smtClean="0">
-                                    <a:latin typeface="Cambria Math" panose="02040503050406030204" pitchFamily="18" charset="0"/>
-                                  </a:rPr>
-                                  <m:t>  </m:t>
+                                  <m:t>8.15  </m:t>
                                 </m:r>
                                 <m:r>
                                   <a:rPr lang="en-US" b="0" i="1" smtClean="0">
@@ -5181,13 +5175,7 @@
                                   <a:rPr lang="en-US" b="0" i="1" smtClean="0">
                                     <a:latin typeface="Cambria Math" panose="02040503050406030204" pitchFamily="18" charset="0"/>
                                   </a:rPr>
-                                  <m:t>2336</m:t>
-                                </m:r>
-                                <m:r>
-                                  <a:rPr lang="en-US" b="0" i="1" smtClean="0">
-                                    <a:latin typeface="Cambria Math" panose="02040503050406030204" pitchFamily="18" charset="0"/>
-                                  </a:rPr>
-                                  <m:t> </m:t>
+                                  <m:t>2336 </m:t>
                                 </m:r>
                                 <m:r>
                                   <a:rPr lang="en-US" b="0" i="1" smtClean="0">
@@ -5658,13 +5646,7 @@
                                   <a:rPr lang="en-US" b="0" i="1" smtClean="0">
                                     <a:latin typeface="Cambria Math" panose="02040503050406030204" pitchFamily="18" charset="0"/>
                                   </a:rPr>
-                                  <m:t>99.7</m:t>
-                                </m:r>
-                                <m:r>
-                                  <a:rPr lang="en-US" b="0" i="1" smtClean="0">
-                                    <a:latin typeface="Cambria Math" panose="02040503050406030204" pitchFamily="18" charset="0"/>
-                                  </a:rPr>
-                                  <m:t>  </m:t>
+                                  <m:t>99.7  </m:t>
                                 </m:r>
                                 <m:r>
                                   <a:rPr lang="en-US" b="0" i="1" smtClean="0">
@@ -6190,7 +6172,7 @@
             </a:graphic>
           </p:graphicFrame>
         </mc:Choice>
-        <mc:Fallback>
+        <mc:Fallback xmlns="">
           <p:graphicFrame>
             <p:nvGraphicFramePr>
               <p:cNvPr id="5" name="Table 4">
